--- a/Slides/Lesson 5.4 Foldr.pptx
+++ b/Slides/Lesson 5.4 Foldr.pptx
@@ -5,7 +5,7 @@
     <p:sldMasterId id="2147483661" r:id="rId1"/>
   </p:sldMasterIdLst>
   <p:notesMasterIdLst>
-    <p:notesMasterId r:id="rId28"/>
+    <p:notesMasterId r:id="rId29"/>
   </p:notesMasterIdLst>
   <p:sldIdLst>
     <p:sldId id="257" r:id="rId2"/>
@@ -32,13 +32,14 @@
     <p:sldId id="332" r:id="rId23"/>
     <p:sldId id="344" r:id="rId24"/>
     <p:sldId id="333" r:id="rId25"/>
-    <p:sldId id="293" r:id="rId26"/>
-    <p:sldId id="294" r:id="rId27"/>
+    <p:sldId id="348" r:id="rId26"/>
+    <p:sldId id="293" r:id="rId27"/>
+    <p:sldId id="294" r:id="rId28"/>
   </p:sldIdLst>
   <p:sldSz cx="9144000" cy="6858000" type="screen4x3"/>
   <p:notesSz cx="6858000" cy="9144000"/>
   <p:custDataLst>
-    <p:tags r:id="rId29"/>
+    <p:tags r:id="rId30"/>
   </p:custDataLst>
   <p:defaultTextStyle>
     <a:defPPr>
@@ -243,7 +244,7 @@
             <a:fld id="{CF8F25F6-E1EF-4065-8525-42EDEBD9BD22}" type="datetimeFigureOut">
               <a:rPr lang="en-US" smtClean="0"/>
               <a:pPr/>
-              <a:t>8/29/2015</a:t>
+              <a:t>8/31/2016</a:t>
             </a:fld>
             <a:endParaRPr lang="en-US"/>
           </a:p>
@@ -309,38 +310,37 @@
           <a:p>
             <a:pPr lvl="0"/>
             <a:r>
-              <a:rPr lang="en-US" smtClean="0"/>
+              <a:rPr lang="en-US"/>
               <a:t>Click to edit Master text styles</a:t>
             </a:r>
           </a:p>
           <a:p>
             <a:pPr lvl="1"/>
             <a:r>
-              <a:rPr lang="en-US" smtClean="0"/>
+              <a:rPr lang="en-US"/>
               <a:t>Second level</a:t>
             </a:r>
           </a:p>
           <a:p>
             <a:pPr lvl="2"/>
             <a:r>
-              <a:rPr lang="en-US" smtClean="0"/>
+              <a:rPr lang="en-US"/>
               <a:t>Third level</a:t>
             </a:r>
           </a:p>
           <a:p>
             <a:pPr lvl="3"/>
             <a:r>
-              <a:rPr lang="en-US" smtClean="0"/>
+              <a:rPr lang="en-US"/>
               <a:t>Fourth level</a:t>
             </a:r>
           </a:p>
           <a:p>
             <a:pPr lvl="4"/>
             <a:r>
-              <a:rPr lang="en-US" smtClean="0"/>
+              <a:rPr lang="en-US"/>
               <a:t>Fifth level</a:t>
             </a:r>
-            <a:endParaRPr lang="en-US"/>
           </a:p>
         </p:txBody>
       </p:sp>
@@ -646,7 +646,7 @@
           <a:lstStyle/>
           <a:p>
             <a:r>
-              <a:rPr lang="en-US" sz="1200" kern="1200" dirty="0" smtClean="0">
+              <a:rPr lang="en-US" sz="1200" kern="1200" dirty="0">
                 <a:solidFill>
                   <a:schemeClr val="tx1"/>
                 </a:solidFill>
@@ -658,7 +658,7 @@
               <a:t>... and here's the answer.  </a:t>
             </a:r>
             <a:r>
-              <a:rPr lang="en-US" sz="1200" b="1" kern="1200" dirty="0" smtClean="0">
+              <a:rPr lang="en-US" sz="1200" b="1" kern="1200" dirty="0">
                 <a:solidFill>
                   <a:schemeClr val="tx1"/>
                 </a:solidFill>
@@ -670,7 +670,7 @@
               <a:t>foldr</a:t>
             </a:r>
             <a:r>
-              <a:rPr lang="en-US" sz="1200" kern="1200" dirty="0" smtClean="0">
+              <a:rPr lang="en-US" sz="1200" kern="1200" dirty="0">
                 <a:solidFill>
                   <a:schemeClr val="tx1"/>
                 </a:solidFill>
@@ -682,7 +682,7 @@
               <a:t> is being used with </a:t>
             </a:r>
             <a:r>
-              <a:rPr lang="en-US" sz="1200" b="1" kern="1200" dirty="0" smtClean="0">
+              <a:rPr lang="en-US" sz="1200" b="1" kern="1200" dirty="0">
                 <a:solidFill>
                   <a:schemeClr val="tx1"/>
                 </a:solidFill>
@@ -694,7 +694,7 @@
               <a:t>X</a:t>
             </a:r>
             <a:r>
-              <a:rPr lang="en-US" sz="1200" kern="1200" dirty="0" smtClean="0">
+              <a:rPr lang="en-US" sz="1200" kern="1200" dirty="0">
                 <a:solidFill>
                   <a:schemeClr val="tx1"/>
                 </a:solidFill>
@@ -706,7 +706,7 @@
               <a:t> = </a:t>
             </a:r>
             <a:r>
-              <a:rPr lang="en-US" sz="1200" b="1" kern="1200" dirty="0" smtClean="0">
+              <a:rPr lang="en-US" sz="1200" b="1" kern="1200" dirty="0">
                 <a:solidFill>
                   <a:schemeClr val="tx1"/>
                 </a:solidFill>
@@ -718,7 +718,7 @@
               <a:t>Boolean</a:t>
             </a:r>
             <a:r>
-              <a:rPr lang="en-US" sz="1200" kern="1200" dirty="0" smtClean="0">
+              <a:rPr lang="en-US" sz="1200" kern="1200" dirty="0">
                 <a:solidFill>
                   <a:schemeClr val="tx1"/>
                 </a:solidFill>
@@ -730,7 +730,7 @@
               <a:t> and </a:t>
             </a:r>
             <a:r>
-              <a:rPr lang="en-US" sz="1200" b="1" kern="1200" dirty="0" smtClean="0">
+              <a:rPr lang="en-US" sz="1200" b="1" kern="1200" dirty="0">
                 <a:solidFill>
                   <a:schemeClr val="tx1"/>
                 </a:solidFill>
@@ -742,7 +742,7 @@
               <a:t>Y</a:t>
             </a:r>
             <a:r>
-              <a:rPr lang="en-US" sz="1200" kern="1200" dirty="0" smtClean="0">
+              <a:rPr lang="en-US" sz="1200" kern="1200" dirty="0">
                 <a:solidFill>
                   <a:schemeClr val="tx1"/>
                 </a:solidFill>
@@ -754,7 +754,7 @@
               <a:t> = </a:t>
             </a:r>
             <a:r>
-              <a:rPr lang="en-US" sz="1200" b="1" kern="1200" dirty="0" smtClean="0">
+              <a:rPr lang="en-US" sz="1200" b="1" kern="1200" dirty="0">
                 <a:solidFill>
                   <a:schemeClr val="tx1"/>
                 </a:solidFill>
@@ -766,7 +766,7 @@
               <a:t>Number</a:t>
             </a:r>
             <a:r>
-              <a:rPr lang="en-US" sz="1200" kern="1200" dirty="0" smtClean="0">
+              <a:rPr lang="en-US" sz="1200" kern="1200" dirty="0">
                 <a:solidFill>
                   <a:schemeClr val="tx1"/>
                 </a:solidFill>
@@ -777,15 +777,6 @@
               </a:rPr>
               <a:t>.</a:t>
             </a:r>
-            <a:endParaRPr lang="en-US" sz="1200" kern="1200" dirty="0">
-              <a:solidFill>
-                <a:schemeClr val="tx1"/>
-              </a:solidFill>
-              <a:effectLst/>
-              <a:latin typeface="+mn-lt"/>
-              <a:ea typeface="+mn-ea"/>
-              <a:cs typeface="+mn-cs"/>
-            </a:endParaRPr>
           </a:p>
         </p:txBody>
       </p:sp>
@@ -1748,10 +1739,9 @@
           <a:lstStyle/>
           <a:p>
             <a:r>
-              <a:rPr lang="en-US" smtClean="0"/>
+              <a:rPr lang="en-US"/>
               <a:t>Click to edit Master title style</a:t>
             </a:r>
-            <a:endParaRPr lang="en-US"/>
           </a:p>
         </p:txBody>
       </p:sp>
@@ -1867,10 +1857,9 @@
           </a:lstStyle>
           <a:p>
             <a:r>
-              <a:rPr lang="en-US" smtClean="0"/>
+              <a:rPr lang="en-US"/>
               <a:t>Click to edit Master subtitle style</a:t>
             </a:r>
-            <a:endParaRPr lang="en-US"/>
           </a:p>
         </p:txBody>
       </p:sp>
@@ -1891,7 +1880,7 @@
           <a:p>
             <a:fld id="{2F1F79F5-7BEC-496A-AFC7-876E38F64D71}" type="datetime1">
               <a:rPr lang="en-US" smtClean="0"/>
-              <a:t>8/29/2015</a:t>
+              <a:t>8/31/2016</a:t>
             </a:fld>
             <a:endParaRPr lang="en-US"/>
           </a:p>
@@ -1949,13 +1938,6 @@
   <p:clrMapOvr>
     <a:masterClrMapping/>
   </p:clrMapOvr>
-  <p:timing>
-    <p:tnLst>
-      <p:par>
-        <p:cTn id="1" dur="indefinite" restart="never" nodeType="tmRoot"/>
-      </p:par>
-    </p:tnLst>
-  </p:timing>
 </p:sldLayout>
 </file>
 
@@ -1993,7 +1975,7 @@
           <a:p>
             <a:fld id="{0A05703A-7669-4FEA-9056-25299B4D29D4}" type="datetime1">
               <a:rPr lang="en-US" smtClean="0"/>
-              <a:t>8/29/2015</a:t>
+              <a:t>8/31/2016</a:t>
             </a:fld>
             <a:endParaRPr lang="en-US"/>
           </a:p>
@@ -2096,10 +2078,9 @@
           </a:lstStyle>
           <a:p>
             <a:r>
-              <a:rPr lang="en-US" smtClean="0"/>
+              <a:rPr lang="en-US"/>
               <a:t>Click to edit Master title style</a:t>
             </a:r>
-            <a:endParaRPr lang="en-US"/>
           </a:p>
         </p:txBody>
       </p:sp>
@@ -2153,38 +2134,37 @@
           <a:p>
             <a:pPr lvl="0"/>
             <a:r>
-              <a:rPr lang="en-US" smtClean="0"/>
+              <a:rPr lang="en-US"/>
               <a:t>Click to edit Master text styles</a:t>
             </a:r>
           </a:p>
           <a:p>
             <a:pPr lvl="1"/>
             <a:r>
-              <a:rPr lang="en-US" smtClean="0"/>
+              <a:rPr lang="en-US"/>
               <a:t>Second level</a:t>
             </a:r>
           </a:p>
           <a:p>
             <a:pPr lvl="2"/>
             <a:r>
-              <a:rPr lang="en-US" smtClean="0"/>
+              <a:rPr lang="en-US"/>
               <a:t>Third level</a:t>
             </a:r>
           </a:p>
           <a:p>
             <a:pPr lvl="3"/>
             <a:r>
-              <a:rPr lang="en-US" smtClean="0"/>
+              <a:rPr lang="en-US"/>
               <a:t>Fourth level</a:t>
             </a:r>
           </a:p>
           <a:p>
             <a:pPr lvl="4"/>
             <a:r>
-              <a:rPr lang="en-US" smtClean="0"/>
+              <a:rPr lang="en-US"/>
               <a:t>Fifth level</a:t>
             </a:r>
-            <a:endParaRPr lang="en-US"/>
           </a:p>
         </p:txBody>
       </p:sp>
@@ -2247,7 +2227,7 @@
           <a:p>
             <a:pPr lvl="0"/>
             <a:r>
-              <a:rPr lang="en-US" smtClean="0"/>
+              <a:rPr lang="en-US"/>
               <a:t>Click to edit Master text styles</a:t>
             </a:r>
           </a:p>
@@ -2270,7 +2250,7 @@
           <a:p>
             <a:fld id="{6E5077B5-BB57-49DB-88CA-226A139E5C01}" type="datetime1">
               <a:rPr lang="en-US" smtClean="0"/>
-              <a:t>8/29/2015</a:t>
+              <a:t>8/31/2016</a:t>
             </a:fld>
             <a:endParaRPr lang="en-US"/>
           </a:p>
@@ -2373,10 +2353,9 @@
           </a:lstStyle>
           <a:p>
             <a:r>
-              <a:rPr lang="en-US" smtClean="0"/>
+              <a:rPr lang="en-US"/>
               <a:t>Click to edit Master title style</a:t>
             </a:r>
-            <a:endParaRPr lang="en-US"/>
           </a:p>
         </p:txBody>
       </p:sp>
@@ -2500,7 +2479,7 @@
           <a:p>
             <a:pPr lvl="0"/>
             <a:r>
-              <a:rPr lang="en-US" smtClean="0"/>
+              <a:rPr lang="en-US"/>
               <a:t>Click to edit Master text styles</a:t>
             </a:r>
           </a:p>
@@ -2523,7 +2502,7 @@
           <a:p>
             <a:fld id="{C48D9447-CBD6-49A1-89FD-8512A8CF8999}" type="datetime1">
               <a:rPr lang="en-US" smtClean="0"/>
-              <a:t>8/29/2015</a:t>
+              <a:t>8/31/2016</a:t>
             </a:fld>
             <a:endParaRPr lang="en-US"/>
           </a:p>
@@ -2617,10 +2596,9 @@
           <a:lstStyle/>
           <a:p>
             <a:r>
-              <a:rPr lang="en-US" smtClean="0"/>
+              <a:rPr lang="en-US"/>
               <a:t>Click to edit Master title style</a:t>
             </a:r>
-            <a:endParaRPr lang="en-US"/>
           </a:p>
         </p:txBody>
       </p:sp>
@@ -2641,38 +2619,37 @@
           <a:p>
             <a:pPr lvl="0"/>
             <a:r>
-              <a:rPr lang="en-US" smtClean="0"/>
+              <a:rPr lang="en-US"/>
               <a:t>Click to edit Master text styles</a:t>
             </a:r>
           </a:p>
           <a:p>
             <a:pPr lvl="1"/>
             <a:r>
-              <a:rPr lang="en-US" smtClean="0"/>
+              <a:rPr lang="en-US"/>
               <a:t>Second level</a:t>
             </a:r>
           </a:p>
           <a:p>
             <a:pPr lvl="2"/>
             <a:r>
-              <a:rPr lang="en-US" smtClean="0"/>
+              <a:rPr lang="en-US"/>
               <a:t>Third level</a:t>
             </a:r>
           </a:p>
           <a:p>
             <a:pPr lvl="3"/>
             <a:r>
-              <a:rPr lang="en-US" smtClean="0"/>
+              <a:rPr lang="en-US"/>
               <a:t>Fourth level</a:t>
             </a:r>
           </a:p>
           <a:p>
             <a:pPr lvl="4"/>
             <a:r>
-              <a:rPr lang="en-US" smtClean="0"/>
+              <a:rPr lang="en-US"/>
               <a:t>Fifth level</a:t>
             </a:r>
-            <a:endParaRPr lang="en-US"/>
           </a:p>
         </p:txBody>
       </p:sp>
@@ -2693,7 +2670,7 @@
           <a:p>
             <a:fld id="{A3639A2A-823D-48B7-9ACE-7FAF42870BA9}" type="datetime1">
               <a:rPr lang="en-US" smtClean="0"/>
-              <a:t>8/29/2015</a:t>
+              <a:t>8/31/2016</a:t>
             </a:fld>
             <a:endParaRPr lang="en-US"/>
           </a:p>
@@ -2792,10 +2769,9 @@
           <a:lstStyle/>
           <a:p>
             <a:r>
-              <a:rPr lang="en-US" smtClean="0"/>
+              <a:rPr lang="en-US"/>
               <a:t>Click to edit Master title style</a:t>
             </a:r>
-            <a:endParaRPr lang="en-US"/>
           </a:p>
         </p:txBody>
       </p:sp>
@@ -2821,38 +2797,37 @@
           <a:p>
             <a:pPr lvl="0"/>
             <a:r>
-              <a:rPr lang="en-US" smtClean="0"/>
+              <a:rPr lang="en-US"/>
               <a:t>Click to edit Master text styles</a:t>
             </a:r>
           </a:p>
           <a:p>
             <a:pPr lvl="1"/>
             <a:r>
-              <a:rPr lang="en-US" smtClean="0"/>
+              <a:rPr lang="en-US"/>
               <a:t>Second level</a:t>
             </a:r>
           </a:p>
           <a:p>
             <a:pPr lvl="2"/>
             <a:r>
-              <a:rPr lang="en-US" smtClean="0"/>
+              <a:rPr lang="en-US"/>
               <a:t>Third level</a:t>
             </a:r>
           </a:p>
           <a:p>
             <a:pPr lvl="3"/>
             <a:r>
-              <a:rPr lang="en-US" smtClean="0"/>
+              <a:rPr lang="en-US"/>
               <a:t>Fourth level</a:t>
             </a:r>
           </a:p>
           <a:p>
             <a:pPr lvl="4"/>
             <a:r>
-              <a:rPr lang="en-US" smtClean="0"/>
+              <a:rPr lang="en-US"/>
               <a:t>Fifth level</a:t>
             </a:r>
-            <a:endParaRPr lang="en-US"/>
           </a:p>
         </p:txBody>
       </p:sp>
@@ -2873,7 +2848,7 @@
           <a:p>
             <a:fld id="{ED1B6996-82E9-463C-972C-7B56056E426C}" type="datetime1">
               <a:rPr lang="en-US" smtClean="0"/>
-              <a:t>8/29/2015</a:t>
+              <a:t>8/31/2016</a:t>
             </a:fld>
             <a:endParaRPr lang="en-US"/>
           </a:p>
@@ -2973,10 +2948,9 @@
           <a:lstStyle/>
           <a:p>
             <a:r>
-              <a:rPr lang="en-US" dirty="0" smtClean="0"/>
+              <a:rPr lang="en-US" dirty="0"/>
               <a:t>Click to edit Master title style</a:t>
             </a:r>
-            <a:endParaRPr lang="en-US" dirty="0"/>
           </a:p>
         </p:txBody>
       </p:sp>
@@ -2997,38 +2971,37 @@
           <a:p>
             <a:pPr lvl="0"/>
             <a:r>
-              <a:rPr lang="en-US" smtClean="0"/>
+              <a:rPr lang="en-US"/>
               <a:t>Click to edit Master text styles</a:t>
             </a:r>
           </a:p>
           <a:p>
             <a:pPr lvl="1"/>
             <a:r>
-              <a:rPr lang="en-US" smtClean="0"/>
+              <a:rPr lang="en-US"/>
               <a:t>Second level</a:t>
             </a:r>
           </a:p>
           <a:p>
             <a:pPr lvl="2"/>
             <a:r>
-              <a:rPr lang="en-US" smtClean="0"/>
+              <a:rPr lang="en-US"/>
               <a:t>Third level</a:t>
             </a:r>
           </a:p>
           <a:p>
             <a:pPr lvl="3"/>
             <a:r>
-              <a:rPr lang="en-US" smtClean="0"/>
+              <a:rPr lang="en-US"/>
               <a:t>Fourth level</a:t>
             </a:r>
           </a:p>
           <a:p>
             <a:pPr lvl="4"/>
             <a:r>
-              <a:rPr lang="en-US" smtClean="0"/>
+              <a:rPr lang="en-US"/>
               <a:t>Fifth level</a:t>
             </a:r>
-            <a:endParaRPr lang="en-US"/>
           </a:p>
         </p:txBody>
       </p:sp>
@@ -3049,7 +3022,7 @@
           <a:p>
             <a:fld id="{E22ED4DA-448D-4BB1-B935-CC112220207B}" type="datetime1">
               <a:rPr lang="en-US" smtClean="0"/>
-              <a:t>8/29/2015</a:t>
+              <a:t>8/31/2016</a:t>
             </a:fld>
             <a:endParaRPr lang="en-US"/>
           </a:p>
@@ -3107,13 +3080,6 @@
   <p:clrMapOvr>
     <a:masterClrMapping/>
   </p:clrMapOvr>
-  <p:timing>
-    <p:tnLst>
-      <p:par>
-        <p:cTn id="1" dur="indefinite" restart="never" nodeType="tmRoot"/>
-      </p:par>
-    </p:tnLst>
-  </p:timing>
 </p:sldLayout>
 </file>
 
@@ -3150,10 +3116,9 @@
           <a:lstStyle/>
           <a:p>
             <a:r>
-              <a:rPr lang="en-US" smtClean="0"/>
+              <a:rPr lang="en-US"/>
               <a:t>Click to edit Master title style</a:t>
             </a:r>
-            <a:endParaRPr lang="en-US"/>
           </a:p>
         </p:txBody>
       </p:sp>
@@ -3179,38 +3144,37 @@
           <a:p>
             <a:pPr lvl="0"/>
             <a:r>
-              <a:rPr lang="en-US" dirty="0" smtClean="0"/>
+              <a:rPr lang="en-US" dirty="0"/>
               <a:t>Click to edit Master text styles</a:t>
             </a:r>
           </a:p>
           <a:p>
             <a:pPr lvl="1"/>
             <a:r>
-              <a:rPr lang="en-US" dirty="0" smtClean="0"/>
+              <a:rPr lang="en-US" dirty="0"/>
               <a:t>Second level</a:t>
             </a:r>
           </a:p>
           <a:p>
             <a:pPr lvl="2"/>
             <a:r>
-              <a:rPr lang="en-US" dirty="0" smtClean="0"/>
+              <a:rPr lang="en-US" dirty="0"/>
               <a:t>Third level</a:t>
             </a:r>
           </a:p>
           <a:p>
             <a:pPr lvl="3"/>
             <a:r>
-              <a:rPr lang="en-US" dirty="0" smtClean="0"/>
+              <a:rPr lang="en-US" dirty="0"/>
               <a:t>Fourth level</a:t>
             </a:r>
           </a:p>
           <a:p>
             <a:pPr lvl="4"/>
             <a:r>
-              <a:rPr lang="en-US" dirty="0" smtClean="0"/>
+              <a:rPr lang="en-US" dirty="0"/>
               <a:t>Fifth level</a:t>
             </a:r>
-            <a:endParaRPr lang="en-US" dirty="0"/>
           </a:p>
         </p:txBody>
       </p:sp>
@@ -3231,7 +3195,7 @@
           <a:p>
             <a:fld id="{E22ED4DA-448D-4BB1-B935-CC112220207B}" type="datetime1">
               <a:rPr lang="en-US" smtClean="0"/>
-              <a:t>8/29/2015</a:t>
+              <a:t>8/31/2016</a:t>
             </a:fld>
             <a:endParaRPr lang="en-US"/>
           </a:p>
@@ -3321,7 +3285,7 @@
           <a:lstStyle/>
           <a:p>
             <a:pPr algn="ctr"/>
-            <a:endParaRPr lang="en-US" dirty="0" smtClean="0">
+            <a:endParaRPr lang="en-US" dirty="0">
               <a:solidFill>
                 <a:schemeClr val="tx1"/>
               </a:solidFill>
@@ -3352,11 +3316,11 @@
           <a:lstStyle/>
           <a:p>
             <a:r>
-              <a:rPr lang="en-US" dirty="0" smtClean="0"/>
+              <a:rPr lang="en-US" dirty="0"/>
               <a:t>Resize video to this</a:t>
             </a:r>
             <a:r>
-              <a:rPr lang="en-US" baseline="0" dirty="0" smtClean="0"/>
+              <a:rPr lang="en-US" baseline="0" dirty="0"/>
               <a:t> box.</a:t>
             </a:r>
             <a:endParaRPr lang="en-US" dirty="0"/>
@@ -3373,13 +3337,6 @@
   <p:clrMapOvr>
     <a:masterClrMapping/>
   </p:clrMapOvr>
-  <p:timing>
-    <p:tnLst>
-      <p:par>
-        <p:cTn id="1" dur="indefinite" restart="never" nodeType="tmRoot"/>
-      </p:par>
-    </p:tnLst>
-  </p:timing>
 </p:sldLayout>
 </file>
 
@@ -3416,10 +3373,9 @@
           <a:lstStyle/>
           <a:p>
             <a:r>
-              <a:rPr lang="en-US" smtClean="0"/>
+              <a:rPr lang="en-US"/>
               <a:t>Click to edit Master title style</a:t>
             </a:r>
-            <a:endParaRPr lang="en-US"/>
           </a:p>
         </p:txBody>
       </p:sp>
@@ -3448,38 +3404,37 @@
           <a:p>
             <a:pPr lvl="0"/>
             <a:r>
-              <a:rPr lang="en-US" dirty="0" smtClean="0"/>
+              <a:rPr lang="en-US" dirty="0"/>
               <a:t>Click to edit Master text styles</a:t>
             </a:r>
           </a:p>
           <a:p>
             <a:pPr lvl="1"/>
             <a:r>
-              <a:rPr lang="en-US" dirty="0" smtClean="0"/>
+              <a:rPr lang="en-US" dirty="0"/>
               <a:t>Second level</a:t>
             </a:r>
           </a:p>
           <a:p>
             <a:pPr lvl="2"/>
             <a:r>
-              <a:rPr lang="en-US" dirty="0" smtClean="0"/>
+              <a:rPr lang="en-US" dirty="0"/>
               <a:t>Third level</a:t>
             </a:r>
           </a:p>
           <a:p>
             <a:pPr lvl="3"/>
             <a:r>
-              <a:rPr lang="en-US" dirty="0" smtClean="0"/>
+              <a:rPr lang="en-US" dirty="0"/>
               <a:t>Fourth level</a:t>
             </a:r>
           </a:p>
           <a:p>
             <a:pPr lvl="4"/>
             <a:r>
-              <a:rPr lang="en-US" dirty="0" smtClean="0"/>
+              <a:rPr lang="en-US" dirty="0"/>
               <a:t>Fifth level</a:t>
             </a:r>
-            <a:endParaRPr lang="en-US" dirty="0"/>
           </a:p>
         </p:txBody>
       </p:sp>
@@ -3500,7 +3455,7 @@
           <a:p>
             <a:fld id="{FF5D65A6-AB94-4435-B0B7-3743215FA46C}" type="datetime1">
               <a:rPr lang="en-US" smtClean="0"/>
-              <a:t>8/29/2015</a:t>
+              <a:t>8/31/2016</a:t>
             </a:fld>
             <a:endParaRPr lang="en-US"/>
           </a:p>
@@ -3558,13 +3513,6 @@
   <p:clrMapOvr>
     <a:masterClrMapping/>
   </p:clrMapOvr>
-  <p:timing>
-    <p:tnLst>
-      <p:par>
-        <p:cTn id="1" dur="indefinite" restart="never" nodeType="tmRoot"/>
-      </p:par>
-    </p:tnLst>
-  </p:timing>
 </p:sldLayout>
 </file>
 
@@ -3601,10 +3549,9 @@
           <a:lstStyle/>
           <a:p>
             <a:r>
-              <a:rPr lang="en-US" smtClean="0"/>
+              <a:rPr lang="en-US"/>
               <a:t>Click to edit Master title style</a:t>
             </a:r>
-            <a:endParaRPr lang="en-US"/>
           </a:p>
         </p:txBody>
       </p:sp>
@@ -3633,38 +3580,37 @@
           <a:p>
             <a:pPr lvl="0"/>
             <a:r>
-              <a:rPr lang="en-US" dirty="0" smtClean="0"/>
+              <a:rPr lang="en-US" dirty="0"/>
               <a:t>Click to edit Master text styles</a:t>
             </a:r>
           </a:p>
           <a:p>
             <a:pPr lvl="1"/>
             <a:r>
-              <a:rPr lang="en-US" dirty="0" smtClean="0"/>
+              <a:rPr lang="en-US" dirty="0"/>
               <a:t>Second level</a:t>
             </a:r>
           </a:p>
           <a:p>
             <a:pPr lvl="2"/>
             <a:r>
-              <a:rPr lang="en-US" dirty="0" smtClean="0"/>
+              <a:rPr lang="en-US" dirty="0"/>
               <a:t>Third level</a:t>
             </a:r>
           </a:p>
           <a:p>
             <a:pPr lvl="3"/>
             <a:r>
-              <a:rPr lang="en-US" dirty="0" smtClean="0"/>
+              <a:rPr lang="en-US" dirty="0"/>
               <a:t>Fourth level</a:t>
             </a:r>
           </a:p>
           <a:p>
             <a:pPr lvl="4"/>
             <a:r>
-              <a:rPr lang="en-US" dirty="0" smtClean="0"/>
+              <a:rPr lang="en-US" dirty="0"/>
               <a:t>Fifth level</a:t>
             </a:r>
-            <a:endParaRPr lang="en-US" dirty="0"/>
           </a:p>
         </p:txBody>
       </p:sp>
@@ -3685,7 +3631,7 @@
           <a:p>
             <a:fld id="{FF5D65A6-AB94-4435-B0B7-3743215FA46C}" type="datetime1">
               <a:rPr lang="en-US" smtClean="0"/>
-              <a:t>8/29/2015</a:t>
+              <a:t>8/31/2016</a:t>
             </a:fld>
             <a:endParaRPr lang="en-US"/>
           </a:p>
@@ -3792,13 +3738,6 @@
   <p:clrMapOvr>
     <a:masterClrMapping/>
   </p:clrMapOvr>
-  <p:timing>
-    <p:tnLst>
-      <p:par>
-        <p:cTn id="1" dur="indefinite" restart="never" nodeType="tmRoot"/>
-      </p:par>
-    </p:tnLst>
-  </p:timing>
 </p:sldLayout>
 </file>
 
@@ -3844,10 +3783,9 @@
           </a:lstStyle>
           <a:p>
             <a:r>
-              <a:rPr lang="en-US" smtClean="0"/>
+              <a:rPr lang="en-US"/>
               <a:t>Click to edit Master title style</a:t>
             </a:r>
-            <a:endParaRPr lang="en-US"/>
           </a:p>
         </p:txBody>
       </p:sp>
@@ -3964,7 +3902,7 @@
           <a:p>
             <a:pPr lvl="0"/>
             <a:r>
-              <a:rPr lang="en-US" smtClean="0"/>
+              <a:rPr lang="en-US"/>
               <a:t>Click to edit Master text styles</a:t>
             </a:r>
           </a:p>
@@ -3987,7 +3925,7 @@
           <a:p>
             <a:fld id="{7C193DC4-6EF0-48C9-B29C-616106A645E1}" type="datetime1">
               <a:rPr lang="en-US" smtClean="0"/>
-              <a:t>8/29/2015</a:t>
+              <a:t>8/31/2016</a:t>
             </a:fld>
             <a:endParaRPr lang="en-US"/>
           </a:p>
@@ -4081,10 +4019,9 @@
           <a:lstStyle/>
           <a:p>
             <a:r>
-              <a:rPr lang="en-US" smtClean="0"/>
+              <a:rPr lang="en-US"/>
               <a:t>Click to edit Master title style</a:t>
             </a:r>
-            <a:endParaRPr lang="en-US"/>
           </a:p>
         </p:txBody>
       </p:sp>
@@ -4138,38 +4075,37 @@
           <a:p>
             <a:pPr lvl="0"/>
             <a:r>
-              <a:rPr lang="en-US" smtClean="0"/>
+              <a:rPr lang="en-US"/>
               <a:t>Click to edit Master text styles</a:t>
             </a:r>
           </a:p>
           <a:p>
             <a:pPr lvl="1"/>
             <a:r>
-              <a:rPr lang="en-US" smtClean="0"/>
+              <a:rPr lang="en-US"/>
               <a:t>Second level</a:t>
             </a:r>
           </a:p>
           <a:p>
             <a:pPr lvl="2"/>
             <a:r>
-              <a:rPr lang="en-US" smtClean="0"/>
+              <a:rPr lang="en-US"/>
               <a:t>Third level</a:t>
             </a:r>
           </a:p>
           <a:p>
             <a:pPr lvl="3"/>
             <a:r>
-              <a:rPr lang="en-US" smtClean="0"/>
+              <a:rPr lang="en-US"/>
               <a:t>Fourth level</a:t>
             </a:r>
           </a:p>
           <a:p>
             <a:pPr lvl="4"/>
             <a:r>
-              <a:rPr lang="en-US" smtClean="0"/>
+              <a:rPr lang="en-US"/>
               <a:t>Fifth level</a:t>
             </a:r>
-            <a:endParaRPr lang="en-US"/>
           </a:p>
         </p:txBody>
       </p:sp>
@@ -4223,38 +4159,37 @@
           <a:p>
             <a:pPr lvl="0"/>
             <a:r>
-              <a:rPr lang="en-US" smtClean="0"/>
+              <a:rPr lang="en-US"/>
               <a:t>Click to edit Master text styles</a:t>
             </a:r>
           </a:p>
           <a:p>
             <a:pPr lvl="1"/>
             <a:r>
-              <a:rPr lang="en-US" smtClean="0"/>
+              <a:rPr lang="en-US"/>
               <a:t>Second level</a:t>
             </a:r>
           </a:p>
           <a:p>
             <a:pPr lvl="2"/>
             <a:r>
-              <a:rPr lang="en-US" smtClean="0"/>
+              <a:rPr lang="en-US"/>
               <a:t>Third level</a:t>
             </a:r>
           </a:p>
           <a:p>
             <a:pPr lvl="3"/>
             <a:r>
-              <a:rPr lang="en-US" smtClean="0"/>
+              <a:rPr lang="en-US"/>
               <a:t>Fourth level</a:t>
             </a:r>
           </a:p>
           <a:p>
             <a:pPr lvl="4"/>
             <a:r>
-              <a:rPr lang="en-US" smtClean="0"/>
+              <a:rPr lang="en-US"/>
               <a:t>Fifth level</a:t>
             </a:r>
-            <a:endParaRPr lang="en-US"/>
           </a:p>
         </p:txBody>
       </p:sp>
@@ -4275,7 +4210,7 @@
           <a:p>
             <a:fld id="{5D1846AD-9252-4647-9435-4C2AC365653A}" type="datetime1">
               <a:rPr lang="en-US" smtClean="0"/>
-              <a:t>8/29/2015</a:t>
+              <a:t>8/31/2016</a:t>
             </a:fld>
             <a:endParaRPr lang="en-US"/>
           </a:p>
@@ -4373,10 +4308,9 @@
           </a:lstStyle>
           <a:p>
             <a:r>
-              <a:rPr lang="en-US" smtClean="0"/>
+              <a:rPr lang="en-US"/>
               <a:t>Click to edit Master title style</a:t>
             </a:r>
-            <a:endParaRPr lang="en-US"/>
           </a:p>
         </p:txBody>
       </p:sp>
@@ -4439,7 +4373,7 @@
           <a:p>
             <a:pPr lvl="0"/>
             <a:r>
-              <a:rPr lang="en-US" smtClean="0"/>
+              <a:rPr lang="en-US"/>
               <a:t>Click to edit Master text styles</a:t>
             </a:r>
           </a:p>
@@ -4495,38 +4429,37 @@
           <a:p>
             <a:pPr lvl="0"/>
             <a:r>
-              <a:rPr lang="en-US" smtClean="0"/>
+              <a:rPr lang="en-US"/>
               <a:t>Click to edit Master text styles</a:t>
             </a:r>
           </a:p>
           <a:p>
             <a:pPr lvl="1"/>
             <a:r>
-              <a:rPr lang="en-US" smtClean="0"/>
+              <a:rPr lang="en-US"/>
               <a:t>Second level</a:t>
             </a:r>
           </a:p>
           <a:p>
             <a:pPr lvl="2"/>
             <a:r>
-              <a:rPr lang="en-US" smtClean="0"/>
+              <a:rPr lang="en-US"/>
               <a:t>Third level</a:t>
             </a:r>
           </a:p>
           <a:p>
             <a:pPr lvl="3"/>
             <a:r>
-              <a:rPr lang="en-US" smtClean="0"/>
+              <a:rPr lang="en-US"/>
               <a:t>Fourth level</a:t>
             </a:r>
           </a:p>
           <a:p>
             <a:pPr lvl="4"/>
             <a:r>
-              <a:rPr lang="en-US" smtClean="0"/>
+              <a:rPr lang="en-US"/>
               <a:t>Fifth level</a:t>
             </a:r>
-            <a:endParaRPr lang="en-US"/>
           </a:p>
         </p:txBody>
       </p:sp>
@@ -4589,7 +4522,7 @@
           <a:p>
             <a:pPr lvl="0"/>
             <a:r>
-              <a:rPr lang="en-US" smtClean="0"/>
+              <a:rPr lang="en-US"/>
               <a:t>Click to edit Master text styles</a:t>
             </a:r>
           </a:p>
@@ -4645,38 +4578,37 @@
           <a:p>
             <a:pPr lvl="0"/>
             <a:r>
-              <a:rPr lang="en-US" smtClean="0"/>
+              <a:rPr lang="en-US"/>
               <a:t>Click to edit Master text styles</a:t>
             </a:r>
           </a:p>
           <a:p>
             <a:pPr lvl="1"/>
             <a:r>
-              <a:rPr lang="en-US" smtClean="0"/>
+              <a:rPr lang="en-US"/>
               <a:t>Second level</a:t>
             </a:r>
           </a:p>
           <a:p>
             <a:pPr lvl="2"/>
             <a:r>
-              <a:rPr lang="en-US" smtClean="0"/>
+              <a:rPr lang="en-US"/>
               <a:t>Third level</a:t>
             </a:r>
           </a:p>
           <a:p>
             <a:pPr lvl="3"/>
             <a:r>
-              <a:rPr lang="en-US" smtClean="0"/>
+              <a:rPr lang="en-US"/>
               <a:t>Fourth level</a:t>
             </a:r>
           </a:p>
           <a:p>
             <a:pPr lvl="4"/>
             <a:r>
-              <a:rPr lang="en-US" smtClean="0"/>
+              <a:rPr lang="en-US"/>
               <a:t>Fifth level</a:t>
             </a:r>
-            <a:endParaRPr lang="en-US"/>
           </a:p>
         </p:txBody>
       </p:sp>
@@ -4697,7 +4629,7 @@
           <a:p>
             <a:fld id="{CE56DC10-3561-4063-A6AF-C1CC7A41040A}" type="datetime1">
               <a:rPr lang="en-US" smtClean="0"/>
-              <a:t>8/29/2015</a:t>
+              <a:t>8/31/2016</a:t>
             </a:fld>
             <a:endParaRPr lang="en-US"/>
           </a:p>
@@ -4791,10 +4723,9 @@
           <a:lstStyle/>
           <a:p>
             <a:r>
-              <a:rPr lang="en-US" smtClean="0"/>
+              <a:rPr lang="en-US"/>
               <a:t>Click to edit Master title style</a:t>
             </a:r>
-            <a:endParaRPr lang="en-US"/>
           </a:p>
         </p:txBody>
       </p:sp>
@@ -4815,7 +4746,7 @@
           <a:p>
             <a:fld id="{2F7B77F5-1464-4F6B-92A8-64FC8A508293}" type="datetime1">
               <a:rPr lang="en-US" smtClean="0"/>
-              <a:t>8/29/2015</a:t>
+              <a:t>8/31/2016</a:t>
             </a:fld>
             <a:endParaRPr lang="en-US"/>
           </a:p>
@@ -4873,13 +4804,6 @@
   <p:clrMapOvr>
     <a:masterClrMapping/>
   </p:clrMapOvr>
-  <p:timing>
-    <p:tnLst>
-      <p:par>
-        <p:cTn id="1" dur="indefinite" restart="never" nodeType="tmRoot"/>
-      </p:par>
-    </p:tnLst>
-  </p:timing>
 </p:sldLayout>
 </file>
 
@@ -4943,10 +4867,9 @@
           <a:lstStyle/>
           <a:p>
             <a:r>
-              <a:rPr lang="en-US" smtClean="0"/>
+              <a:rPr lang="en-US"/>
               <a:t>Click to edit Master title style</a:t>
             </a:r>
-            <a:endParaRPr lang="en-US"/>
           </a:p>
         </p:txBody>
       </p:sp>
@@ -4977,38 +4900,37 @@
           <a:p>
             <a:pPr lvl="0"/>
             <a:r>
-              <a:rPr lang="en-US" smtClean="0"/>
+              <a:rPr lang="en-US"/>
               <a:t>Click to edit Master text styles</a:t>
             </a:r>
           </a:p>
           <a:p>
             <a:pPr lvl="1"/>
             <a:r>
-              <a:rPr lang="en-US" smtClean="0"/>
+              <a:rPr lang="en-US"/>
               <a:t>Second level</a:t>
             </a:r>
           </a:p>
           <a:p>
             <a:pPr lvl="2"/>
             <a:r>
-              <a:rPr lang="en-US" smtClean="0"/>
+              <a:rPr lang="en-US"/>
               <a:t>Third level</a:t>
             </a:r>
           </a:p>
           <a:p>
             <a:pPr lvl="3"/>
             <a:r>
-              <a:rPr lang="en-US" smtClean="0"/>
+              <a:rPr lang="en-US"/>
               <a:t>Fourth level</a:t>
             </a:r>
           </a:p>
           <a:p>
             <a:pPr lvl="4"/>
             <a:r>
-              <a:rPr lang="en-US" smtClean="0"/>
+              <a:rPr lang="en-US"/>
               <a:t>Fifth level</a:t>
             </a:r>
-            <a:endParaRPr lang="en-US"/>
           </a:p>
         </p:txBody>
       </p:sp>
@@ -5047,7 +4969,7 @@
           <a:p>
             <a:fld id="{02B3F677-983B-48DB-ADFD-63FE6CBC7FB2}" type="datetime1">
               <a:rPr lang="en-US" smtClean="0"/>
-              <a:t>8/29/2015</a:t>
+              <a:t>8/31/2016</a:t>
             </a:fld>
             <a:endParaRPr lang="en-US"/>
           </a:p>
@@ -5155,13 +5077,6 @@
     <p:sldLayoutId id="2147483674" r:id="rId13"/>
     <p:sldLayoutId id="2147483675" r:id="rId14"/>
   </p:sldLayoutIdLst>
-  <p:timing>
-    <p:tnLst>
-      <p:par>
-        <p:cTn id="1" dur="indefinite" restart="never" nodeType="tmRoot"/>
-      </p:par>
-    </p:tnLst>
-  </p:timing>
   <p:hf hdr="0" ftr="0" dt="0"/>
   <p:txStyles>
     <p:titleStyle>
@@ -5449,7 +5364,7 @@
           <a:lstStyle/>
           <a:p>
             <a:r>
-              <a:rPr lang="en-US" b="1" dirty="0" smtClean="0">
+              <a:rPr lang="en-US" b="1" dirty="0">
                 <a:latin typeface="Consolas" panose="020B0609020204030204" pitchFamily="49" charset="0"/>
                 <a:cs typeface="Consolas" panose="020B0609020204030204" pitchFamily="49" charset="0"/>
               </a:rPr>
@@ -5475,21 +5390,21 @@
           <a:lstStyle/>
           <a:p>
             <a:r>
-              <a:rPr lang="en-US" dirty="0" smtClean="0"/>
+              <a:rPr lang="en-US" dirty="0"/>
               <a:t>CS 5010 Program Design Paradigms “</a:t>
             </a:r>
             <a:r>
-              <a:rPr lang="en-US" dirty="0" err="1" smtClean="0"/>
+              <a:rPr lang="en-US" dirty="0" err="1"/>
               <a:t>Bootcamp</a:t>
             </a:r>
             <a:r>
-              <a:rPr lang="en-US" dirty="0" smtClean="0"/>
+              <a:rPr lang="en-US" dirty="0"/>
               <a:t>”</a:t>
             </a:r>
           </a:p>
           <a:p>
             <a:r>
-              <a:rPr lang="en-US" dirty="0" smtClean="0"/>
+              <a:rPr lang="en-US" dirty="0"/>
               <a:t>Lesson 5.4</a:t>
             </a:r>
           </a:p>
@@ -5549,29 +5464,29 @@
           <a:lstStyle/>
           <a:p>
             <a:r>
-              <a:rPr lang="en-US" smtClean="0"/>
+              <a:rPr lang="en-US"/>
               <a:t>TexPoint fonts used in EMF. </a:t>
             </a:r>
           </a:p>
           <a:p>
             <a:r>
-              <a:rPr lang="en-US" smtClean="0"/>
+              <a:rPr lang="en-US"/>
               <a:t>Read the TexPoint manual before you delete this box.: </a:t>
             </a:r>
             <a:r>
-              <a:rPr lang="en-US" smtClean="0">
+              <a:rPr lang="en-US">
                 <a:latin typeface="CMMI10"/>
               </a:rPr>
               <a:t>A</a:t>
             </a:r>
             <a:r>
-              <a:rPr lang="en-US" smtClean="0">
+              <a:rPr lang="en-US">
                 <a:latin typeface="CMR10"/>
               </a:rPr>
               <a:t>A</a:t>
             </a:r>
             <a:r>
-              <a:rPr lang="en-US" smtClean="0">
+              <a:rPr lang="en-US">
                 <a:latin typeface="CMSY10ORIG"/>
               </a:rPr>
               <a:t>A</a:t>
@@ -5648,27 +5563,13 @@
             <a:p>
               <a:r>
                 <a:rPr lang="en-US" sz="1000" dirty="0"/>
-                <a:t>© Mitchell Wand, </a:t>
-              </a:r>
-              <a:r>
-                <a:rPr lang="en-US" sz="1000" dirty="0" smtClean="0"/>
-                <a:t>2012-2014</a:t>
+                <a:t>© Mitchell Wand, 2012-2014</a:t>
               </a:r>
             </a:p>
             <a:p>
               <a:r>
-                <a:rPr lang="en-US" sz="1000" dirty="0" smtClean="0"/>
+                <a:rPr lang="en-US" sz="1000" dirty="0"/>
                 <a:t>This work is licensed under a </a:t>
-              </a:r>
-              <a:r>
-                <a:rPr lang="en-US" altLang="en-US" sz="1000" dirty="0" smtClean="0">
-                  <a:solidFill>
-                    <a:srgbClr val="4374B7"/>
-                  </a:solidFill>
-                  <a:latin typeface="Helvetica Neue"/>
-                  <a:hlinkClick r:id="rId5"/>
-                </a:rPr>
-                <a:t>Creative </a:t>
               </a:r>
               <a:r>
                 <a:rPr lang="en-US" altLang="en-US" sz="1000" dirty="0">
@@ -5678,7 +5579,7 @@
                   <a:latin typeface="Helvetica Neue"/>
                   <a:hlinkClick r:id="rId5"/>
                 </a:rPr>
-                <a:t>Commons Attribution-</a:t>
+                <a:t>Creative Commons Attribution-</a:t>
               </a:r>
               <a:r>
                 <a:rPr lang="en-US" altLang="en-US" sz="1000" dirty="0" err="1">
@@ -5701,10 +5602,9 @@
                 <a:t> 4.0 International License</a:t>
               </a:r>
               <a:r>
-                <a:rPr lang="en-US" sz="1000" dirty="0" smtClean="0"/>
+                <a:rPr lang="en-US" sz="1000" dirty="0"/>
                 <a:t>.</a:t>
               </a:r>
-              <a:endParaRPr lang="en-US" sz="1000" dirty="0"/>
             </a:p>
           </p:txBody>
         </p:sp>
@@ -5714,13 +5614,6 @@
   <p:clrMapOvr>
     <a:masterClrMapping/>
   </p:clrMapOvr>
-  <p:timing>
-    <p:tnLst>
-      <p:par>
-        <p:cTn id="1" dur="indefinite" restart="never" nodeType="tmRoot"/>
-      </p:par>
-    </p:tnLst>
-  </p:timing>
 </p:sld>
 </file>
 
@@ -5757,10 +5650,9 @@
           <a:lstStyle/>
           <a:p>
             <a:r>
-              <a:rPr lang="en-US" dirty="0" smtClean="0"/>
+              <a:rPr lang="en-US" dirty="0"/>
               <a:t>What is the contract for foldr?</a:t>
             </a:r>
-            <a:endParaRPr lang="en-US" dirty="0"/>
           </a:p>
         </p:txBody>
       </p:sp>
@@ -5785,12 +5677,8 @@
               <a:buNone/>
             </a:pPr>
             <a:r>
-              <a:rPr lang="en-US" dirty="0" smtClean="0"/>
-              <a:t>But </a:t>
-            </a:r>
-            <a:r>
               <a:rPr lang="en-US" dirty="0"/>
-              <a:t>there is nothing in the definition of </a:t>
+              <a:t>But there is nothing in the definition of </a:t>
             </a:r>
             <a:r>
               <a:rPr lang="en-US" b="1" dirty="0"/>
@@ -5813,25 +5701,18 @@
             <a:pPr marL="0" indent="0" algn="ctr">
               <a:buNone/>
             </a:pPr>
-            <a:endParaRPr lang="en-US" b="1" dirty="0" smtClean="0"/>
+            <a:endParaRPr lang="en-US" b="1" dirty="0"/>
           </a:p>
           <a:p>
             <a:pPr marL="0" indent="0" algn="ctr">
               <a:buNone/>
             </a:pPr>
             <a:r>
-              <a:rPr lang="en-US" b="1" dirty="0" smtClean="0">
-                <a:latin typeface="Consolas" panose="020B0609020204030204" pitchFamily="49" charset="0"/>
-                <a:cs typeface="Consolas" panose="020B0609020204030204" pitchFamily="49" charset="0"/>
-              </a:rPr>
-              <a:t>(</a:t>
-            </a:r>
-            <a:r>
               <a:rPr lang="en-US" b="1" dirty="0">
                 <a:latin typeface="Consolas" panose="020B0609020204030204" pitchFamily="49" charset="0"/>
                 <a:cs typeface="Consolas" panose="020B0609020204030204" pitchFamily="49" charset="0"/>
               </a:rPr>
-              <a:t>X </a:t>
+              <a:t>(X </a:t>
             </a:r>
             <a:r>
               <a:rPr lang="en-US" b="1" dirty="0" err="1">
@@ -5848,25 +5729,18 @@
               <a:t> -&gt; X) X </a:t>
             </a:r>
             <a:r>
-              <a:rPr lang="en-US" b="1" dirty="0" err="1" smtClean="0">
+              <a:rPr lang="en-US" b="1" dirty="0" err="1">
                 <a:latin typeface="Consolas" panose="020B0609020204030204" pitchFamily="49" charset="0"/>
                 <a:cs typeface="Consolas" panose="020B0609020204030204" pitchFamily="49" charset="0"/>
               </a:rPr>
               <a:t>ListOfX</a:t>
-            </a:r>
-            <a:r>
-              <a:rPr lang="en-US" b="1" dirty="0" smtClean="0">
-                <a:latin typeface="Consolas" panose="020B0609020204030204" pitchFamily="49" charset="0"/>
-                <a:cs typeface="Consolas" panose="020B0609020204030204" pitchFamily="49" charset="0"/>
-              </a:rPr>
-              <a:t>  </a:t>
             </a:r>
             <a:r>
               <a:rPr lang="en-US" b="1" dirty="0">
                 <a:latin typeface="Consolas" panose="020B0609020204030204" pitchFamily="49" charset="0"/>
                 <a:cs typeface="Consolas" panose="020B0609020204030204" pitchFamily="49" charset="0"/>
               </a:rPr>
-              <a:t>-&gt;  X</a:t>
+              <a:t>  -&gt;  X</a:t>
             </a:r>
           </a:p>
           <a:p>
@@ -5892,13 +5766,8 @@
             </a:r>
             <a:r>
               <a:rPr lang="en-US" dirty="0"/>
-              <a:t> </a:t>
-            </a:r>
-            <a:r>
-              <a:rPr lang="en-US" dirty="0" smtClean="0"/>
-              <a:t>at</a:t>
-            </a:r>
-            <a:endParaRPr lang="en-US" dirty="0"/>
+              <a:t> at</a:t>
+            </a:r>
           </a:p>
           <a:p>
             <a:pPr marL="0" indent="0">
@@ -5916,14 +5785,14 @@
               <a:t>(Boolean Boolean) Boolean </a:t>
             </a:r>
             <a:r>
-              <a:rPr lang="en-US" b="1" dirty="0" err="1" smtClean="0">
+              <a:rPr lang="en-US" b="1" dirty="0" err="1">
                 <a:latin typeface="Consolas" panose="020B0609020204030204" pitchFamily="49" charset="0"/>
                 <a:cs typeface="Consolas" panose="020B0609020204030204" pitchFamily="49" charset="0"/>
               </a:rPr>
               <a:t>ListOfBoolean</a:t>
             </a:r>
             <a:r>
-              <a:rPr lang="en-US" b="1" dirty="0" smtClean="0">
+              <a:rPr lang="en-US" b="1" dirty="0">
                 <a:latin typeface="Consolas" panose="020B0609020204030204" pitchFamily="49" charset="0"/>
                 <a:cs typeface="Consolas" panose="020B0609020204030204" pitchFamily="49" charset="0"/>
               </a:rPr>
@@ -5939,21 +5808,42 @@
                 <a:latin typeface="Consolas" panose="020B0609020204030204" pitchFamily="49" charset="0"/>
                 <a:cs typeface="Consolas" panose="020B0609020204030204" pitchFamily="49" charset="0"/>
               </a:rPr>
-              <a:t> </a:t>
-            </a:r>
-            <a:r>
-              <a:rPr lang="en-US" b="1" dirty="0" smtClean="0">
-                <a:latin typeface="Consolas" panose="020B0609020204030204" pitchFamily="49" charset="0"/>
-                <a:cs typeface="Consolas" panose="020B0609020204030204" pitchFamily="49" charset="0"/>
-              </a:rPr>
-              <a:t> -&gt; </a:t>
-            </a:r>
+              <a:t>  -&gt; Boolean</a:t>
+            </a:r>
+          </a:p>
+          <a:p>
+            <a:pPr marL="0" indent="0">
+              <a:buNone/>
+            </a:pPr>
+            <a:r>
+              <a:rPr lang="en-US" dirty="0"/>
+              <a:t>or</a:t>
+            </a:r>
+          </a:p>
+          <a:p>
+            <a:pPr marL="0" indent="0">
+              <a:buNone/>
+            </a:pPr>
             <a:r>
               <a:rPr lang="en-US" b="1" dirty="0">
                 <a:latin typeface="Consolas" panose="020B0609020204030204" pitchFamily="49" charset="0"/>
                 <a:cs typeface="Consolas" panose="020B0609020204030204" pitchFamily="49" charset="0"/>
               </a:rPr>
-              <a:t>Boolean</a:t>
+              <a:t>(Employee Employee) Employee </a:t>
+            </a:r>
+            <a:r>
+              <a:rPr lang="en-US" b="1" dirty="0" err="1">
+                <a:latin typeface="Consolas" panose="020B0609020204030204" pitchFamily="49" charset="0"/>
+                <a:cs typeface="Consolas" panose="020B0609020204030204" pitchFamily="49" charset="0"/>
+              </a:rPr>
+              <a:t>ListOfEmployee</a:t>
+            </a:r>
+            <a:r>
+              <a:rPr lang="en-US" b="1" dirty="0">
+                <a:latin typeface="Consolas" panose="020B0609020204030204" pitchFamily="49" charset="0"/>
+                <a:cs typeface="Consolas" panose="020B0609020204030204" pitchFamily="49" charset="0"/>
+              </a:rPr>
+              <a:t> </a:t>
             </a:r>
           </a:p>
           <a:p>
@@ -5961,58 +5851,12 @@
               <a:buNone/>
             </a:pPr>
             <a:r>
-              <a:rPr lang="en-US" dirty="0"/>
-              <a:t>or</a:t>
-            </a:r>
-          </a:p>
-          <a:p>
-            <a:pPr marL="0" indent="0">
-              <a:buNone/>
-            </a:pPr>
-            <a:r>
-              <a:rPr lang="en-US" b="1" dirty="0" smtClean="0">
-                <a:latin typeface="Consolas" panose="020B0609020204030204" pitchFamily="49" charset="0"/>
-                <a:cs typeface="Consolas" panose="020B0609020204030204" pitchFamily="49" charset="0"/>
-              </a:rPr>
-              <a:t>(Employee Employee) Employee </a:t>
-            </a:r>
-            <a:r>
-              <a:rPr lang="en-US" b="1" dirty="0" err="1">
-                <a:latin typeface="Consolas" panose="020B0609020204030204" pitchFamily="49" charset="0"/>
-                <a:cs typeface="Consolas" panose="020B0609020204030204" pitchFamily="49" charset="0"/>
-              </a:rPr>
-              <a:t>ListOfEmployee</a:t>
-            </a:r>
-            <a:r>
               <a:rPr lang="en-US" b="1" dirty="0">
                 <a:latin typeface="Consolas" panose="020B0609020204030204" pitchFamily="49" charset="0"/>
                 <a:cs typeface="Consolas" panose="020B0609020204030204" pitchFamily="49" charset="0"/>
               </a:rPr>
-              <a:t> </a:t>
-            </a:r>
-          </a:p>
-          <a:p>
-            <a:pPr marL="0" indent="0">
-              <a:buNone/>
-            </a:pPr>
-            <a:r>
-              <a:rPr lang="en-US" b="1" dirty="0">
-                <a:latin typeface="Consolas" panose="020B0609020204030204" pitchFamily="49" charset="0"/>
-                <a:cs typeface="Consolas" panose="020B0609020204030204" pitchFamily="49" charset="0"/>
-              </a:rPr>
-              <a:t>   -&gt; </a:t>
-            </a:r>
-            <a:r>
-              <a:rPr lang="en-US" b="1" dirty="0" smtClean="0">
-                <a:latin typeface="Consolas" panose="020B0609020204030204" pitchFamily="49" charset="0"/>
-                <a:cs typeface="Consolas" panose="020B0609020204030204" pitchFamily="49" charset="0"/>
-              </a:rPr>
-              <a:t>Employee</a:t>
-            </a:r>
-            <a:endParaRPr lang="en-US" b="1" dirty="0">
-              <a:latin typeface="Consolas" panose="020B0609020204030204" pitchFamily="49" charset="0"/>
-              <a:cs typeface="Consolas" panose="020B0609020204030204" pitchFamily="49" charset="0"/>
-            </a:endParaRPr>
+              <a:t>   -&gt; Employee</a:t>
+            </a:r>
           </a:p>
           <a:p>
             <a:endParaRPr lang="en-US" dirty="0"/>
@@ -6053,13 +5897,6 @@
   <p:clrMapOvr>
     <a:masterClrMapping/>
   </p:clrMapOvr>
-  <p:timing>
-    <p:tnLst>
-      <p:par>
-        <p:cTn id="1" dur="indefinite" restart="never" nodeType="tmRoot"/>
-      </p:par>
-    </p:tnLst>
-  </p:timing>
 </p:sld>
 </file>
 
@@ -6098,21 +5935,20 @@
           <a:lstStyle/>
           <a:p>
             <a:r>
-              <a:rPr lang="en-US" dirty="0" smtClean="0"/>
+              <a:rPr lang="en-US" dirty="0"/>
               <a:t>Let's watch </a:t>
             </a:r>
             <a:r>
-              <a:rPr lang="en-US" b="1" dirty="0" smtClean="0">
+              <a:rPr lang="en-US" b="1" dirty="0">
                 <a:latin typeface="Consolas" panose="020B0609020204030204" pitchFamily="49" charset="0"/>
                 <a:cs typeface="Consolas" panose="020B0609020204030204" pitchFamily="49" charset="0"/>
               </a:rPr>
               <a:t>foldr</a:t>
             </a:r>
             <a:r>
-              <a:rPr lang="en-US" dirty="0" smtClean="0"/>
+              <a:rPr lang="en-US" dirty="0"/>
               <a:t> compute on this list</a:t>
             </a:r>
-            <a:endParaRPr lang="en-US" dirty="0"/>
           </a:p>
         </p:txBody>
       </p:sp>
@@ -6196,7 +6032,7 @@
             <a:lstStyle/>
             <a:p>
               <a:pPr algn="ctr"/>
-              <a:endParaRPr lang="en-US" dirty="0" smtClean="0">
+              <a:endParaRPr lang="en-US" dirty="0">
                 <a:solidFill>
                   <a:schemeClr val="tx1"/>
                 </a:solidFill>
@@ -6300,7 +6136,7 @@
             <a:lstStyle/>
             <a:p>
               <a:pPr algn="ctr"/>
-              <a:endParaRPr lang="en-US" dirty="0" smtClean="0">
+              <a:endParaRPr lang="en-US" dirty="0">
                 <a:solidFill>
                   <a:schemeClr val="tx1"/>
                 </a:solidFill>
@@ -6404,7 +6240,7 @@
             <a:lstStyle/>
             <a:p>
               <a:pPr algn="ctr"/>
-              <a:endParaRPr lang="en-US" dirty="0" smtClean="0">
+              <a:endParaRPr lang="en-US" dirty="0">
                 <a:solidFill>
                   <a:schemeClr val="tx1"/>
                 </a:solidFill>
@@ -6695,10 +6531,9 @@
           <a:lstStyle/>
           <a:p>
             <a:r>
-              <a:rPr lang="en-US" dirty="0" smtClean="0"/>
+              <a:rPr lang="en-US" dirty="0"/>
               <a:t>empty</a:t>
             </a:r>
-            <a:endParaRPr lang="en-US" dirty="0"/>
           </a:p>
         </p:txBody>
       </p:sp>
@@ -6725,10 +6560,9 @@
           <a:lstStyle/>
           <a:p>
             <a:r>
-              <a:rPr lang="en-US" dirty="0" smtClean="0"/>
+              <a:rPr lang="en-US" dirty="0"/>
               <a:t>x4</a:t>
             </a:r>
-            <a:endParaRPr lang="en-US" dirty="0"/>
           </a:p>
         </p:txBody>
       </p:sp>
@@ -6755,10 +6589,9 @@
           <a:lstStyle/>
           <a:p>
             <a:r>
-              <a:rPr lang="en-US" dirty="0" smtClean="0"/>
+              <a:rPr lang="en-US" dirty="0"/>
               <a:t>x3</a:t>
             </a:r>
-            <a:endParaRPr lang="en-US" dirty="0"/>
           </a:p>
         </p:txBody>
       </p:sp>
@@ -6785,10 +6618,9 @@
           <a:lstStyle/>
           <a:p>
             <a:r>
-              <a:rPr lang="en-US" dirty="0" smtClean="0"/>
+              <a:rPr lang="en-US" dirty="0"/>
               <a:t>x2</a:t>
             </a:r>
-            <a:endParaRPr lang="en-US" dirty="0"/>
           </a:p>
         </p:txBody>
       </p:sp>
@@ -6815,10 +6647,9 @@
           <a:lstStyle/>
           <a:p>
             <a:r>
-              <a:rPr lang="en-US" dirty="0" smtClean="0"/>
+              <a:rPr lang="en-US" dirty="0"/>
               <a:t>x1</a:t>
             </a:r>
-            <a:endParaRPr lang="en-US" dirty="0"/>
           </a:p>
         </p:txBody>
       </p:sp>
@@ -6865,14 +6696,14 @@
           <a:p>
             <a:pPr algn="ctr"/>
             <a:r>
-              <a:rPr lang="en-US" dirty="0" err="1" smtClean="0">
+              <a:rPr lang="en-US" dirty="0" err="1">
                 <a:solidFill>
                   <a:schemeClr val="tx1"/>
                 </a:solidFill>
               </a:rPr>
               <a:t>fcn</a:t>
             </a:r>
-            <a:endParaRPr lang="en-US" dirty="0" smtClean="0">
+            <a:endParaRPr lang="en-US" dirty="0">
               <a:solidFill>
                 <a:schemeClr val="tx1"/>
               </a:solidFill>
@@ -6923,14 +6754,14 @@
           <a:p>
             <a:pPr algn="ctr"/>
             <a:r>
-              <a:rPr lang="en-US" dirty="0" err="1" smtClean="0">
+              <a:rPr lang="en-US" dirty="0" err="1">
                 <a:solidFill>
                   <a:schemeClr val="tx1"/>
                 </a:solidFill>
               </a:rPr>
               <a:t>fcn</a:t>
             </a:r>
-            <a:endParaRPr lang="en-US" dirty="0" smtClean="0">
+            <a:endParaRPr lang="en-US" dirty="0">
               <a:solidFill>
                 <a:schemeClr val="tx1"/>
               </a:solidFill>
@@ -6981,14 +6812,14 @@
           <a:p>
             <a:pPr algn="ctr"/>
             <a:r>
-              <a:rPr lang="en-US" dirty="0" err="1" smtClean="0">
+              <a:rPr lang="en-US" dirty="0" err="1">
                 <a:solidFill>
                   <a:schemeClr val="tx1"/>
                 </a:solidFill>
               </a:rPr>
               <a:t>fcn</a:t>
             </a:r>
-            <a:endParaRPr lang="en-US" dirty="0" smtClean="0">
+            <a:endParaRPr lang="en-US" dirty="0">
               <a:solidFill>
                 <a:schemeClr val="tx1"/>
               </a:solidFill>
@@ -7039,14 +6870,14 @@
           <a:p>
             <a:pPr algn="ctr"/>
             <a:r>
-              <a:rPr lang="en-US" dirty="0" err="1" smtClean="0">
+              <a:rPr lang="en-US" dirty="0" err="1">
                 <a:solidFill>
                   <a:schemeClr val="tx1"/>
                 </a:solidFill>
               </a:rPr>
               <a:t>fcn</a:t>
             </a:r>
-            <a:endParaRPr lang="en-US" dirty="0" smtClean="0">
+            <a:endParaRPr lang="en-US" dirty="0">
               <a:solidFill>
                 <a:schemeClr val="tx1"/>
               </a:solidFill>
@@ -7077,7 +6908,7 @@
           <a:lstStyle/>
           <a:p>
             <a:r>
-              <a:rPr lang="en-US" dirty="0" err="1" smtClean="0"/>
+              <a:rPr lang="en-US" dirty="0" err="1"/>
               <a:t>val</a:t>
             </a:r>
             <a:endParaRPr lang="en-US" dirty="0"/>
@@ -7107,10 +6938,9 @@
           <a:lstStyle/>
           <a:p>
             <a:r>
-              <a:rPr lang="en-US" dirty="0" smtClean="0"/>
+              <a:rPr lang="en-US" dirty="0"/>
               <a:t>x1</a:t>
             </a:r>
-            <a:endParaRPr lang="en-US" dirty="0"/>
           </a:p>
         </p:txBody>
       </p:sp>
@@ -7137,10 +6967,9 @@
           <a:lstStyle/>
           <a:p>
             <a:r>
-              <a:rPr lang="en-US" dirty="0" smtClean="0"/>
+              <a:rPr lang="en-US" dirty="0"/>
               <a:t>x3</a:t>
             </a:r>
-            <a:endParaRPr lang="en-US" dirty="0"/>
           </a:p>
         </p:txBody>
       </p:sp>
@@ -7167,10 +6996,9 @@
           <a:lstStyle/>
           <a:p>
             <a:r>
-              <a:rPr lang="en-US" dirty="0" smtClean="0"/>
+              <a:rPr lang="en-US" dirty="0"/>
               <a:t>x2</a:t>
             </a:r>
-            <a:endParaRPr lang="en-US" dirty="0"/>
           </a:p>
         </p:txBody>
       </p:sp>
@@ -7197,10 +7025,9 @@
           <a:lstStyle/>
           <a:p>
             <a:r>
-              <a:rPr lang="en-US" dirty="0" smtClean="0"/>
+              <a:rPr lang="en-US" dirty="0"/>
               <a:t>x4</a:t>
             </a:r>
-            <a:endParaRPr lang="en-US" dirty="0"/>
           </a:p>
         </p:txBody>
       </p:sp>
@@ -7547,10 +7374,9 @@
           <a:lstStyle/>
           <a:p>
             <a:r>
-              <a:rPr lang="en-US" dirty="0" smtClean="0"/>
+              <a:rPr lang="en-US" dirty="0"/>
               <a:t>y2</a:t>
             </a:r>
-            <a:endParaRPr lang="en-US" dirty="0"/>
           </a:p>
         </p:txBody>
       </p:sp>
@@ -7577,10 +7403,9 @@
           <a:lstStyle/>
           <a:p>
             <a:r>
-              <a:rPr lang="en-US" dirty="0" smtClean="0"/>
+              <a:rPr lang="en-US" dirty="0"/>
               <a:t>y3</a:t>
             </a:r>
-            <a:endParaRPr lang="en-US" dirty="0"/>
           </a:p>
         </p:txBody>
       </p:sp>
@@ -7607,10 +7432,9 @@
           <a:lstStyle/>
           <a:p>
             <a:r>
-              <a:rPr lang="en-US" dirty="0" smtClean="0"/>
+              <a:rPr lang="en-US" dirty="0"/>
               <a:t>y4</a:t>
             </a:r>
-            <a:endParaRPr lang="en-US" dirty="0"/>
           </a:p>
         </p:txBody>
       </p:sp>
@@ -7637,10 +7461,9 @@
           <a:lstStyle/>
           <a:p>
             <a:r>
-              <a:rPr lang="en-US" dirty="0" smtClean="0"/>
+              <a:rPr lang="en-US" dirty="0"/>
               <a:t>y1</a:t>
             </a:r>
-            <a:endParaRPr lang="en-US" dirty="0"/>
           </a:p>
         </p:txBody>
       </p:sp>
@@ -8060,7 +7883,7 @@
             <a:lstStyle/>
             <a:p>
               <a:pPr algn="ctr"/>
-              <a:endParaRPr lang="en-US" dirty="0" smtClean="0">
+              <a:endParaRPr lang="en-US" dirty="0">
                 <a:solidFill>
                   <a:schemeClr val="tx1"/>
                 </a:solidFill>
@@ -8218,50 +8041,46 @@
           <a:lstStyle/>
           <a:p>
             <a:r>
-              <a:rPr lang="en-US" sz="2400" dirty="0" smtClean="0"/>
+              <a:rPr lang="en-US" sz="2400" dirty="0"/>
               <a:t>Step through the animation to watch the computation of</a:t>
             </a:r>
           </a:p>
           <a:p>
             <a:r>
-              <a:rPr lang="en-US" sz="2400" b="1" dirty="0" smtClean="0">
+              <a:rPr lang="en-US" sz="2400" b="1" dirty="0">
                 <a:latin typeface="Consolas" panose="020B0609020204030204" pitchFamily="49" charset="0"/>
                 <a:cs typeface="Consolas" panose="020B0609020204030204" pitchFamily="49" charset="0"/>
               </a:rPr>
               <a:t>(foldr </a:t>
             </a:r>
             <a:r>
-              <a:rPr lang="en-US" sz="2400" b="1" dirty="0" err="1" smtClean="0">
+              <a:rPr lang="en-US" sz="2400" b="1" dirty="0" err="1">
                 <a:latin typeface="Consolas" panose="020B0609020204030204" pitchFamily="49" charset="0"/>
                 <a:cs typeface="Consolas" panose="020B0609020204030204" pitchFamily="49" charset="0"/>
               </a:rPr>
               <a:t>fcn</a:t>
             </a:r>
             <a:r>
-              <a:rPr lang="en-US" sz="2400" b="1" dirty="0" smtClean="0">
+              <a:rPr lang="en-US" sz="2400" b="1" dirty="0">
                 <a:latin typeface="Consolas" panose="020B0609020204030204" pitchFamily="49" charset="0"/>
                 <a:cs typeface="Consolas" panose="020B0609020204030204" pitchFamily="49" charset="0"/>
               </a:rPr>
               <a:t> </a:t>
             </a:r>
             <a:r>
-              <a:rPr lang="en-US" sz="2400" b="1" dirty="0" err="1" smtClean="0">
+              <a:rPr lang="en-US" sz="2400" b="1" dirty="0" err="1">
                 <a:latin typeface="Consolas" panose="020B0609020204030204" pitchFamily="49" charset="0"/>
                 <a:cs typeface="Consolas" panose="020B0609020204030204" pitchFamily="49" charset="0"/>
               </a:rPr>
               <a:t>val</a:t>
             </a:r>
             <a:r>
-              <a:rPr lang="en-US" sz="2400" b="1" dirty="0" smtClean="0">
+              <a:rPr lang="en-US" sz="2400" b="1" dirty="0">
                 <a:latin typeface="Consolas" panose="020B0609020204030204" pitchFamily="49" charset="0"/>
                 <a:cs typeface="Consolas" panose="020B0609020204030204" pitchFamily="49" charset="0"/>
               </a:rPr>
               <a:t> (list x4 x3 x2 x1))</a:t>
             </a:r>
-            <a:endParaRPr lang="en-US" sz="2400" b="1" dirty="0">
-              <a:latin typeface="Consolas" panose="020B0609020204030204" pitchFamily="49" charset="0"/>
-              <a:cs typeface="Consolas" panose="020B0609020204030204" pitchFamily="49" charset="0"/>
-            </a:endParaRPr>
           </a:p>
         </p:txBody>
       </p:sp>
@@ -9125,10 +8944,9 @@
           <a:lstStyle/>
           <a:p>
             <a:r>
-              <a:rPr lang="en-US" dirty="0" smtClean="0"/>
+              <a:rPr lang="en-US" dirty="0"/>
               <a:t>What can we learn from this?</a:t>
             </a:r>
-            <a:endParaRPr lang="en-US" dirty="0"/>
           </a:p>
         </p:txBody>
       </p:sp>
@@ -9150,137 +8968,137 @@
           <a:lstStyle/>
           <a:p>
             <a:r>
-              <a:rPr lang="en-US" dirty="0" smtClean="0"/>
+              <a:rPr lang="en-US" dirty="0"/>
               <a:t>The base value </a:t>
             </a:r>
             <a:r>
-              <a:rPr lang="en-US" b="1" dirty="0" err="1" smtClean="0">
+              <a:rPr lang="en-US" b="1" dirty="0" err="1">
                 <a:latin typeface="Consolas" panose="020B0609020204030204" pitchFamily="49" charset="0"/>
                 <a:cs typeface="Consolas" panose="020B0609020204030204" pitchFamily="49" charset="0"/>
               </a:rPr>
               <a:t>val</a:t>
             </a:r>
             <a:r>
-              <a:rPr lang="en-US" dirty="0" smtClean="0"/>
+              <a:rPr lang="en-US" dirty="0"/>
               <a:t> is a possible 2</a:t>
             </a:r>
             <a:r>
-              <a:rPr lang="en-US" baseline="30000" dirty="0" smtClean="0"/>
+              <a:rPr lang="en-US" baseline="30000" dirty="0"/>
               <a:t>nd</a:t>
             </a:r>
             <a:r>
-              <a:rPr lang="en-US" dirty="0" smtClean="0"/>
+              <a:rPr lang="en-US" dirty="0"/>
               <a:t> argument to </a:t>
             </a:r>
             <a:r>
-              <a:rPr lang="en-US" b="1" dirty="0" err="1" smtClean="0">
+              <a:rPr lang="en-US" b="1" dirty="0" err="1">
                 <a:latin typeface="Consolas" panose="020B0609020204030204" pitchFamily="49" charset="0"/>
                 <a:cs typeface="Consolas" panose="020B0609020204030204" pitchFamily="49" charset="0"/>
               </a:rPr>
               <a:t>fcn</a:t>
             </a:r>
             <a:r>
-              <a:rPr lang="en-US" dirty="0" smtClean="0"/>
+              <a:rPr lang="en-US" dirty="0"/>
               <a:t>.</a:t>
             </a:r>
           </a:p>
           <a:p>
             <a:r>
-              <a:rPr lang="en-US" dirty="0" smtClean="0"/>
+              <a:rPr lang="en-US" dirty="0"/>
               <a:t>The result of </a:t>
             </a:r>
             <a:r>
-              <a:rPr lang="en-US" b="1" dirty="0" err="1" smtClean="0">
+              <a:rPr lang="en-US" b="1" dirty="0" err="1">
                 <a:latin typeface="Consolas" panose="020B0609020204030204" pitchFamily="49" charset="0"/>
                 <a:cs typeface="Consolas" panose="020B0609020204030204" pitchFamily="49" charset="0"/>
               </a:rPr>
               <a:t>fcn</a:t>
             </a:r>
             <a:r>
-              <a:rPr lang="en-US" dirty="0" smtClean="0"/>
+              <a:rPr lang="en-US" dirty="0"/>
               <a:t> becomes a 2</a:t>
             </a:r>
             <a:r>
-              <a:rPr lang="en-US" baseline="30000" dirty="0" smtClean="0"/>
+              <a:rPr lang="en-US" baseline="30000" dirty="0"/>
               <a:t>nd</a:t>
             </a:r>
             <a:r>
-              <a:rPr lang="en-US" dirty="0" smtClean="0"/>
+              <a:rPr lang="en-US" dirty="0"/>
               <a:t> argument to </a:t>
             </a:r>
             <a:r>
-              <a:rPr lang="en-US" b="1" dirty="0" err="1" smtClean="0">
+              <a:rPr lang="en-US" b="1" dirty="0" err="1">
                 <a:latin typeface="Consolas" panose="020B0609020204030204" pitchFamily="49" charset="0"/>
                 <a:cs typeface="Consolas" panose="020B0609020204030204" pitchFamily="49" charset="0"/>
               </a:rPr>
               <a:t>fcn</a:t>
             </a:r>
             <a:r>
-              <a:rPr lang="en-US" dirty="0" smtClean="0"/>
+              <a:rPr lang="en-US" dirty="0"/>
               <a:t>.</a:t>
             </a:r>
           </a:p>
           <a:p>
             <a:r>
-              <a:rPr lang="en-US" dirty="0" smtClean="0"/>
+              <a:rPr lang="en-US" dirty="0"/>
               <a:t>So this will work as long as </a:t>
             </a:r>
           </a:p>
           <a:p>
             <a:pPr lvl="1"/>
             <a:r>
-              <a:rPr lang="en-US" b="1" dirty="0" err="1" smtClean="0">
+              <a:rPr lang="en-US" b="1" dirty="0" err="1">
                 <a:latin typeface="Consolas" panose="020B0609020204030204" pitchFamily="49" charset="0"/>
                 <a:cs typeface="Consolas" panose="020B0609020204030204" pitchFamily="49" charset="0"/>
               </a:rPr>
               <a:t>val</a:t>
             </a:r>
             <a:r>
-              <a:rPr lang="en-US" dirty="0" smtClean="0"/>
+              <a:rPr lang="en-US" dirty="0"/>
               <a:t>,</a:t>
             </a:r>
           </a:p>
           <a:p>
             <a:pPr lvl="1"/>
             <a:r>
-              <a:rPr lang="en-US" dirty="0" smtClean="0"/>
+              <a:rPr lang="en-US" dirty="0"/>
               <a:t>the 2</a:t>
             </a:r>
             <a:r>
-              <a:rPr lang="en-US" baseline="30000" dirty="0" smtClean="0"/>
+              <a:rPr lang="en-US" baseline="30000" dirty="0"/>
               <a:t>nd</a:t>
             </a:r>
             <a:r>
-              <a:rPr lang="en-US" dirty="0" smtClean="0"/>
+              <a:rPr lang="en-US" dirty="0"/>
               <a:t> argument to </a:t>
             </a:r>
             <a:r>
-              <a:rPr lang="en-US" b="1" dirty="0" err="1" smtClean="0">
+              <a:rPr lang="en-US" b="1" dirty="0" err="1">
                 <a:latin typeface="Consolas" panose="020B0609020204030204" pitchFamily="49" charset="0"/>
                 <a:cs typeface="Consolas" panose="020B0609020204030204" pitchFamily="49" charset="0"/>
               </a:rPr>
               <a:t>fcn</a:t>
             </a:r>
             <a:r>
-              <a:rPr lang="en-US" dirty="0" smtClean="0"/>
+              <a:rPr lang="en-US" dirty="0"/>
               <a:t>, </a:t>
             </a:r>
           </a:p>
           <a:p>
             <a:pPr lvl="1"/>
             <a:r>
-              <a:rPr lang="en-US" dirty="0" smtClean="0"/>
+              <a:rPr lang="en-US" dirty="0"/>
               <a:t>and the result of </a:t>
             </a:r>
             <a:r>
-              <a:rPr lang="en-US" b="1" dirty="0" err="1" smtClean="0">
+              <a:rPr lang="en-US" b="1" dirty="0" err="1">
                 <a:latin typeface="Consolas" panose="020B0609020204030204" pitchFamily="49" charset="0"/>
                 <a:cs typeface="Consolas" panose="020B0609020204030204" pitchFamily="49" charset="0"/>
               </a:rPr>
               <a:t>fcn</a:t>
             </a:r>
             <a:r>
-              <a:rPr lang="en-US" b="1" dirty="0" smtClean="0">
+              <a:rPr lang="en-US" b="1" dirty="0">
                 <a:latin typeface="Consolas" panose="020B0609020204030204" pitchFamily="49" charset="0"/>
                 <a:cs typeface="Consolas" panose="020B0609020204030204" pitchFamily="49" charset="0"/>
               </a:rPr>
@@ -9293,63 +9111,58 @@
             </a:pPr>
             <a:r>
               <a:rPr lang="en-US" dirty="0"/>
-              <a:t> </a:t>
-            </a:r>
-            <a:r>
-              <a:rPr lang="en-US" dirty="0" smtClean="0"/>
-              <a:t>   are all of the same type.</a:t>
-            </a:r>
-          </a:p>
-          <a:p>
-            <a:r>
-              <a:rPr lang="en-US" dirty="0" smtClean="0"/>
+              <a:t>    are all of the same type.</a:t>
+            </a:r>
+          </a:p>
+          <a:p>
+            <a:r>
+              <a:rPr lang="en-US" dirty="0"/>
               <a:t>So </a:t>
             </a:r>
             <a:r>
-              <a:rPr lang="en-US" b="1" dirty="0" err="1" smtClean="0">
+              <a:rPr lang="en-US" b="1" dirty="0" err="1">
                 <a:latin typeface="Consolas" panose="020B0609020204030204" pitchFamily="49" charset="0"/>
                 <a:cs typeface="Consolas" panose="020B0609020204030204" pitchFamily="49" charset="0"/>
               </a:rPr>
               <a:t>fcn</a:t>
             </a:r>
             <a:r>
-              <a:rPr lang="en-US" dirty="0" smtClean="0"/>
+              <a:rPr lang="en-US" dirty="0"/>
               <a:t> must satisfy the contract </a:t>
             </a:r>
             <a:r>
-              <a:rPr lang="en-US" b="1" dirty="0" smtClean="0">
+              <a:rPr lang="en-US" b="1" dirty="0">
                 <a:latin typeface="Consolas" panose="020B0609020204030204" pitchFamily="49" charset="0"/>
                 <a:cs typeface="Consolas" panose="020B0609020204030204" pitchFamily="49" charset="0"/>
               </a:rPr>
               <a:t>(X Y -&gt; Y)</a:t>
             </a:r>
             <a:r>
-              <a:rPr lang="en-US" dirty="0" smtClean="0"/>
+              <a:rPr lang="en-US" dirty="0"/>
               <a:t> for some </a:t>
             </a:r>
             <a:r>
-              <a:rPr lang="en-US" b="1" dirty="0" smtClean="0">
+              <a:rPr lang="en-US" b="1" dirty="0">
                 <a:latin typeface="Consolas" panose="020B0609020204030204" pitchFamily="49" charset="0"/>
                 <a:cs typeface="Consolas" panose="020B0609020204030204" pitchFamily="49" charset="0"/>
               </a:rPr>
               <a:t>X</a:t>
             </a:r>
             <a:r>
-              <a:rPr lang="en-US" dirty="0" smtClean="0"/>
+              <a:rPr lang="en-US" dirty="0"/>
               <a:t> and </a:t>
             </a:r>
             <a:r>
-              <a:rPr lang="en-US" b="1" dirty="0" smtClean="0">
+              <a:rPr lang="en-US" b="1" dirty="0">
                 <a:latin typeface="Consolas" panose="020B0609020204030204" pitchFamily="49" charset="0"/>
                 <a:cs typeface="Consolas" panose="020B0609020204030204" pitchFamily="49" charset="0"/>
               </a:rPr>
               <a:t>Y</a:t>
             </a:r>
             <a:r>
-              <a:rPr lang="en-US" dirty="0" smtClean="0"/>
+              <a:rPr lang="en-US" dirty="0"/>
               <a:t>.</a:t>
             </a:r>
-            <a:endParaRPr lang="en-US" dirty="0"/>
           </a:p>
         </p:txBody>
       </p:sp>
@@ -9387,13 +9200,6 @@
   <p:clrMapOvr>
     <a:masterClrMapping/>
   </p:clrMapOvr>
-  <p:timing>
-    <p:tnLst>
-      <p:par>
-        <p:cTn id="1" dur="indefinite" restart="never" nodeType="tmRoot"/>
-      </p:par>
-    </p:tnLst>
-  </p:timing>
 </p:sld>
 </file>
 
@@ -9430,10 +9236,9 @@
           <a:lstStyle/>
           <a:p>
             <a:r>
-              <a:rPr lang="en-US" dirty="0" smtClean="0"/>
+              <a:rPr lang="en-US" dirty="0"/>
               <a:t>What else can we learn?</a:t>
             </a:r>
-            <a:endParaRPr lang="en-US" dirty="0"/>
           </a:p>
         </p:txBody>
       </p:sp>
@@ -9453,68 +9258,65 @@
           <a:lstStyle/>
           <a:p>
             <a:r>
-              <a:rPr lang="en-US" dirty="0" smtClean="0"/>
+              <a:rPr lang="en-US" dirty="0"/>
               <a:t>The elements of the list become the first argument to </a:t>
             </a:r>
             <a:r>
-              <a:rPr lang="en-US" b="1" dirty="0" err="1" smtClean="0">
+              <a:rPr lang="en-US" b="1" dirty="0" err="1">
                 <a:latin typeface="Consolas" panose="020B0609020204030204" pitchFamily="49" charset="0"/>
                 <a:cs typeface="Consolas" panose="020B0609020204030204" pitchFamily="49" charset="0"/>
               </a:rPr>
               <a:t>fcn</a:t>
             </a:r>
             <a:r>
-              <a:rPr lang="en-US" dirty="0" smtClean="0"/>
+              <a:rPr lang="en-US" dirty="0"/>
               <a:t>.</a:t>
             </a:r>
           </a:p>
           <a:p>
             <a:r>
-              <a:rPr lang="en-US" dirty="0" smtClean="0"/>
+              <a:rPr lang="en-US" dirty="0"/>
               <a:t>So if </a:t>
             </a:r>
             <a:r>
-              <a:rPr lang="en-US" b="1" dirty="0" err="1" smtClean="0">
+              <a:rPr lang="en-US" b="1" dirty="0" err="1">
                 <a:latin typeface="Consolas" panose="020B0609020204030204" pitchFamily="49" charset="0"/>
                 <a:cs typeface="Consolas" panose="020B0609020204030204" pitchFamily="49" charset="0"/>
               </a:rPr>
               <a:t>fcn</a:t>
             </a:r>
             <a:r>
-              <a:rPr lang="en-US" dirty="0" smtClean="0"/>
+              <a:rPr lang="en-US" dirty="0"/>
               <a:t> satisfies the contract </a:t>
             </a:r>
             <a:r>
-              <a:rPr lang="en-US" b="1" dirty="0" smtClean="0">
+              <a:rPr lang="en-US" b="1" dirty="0">
                 <a:latin typeface="Consolas" panose="020B0609020204030204" pitchFamily="49" charset="0"/>
                 <a:cs typeface="Consolas" panose="020B0609020204030204" pitchFamily="49" charset="0"/>
               </a:rPr>
               <a:t>(X Y -&gt; Y)</a:t>
             </a:r>
             <a:r>
-              <a:rPr lang="en-US" dirty="0" smtClean="0"/>
+              <a:rPr lang="en-US" dirty="0"/>
               <a:t>, then the list must be of type </a:t>
             </a:r>
             <a:r>
-              <a:rPr lang="en-US" b="1" dirty="0" err="1" smtClean="0">
+              <a:rPr lang="en-US" b="1" dirty="0" err="1">
                 <a:latin typeface="Consolas" panose="020B0609020204030204" pitchFamily="49" charset="0"/>
                 <a:cs typeface="Consolas" panose="020B0609020204030204" pitchFamily="49" charset="0"/>
               </a:rPr>
               <a:t>ListOfX</a:t>
             </a:r>
             <a:r>
-              <a:rPr lang="en-US" dirty="0" smtClean="0">
+              <a:rPr lang="en-US" dirty="0">
                 <a:cs typeface="Consolas" panose="020B0609020204030204" pitchFamily="49" charset="0"/>
               </a:rPr>
               <a:t>.</a:t>
             </a:r>
-            <a:endParaRPr lang="en-US" dirty="0" smtClean="0">
-              <a:cs typeface="Consolas" panose="020B0609020204030204" pitchFamily="49" charset="0"/>
-            </a:endParaRPr>
-          </a:p>
-          <a:p>
-            <a:r>
-              <a:rPr lang="en-US" dirty="0" smtClean="0"/>
+          </a:p>
+          <a:p>
+            <a:r>
+              <a:rPr lang="en-US" dirty="0"/>
               <a:t>So the contract for foldr is:</a:t>
             </a:r>
           </a:p>
@@ -9522,7 +9324,7 @@
             <a:endParaRPr lang="en-US" dirty="0"/>
           </a:p>
           <a:p>
-            <a:endParaRPr lang="en-US" dirty="0" smtClean="0"/>
+            <a:endParaRPr lang="en-US" dirty="0"/>
           </a:p>
           <a:p>
             <a:endParaRPr lang="en-US" dirty="0"/>
@@ -9576,37 +9378,26 @@
           <a:lstStyle/>
           <a:p>
             <a:r>
-              <a:rPr lang="en-US" sz="2800" b="1" dirty="0" smtClean="0">
+              <a:rPr lang="en-US" sz="2800" b="1" dirty="0">
                 <a:latin typeface="Consolas" pitchFamily="49" charset="0"/>
                 <a:cs typeface="Consolas" pitchFamily="49" charset="0"/>
               </a:rPr>
               <a:t>foldr : (X Y -&gt; Y) Y </a:t>
             </a:r>
             <a:r>
-              <a:rPr lang="en-US" sz="2800" b="1" dirty="0" err="1" smtClean="0">
+              <a:rPr lang="en-US" sz="2800" b="1" dirty="0" err="1">
                 <a:latin typeface="Consolas" pitchFamily="49" charset="0"/>
                 <a:cs typeface="Consolas" pitchFamily="49" charset="0"/>
               </a:rPr>
               <a:t>ListOfX</a:t>
             </a:r>
             <a:r>
-              <a:rPr lang="en-US" sz="2800" b="1" dirty="0" smtClean="0">
-                <a:latin typeface="Consolas" pitchFamily="49" charset="0"/>
-                <a:cs typeface="Consolas" pitchFamily="49" charset="0"/>
-              </a:rPr>
-              <a:t> </a:t>
-            </a:r>
-            <a:r>
-              <a:rPr lang="en-US" sz="2800" b="1" dirty="0" smtClean="0">
-                <a:latin typeface="Consolas" pitchFamily="49" charset="0"/>
-                <a:cs typeface="Consolas" pitchFamily="49" charset="0"/>
-              </a:rPr>
-              <a:t>-&gt; Y</a:t>
-            </a:r>
-            <a:endParaRPr lang="en-US" sz="2800" b="1" dirty="0">
-              <a:latin typeface="Consolas" pitchFamily="49" charset="0"/>
-              <a:cs typeface="Consolas" pitchFamily="49" charset="0"/>
-            </a:endParaRPr>
+              <a:rPr lang="en-US" sz="2800" b="1" dirty="0">
+                <a:latin typeface="Consolas" pitchFamily="49" charset="0"/>
+                <a:cs typeface="Consolas" pitchFamily="49" charset="0"/>
+              </a:rPr>
+              <a:t> -&gt; Y</a:t>
+            </a:r>
           </a:p>
         </p:txBody>
       </p:sp>
@@ -9734,10 +9525,9 @@
           <a:lstStyle/>
           <a:p>
             <a:r>
-              <a:rPr lang="en-US" dirty="0" smtClean="0"/>
+              <a:rPr lang="en-US" dirty="0"/>
               <a:t>The contract for foldr (again!)</a:t>
             </a:r>
-            <a:endParaRPr lang="en-US" dirty="0"/>
           </a:p>
         </p:txBody>
       </p:sp>
@@ -9759,7 +9549,7 @@
           <a:lstStyle/>
           <a:p>
             <a:r>
-              <a:rPr lang="en-US" dirty="0" smtClean="0"/>
+              <a:rPr lang="en-US" dirty="0"/>
               <a:t>The contract for foldr is</a:t>
             </a:r>
           </a:p>
@@ -9767,29 +9557,29 @@
             <a:endParaRPr lang="en-US" dirty="0"/>
           </a:p>
           <a:p>
-            <a:endParaRPr lang="en-US" dirty="0" smtClean="0"/>
-          </a:p>
-          <a:p>
-            <a:r>
-              <a:rPr lang="en-US" dirty="0" smtClean="0"/>
+            <a:endParaRPr lang="en-US" dirty="0"/>
+          </a:p>
+          <a:p>
+            <a:r>
+              <a:rPr lang="en-US" dirty="0"/>
               <a:t>So </a:t>
             </a:r>
             <a:r>
-              <a:rPr lang="en-US" b="1" dirty="0" smtClean="0">
+              <a:rPr lang="en-US" b="1" dirty="0">
                 <a:latin typeface="Consolas" panose="020B0609020204030204" pitchFamily="49" charset="0"/>
                 <a:cs typeface="Consolas" panose="020B0609020204030204" pitchFamily="49" charset="0"/>
               </a:rPr>
               <a:t>foldr</a:t>
             </a:r>
             <a:r>
-              <a:rPr lang="en-US" dirty="0" smtClean="0"/>
+              <a:rPr lang="en-US" dirty="0"/>
               <a:t> takes 3 arguments:</a:t>
             </a:r>
           </a:p>
           <a:p>
             <a:pPr lvl="1"/>
             <a:r>
-              <a:rPr lang="en-US" dirty="0" smtClean="0"/>
+              <a:rPr lang="en-US" dirty="0"/>
               <a:t>a combiner function that satisfies the contract</a:t>
             </a:r>
           </a:p>
@@ -9798,29 +9588,22 @@
               <a:buNone/>
             </a:pPr>
             <a:r>
-              <a:rPr lang="en-US" b="1" dirty="0" smtClean="0">
-                <a:latin typeface="Consolas" pitchFamily="49" charset="0"/>
-                <a:cs typeface="Consolas" pitchFamily="49" charset="0"/>
-              </a:rPr>
-              <a:t>   (</a:t>
-            </a:r>
-            <a:r>
               <a:rPr lang="en-US" b="1" dirty="0">
                 <a:latin typeface="Consolas" pitchFamily="49" charset="0"/>
                 <a:cs typeface="Consolas" pitchFamily="49" charset="0"/>
               </a:rPr>
-              <a:t>X Y -&gt; Y) </a:t>
-            </a:r>
-            <a:endParaRPr lang="en-US" dirty="0" smtClean="0"/>
+              <a:t>   (X Y -&gt; Y) </a:t>
+            </a:r>
+            <a:endParaRPr lang="en-US" dirty="0"/>
           </a:p>
           <a:p>
             <a:pPr lvl="1"/>
             <a:r>
-              <a:rPr lang="en-US" dirty="0" smtClean="0"/>
+              <a:rPr lang="en-US" dirty="0"/>
               <a:t>a base value of type </a:t>
             </a:r>
             <a:r>
-              <a:rPr lang="en-US" b="1" dirty="0" smtClean="0">
+              <a:rPr lang="en-US" b="1" dirty="0">
                 <a:latin typeface="Consolas" pitchFamily="49" charset="0"/>
                 <a:cs typeface="Consolas" pitchFamily="49" charset="0"/>
               </a:rPr>
@@ -9830,7 +9613,7 @@
           <a:p>
             <a:pPr lvl="1"/>
             <a:r>
-              <a:rPr lang="en-US" dirty="0" smtClean="0">
+              <a:rPr lang="en-US" dirty="0">
                 <a:cs typeface="Consolas" pitchFamily="49" charset="0"/>
               </a:rPr>
               <a:t>and a list of X's.</a:t>
@@ -9838,29 +9621,29 @@
           </a:p>
           <a:p>
             <a:r>
-              <a:rPr lang="en-US" dirty="0" smtClean="0">
+              <a:rPr lang="en-US" dirty="0">
                 <a:cs typeface="Consolas" pitchFamily="49" charset="0"/>
               </a:rPr>
               <a:t>And it returns a value of type </a:t>
             </a:r>
             <a:r>
-              <a:rPr lang="en-US" b="1" dirty="0" smtClean="0">
+              <a:rPr lang="en-US" b="1" dirty="0">
                 <a:latin typeface="Consolas" panose="020B0609020204030204" pitchFamily="49" charset="0"/>
                 <a:cs typeface="Consolas" panose="020B0609020204030204" pitchFamily="49" charset="0"/>
               </a:rPr>
               <a:t>Y</a:t>
             </a:r>
             <a:r>
-              <a:rPr lang="en-US" dirty="0" smtClean="0">
+              <a:rPr lang="en-US" dirty="0">
                 <a:cs typeface="Consolas" pitchFamily="49" charset="0"/>
               </a:rPr>
               <a:t>.</a:t>
             </a:r>
-            <a:endParaRPr lang="en-US" dirty="0" smtClean="0"/>
+            <a:endParaRPr lang="en-US" dirty="0"/>
           </a:p>
           <a:p>
             <a:pPr lvl="1"/>
-            <a:endParaRPr lang="en-US" dirty="0" smtClean="0"/>
+            <a:endParaRPr lang="en-US" dirty="0"/>
           </a:p>
           <a:p>
             <a:endParaRPr lang="en-US" dirty="0"/>
@@ -9914,37 +9697,26 @@
           <a:lstStyle/>
           <a:p>
             <a:r>
-              <a:rPr lang="en-US" sz="2800" b="1" dirty="0" smtClean="0">
+              <a:rPr lang="en-US" sz="2800" b="1" dirty="0">
                 <a:latin typeface="Consolas" pitchFamily="49" charset="0"/>
                 <a:cs typeface="Consolas" pitchFamily="49" charset="0"/>
               </a:rPr>
               <a:t>foldr : (X Y -&gt; Y) Y </a:t>
             </a:r>
             <a:r>
-              <a:rPr lang="en-US" sz="2800" b="1" dirty="0" err="1" smtClean="0">
+              <a:rPr lang="en-US" sz="2800" b="1" dirty="0" err="1">
                 <a:latin typeface="Consolas" pitchFamily="49" charset="0"/>
                 <a:cs typeface="Consolas" pitchFamily="49" charset="0"/>
               </a:rPr>
               <a:t>ListOfX</a:t>
             </a:r>
             <a:r>
-              <a:rPr lang="en-US" sz="2800" b="1" dirty="0" smtClean="0">
-                <a:latin typeface="Consolas" pitchFamily="49" charset="0"/>
-                <a:cs typeface="Consolas" pitchFamily="49" charset="0"/>
-              </a:rPr>
-              <a:t> </a:t>
-            </a:r>
-            <a:r>
-              <a:rPr lang="en-US" sz="2800" b="1" dirty="0" smtClean="0">
-                <a:latin typeface="Consolas" pitchFamily="49" charset="0"/>
-                <a:cs typeface="Consolas" pitchFamily="49" charset="0"/>
-              </a:rPr>
-              <a:t>-&gt; Y</a:t>
-            </a:r>
-            <a:endParaRPr lang="en-US" sz="2800" b="1" dirty="0">
-              <a:latin typeface="Consolas" pitchFamily="49" charset="0"/>
-              <a:cs typeface="Consolas" pitchFamily="49" charset="0"/>
-            </a:endParaRPr>
+              <a:rPr lang="en-US" sz="2800" b="1" dirty="0">
+                <a:latin typeface="Consolas" pitchFamily="49" charset="0"/>
+                <a:cs typeface="Consolas" pitchFamily="49" charset="0"/>
+              </a:rPr>
+              <a:t> -&gt; Y</a:t>
+            </a:r>
           </a:p>
         </p:txBody>
       </p:sp>
@@ -9958,13 +9730,6 @@
   <p:clrMapOvr>
     <a:masterClrMapping/>
   </p:clrMapOvr>
-  <p:timing>
-    <p:tnLst>
-      <p:par>
-        <p:cTn id="1" dur="indefinite" restart="never" nodeType="tmRoot"/>
-      </p:par>
-    </p:tnLst>
-  </p:timing>
 </p:sld>
 </file>
 
@@ -10003,14 +9768,13 @@
           <a:lstStyle/>
           <a:p>
             <a:r>
-              <a:rPr lang="en-US" dirty="0" smtClean="0"/>
+              <a:rPr lang="en-US" dirty="0"/>
               <a:t>Another picture of </a:t>
             </a:r>
             <a:r>
-              <a:rPr lang="en-US" b="1" dirty="0" smtClean="0"/>
+              <a:rPr lang="en-US" b="1" dirty="0"/>
               <a:t>foldr</a:t>
             </a:r>
-            <a:endParaRPr lang="en-US" b="1" dirty="0"/>
           </a:p>
         </p:txBody>
       </p:sp>
@@ -11315,30 +11079,26 @@
           <a:lstStyle/>
           <a:p>
             <a:r>
-              <a:rPr lang="en-US" sz="3600" b="1" dirty="0" smtClean="0">
+              <a:rPr lang="en-US" sz="3600" b="1" dirty="0">
                 <a:latin typeface="Consolas" pitchFamily="49" charset="0"/>
                 <a:cs typeface="Consolas" pitchFamily="49" charset="0"/>
               </a:rPr>
               <a:t>(foldr f </a:t>
             </a:r>
             <a:r>
-              <a:rPr lang="en-US" sz="3600" b="1" dirty="0" err="1" smtClean="0">
+              <a:rPr lang="en-US" sz="3600" b="1" dirty="0" err="1">
                 <a:latin typeface="Consolas" pitchFamily="49" charset="0"/>
                 <a:cs typeface="Consolas" pitchFamily="49" charset="0"/>
               </a:rPr>
               <a:t>val</a:t>
             </a:r>
             <a:r>
-              <a:rPr lang="en-US" sz="3600" b="1" dirty="0" smtClean="0">
+              <a:rPr lang="en-US" sz="3600" b="1" dirty="0">
                 <a:latin typeface="Consolas" pitchFamily="49" charset="0"/>
                 <a:cs typeface="Consolas" pitchFamily="49" charset="0"/>
               </a:rPr>
               <a:t> (list x1 ... x5))</a:t>
             </a:r>
-            <a:endParaRPr lang="en-US" sz="3600" b="1" dirty="0">
-              <a:latin typeface="Consolas" pitchFamily="49" charset="0"/>
-              <a:cs typeface="Consolas" pitchFamily="49" charset="0"/>
-            </a:endParaRPr>
           </a:p>
         </p:txBody>
       </p:sp>
@@ -11378,7 +11138,7 @@
           <a:lstStyle/>
           <a:p>
             <a:r>
-              <a:rPr lang="en-US" dirty="0" smtClean="0"/>
+              <a:rPr lang="en-US" dirty="0"/>
               <a:t>Here's another visualization of foldr that you may find helpful.</a:t>
             </a:r>
             <a:endParaRPr lang="en-US" b="1" dirty="0">
@@ -11398,13 +11158,6 @@
   <p:clrMapOvr>
     <a:masterClrMapping/>
   </p:clrMapOvr>
-  <p:timing>
-    <p:tnLst>
-      <p:par>
-        <p:cTn id="1" dur="indefinite" restart="never" nodeType="tmRoot"/>
-      </p:par>
-    </p:tnLst>
-  </p:timing>
 </p:sld>
 </file>
 
@@ -11443,10 +11196,9 @@
           <a:lstStyle/>
           <a:p>
             <a:r>
-              <a:rPr lang="en-US" dirty="0" smtClean="0"/>
+              <a:rPr lang="en-US" dirty="0"/>
               <a:t>What kind of data is on each arrow?</a:t>
             </a:r>
-            <a:endParaRPr lang="en-US" dirty="0"/>
           </a:p>
         </p:txBody>
       </p:sp>
@@ -11677,16 +11429,12 @@
           <a:p>
             <a:pPr algn="ctr"/>
             <a:r>
-              <a:rPr lang="en-US" sz="3600" b="1" dirty="0" smtClean="0">
+              <a:rPr lang="en-US" sz="3600" b="1" dirty="0">
                 <a:latin typeface="Consolas" pitchFamily="49" charset="0"/>
                 <a:cs typeface="Consolas" pitchFamily="49" charset="0"/>
               </a:rPr>
               <a:t>X</a:t>
             </a:r>
-            <a:endParaRPr lang="en-US" sz="3600" b="1" dirty="0">
-              <a:latin typeface="Consolas" pitchFamily="49" charset="0"/>
-              <a:cs typeface="Consolas" pitchFamily="49" charset="0"/>
-            </a:endParaRPr>
           </a:p>
         </p:txBody>
       </p:sp>
@@ -11767,16 +11515,12 @@
             <a:p>
               <a:pPr algn="ctr"/>
               <a:r>
-                <a:rPr lang="en-US" sz="3600" b="1" dirty="0" smtClean="0">
+                <a:rPr lang="en-US" sz="3600" b="1" dirty="0">
                   <a:latin typeface="Consolas" pitchFamily="49" charset="0"/>
                   <a:cs typeface="Consolas" pitchFamily="49" charset="0"/>
                 </a:rPr>
                 <a:t>Y</a:t>
               </a:r>
-              <a:endParaRPr lang="en-US" sz="3600" b="1" dirty="0">
-                <a:latin typeface="Consolas" pitchFamily="49" charset="0"/>
-                <a:cs typeface="Consolas" pitchFamily="49" charset="0"/>
-              </a:endParaRPr>
             </a:p>
           </p:txBody>
         </p:sp>
@@ -11858,16 +11602,12 @@
             <a:p>
               <a:pPr algn="ctr"/>
               <a:r>
-                <a:rPr lang="en-US" sz="3600" b="1" dirty="0" smtClean="0">
+                <a:rPr lang="en-US" sz="3600" b="1" dirty="0">
                   <a:latin typeface="Consolas" pitchFamily="49" charset="0"/>
                   <a:cs typeface="Consolas" pitchFamily="49" charset="0"/>
                 </a:rPr>
                 <a:t>Y</a:t>
               </a:r>
-              <a:endParaRPr lang="en-US" sz="3600" b="1" dirty="0">
-                <a:latin typeface="Consolas" pitchFamily="49" charset="0"/>
-                <a:cs typeface="Consolas" pitchFamily="49" charset="0"/>
-              </a:endParaRPr>
             </a:p>
           </p:txBody>
         </p:sp>
@@ -11899,16 +11639,12 @@
           <a:p>
             <a:pPr algn="ctr"/>
             <a:r>
-              <a:rPr lang="en-US" sz="3600" b="1" dirty="0" smtClean="0">
+              <a:rPr lang="en-US" sz="3600" b="1" dirty="0">
                 <a:latin typeface="Consolas" pitchFamily="49" charset="0"/>
                 <a:cs typeface="Consolas" pitchFamily="49" charset="0"/>
               </a:rPr>
               <a:t>Y</a:t>
             </a:r>
-            <a:endParaRPr lang="en-US" sz="3600" b="1" dirty="0">
-              <a:latin typeface="Consolas" pitchFamily="49" charset="0"/>
-              <a:cs typeface="Consolas" pitchFamily="49" charset="0"/>
-            </a:endParaRPr>
           </a:p>
         </p:txBody>
       </p:sp>
@@ -11922,13 +11658,6 @@
   <p:clrMapOvr>
     <a:masterClrMapping/>
   </p:clrMapOvr>
-  <p:timing>
-    <p:tnLst>
-      <p:par>
-        <p:cTn id="1" dur="indefinite" restart="never" nodeType="tmRoot"/>
-      </p:par>
-    </p:tnLst>
-  </p:timing>
 </p:sld>
 </file>
 
@@ -11972,16 +11701,12 @@
           <a:lstStyle/>
           <a:p>
             <a:r>
-              <a:rPr lang="en-US" sz="3600" b="1" dirty="0" smtClean="0">
+              <a:rPr lang="en-US" sz="3600" b="1" dirty="0">
                 <a:latin typeface="Consolas" pitchFamily="49" charset="0"/>
                 <a:cs typeface="Consolas" pitchFamily="49" charset="0"/>
               </a:rPr>
               <a:t>(foldr f a (list x1 ... x5))</a:t>
             </a:r>
-            <a:endParaRPr lang="en-US" sz="3600" b="1" dirty="0">
-              <a:latin typeface="Consolas" pitchFamily="49" charset="0"/>
-              <a:cs typeface="Consolas" pitchFamily="49" charset="0"/>
-            </a:endParaRPr>
           </a:p>
         </p:txBody>
       </p:sp>
@@ -12021,63 +11746,63 @@
           <a:lstStyle/>
           <a:p>
             <a:r>
-              <a:rPr lang="en-US" sz="2400" dirty="0" smtClean="0"/>
+              <a:rPr lang="en-US" sz="2400" dirty="0"/>
               <a:t>We can think of </a:t>
             </a:r>
             <a:r>
-              <a:rPr lang="en-US" sz="2400" b="1" dirty="0" smtClean="0"/>
+              <a:rPr lang="en-US" sz="2400" b="1" dirty="0"/>
               <a:t>foldr</a:t>
             </a:r>
             <a:r>
-              <a:rPr lang="en-US" sz="2400" dirty="0" smtClean="0"/>
+              <a:rPr lang="en-US" sz="2400" dirty="0"/>
               <a:t> as starting with the base value </a:t>
             </a:r>
             <a:r>
-              <a:rPr lang="en-US" sz="2400" b="1" dirty="0" err="1" smtClean="0"/>
+              <a:rPr lang="en-US" sz="2400" b="1" dirty="0" err="1"/>
               <a:t>val</a:t>
             </a:r>
             <a:r>
-              <a:rPr lang="en-US" sz="2400" dirty="0" smtClean="0"/>
+              <a:rPr lang="en-US" sz="2400" dirty="0"/>
               <a:t>, and putting it through a pipeline of </a:t>
             </a:r>
             <a:r>
-              <a:rPr lang="en-US" sz="2400" b="1" dirty="0" smtClean="0"/>
+              <a:rPr lang="en-US" sz="2400" b="1" dirty="0"/>
               <a:t>f</a:t>
             </a:r>
             <a:r>
-              <a:rPr lang="en-US" sz="2400" dirty="0" smtClean="0"/>
+              <a:rPr lang="en-US" sz="2400" dirty="0"/>
               <a:t>'s, where each </a:t>
             </a:r>
             <a:r>
-              <a:rPr lang="en-US" sz="2400" b="1" dirty="0" smtClean="0"/>
+              <a:rPr lang="en-US" sz="2400" b="1" dirty="0"/>
               <a:t>f</a:t>
             </a:r>
             <a:r>
-              <a:rPr lang="en-US" sz="2400" dirty="0" smtClean="0"/>
+              <a:rPr lang="en-US" sz="2400" dirty="0"/>
               <a:t> also takes one of the </a:t>
             </a:r>
             <a:r>
-              <a:rPr lang="en-US" sz="2400" b="1" dirty="0" smtClean="0"/>
+              <a:rPr lang="en-US" sz="2400" b="1" dirty="0"/>
               <a:t>x</a:t>
             </a:r>
             <a:r>
-              <a:rPr lang="en-US" sz="2400" dirty="0" smtClean="0"/>
+              <a:rPr lang="en-US" sz="2400" dirty="0"/>
               <a:t>'s as an input.  The </a:t>
             </a:r>
             <a:r>
-              <a:rPr lang="en-US" sz="2400" b="1" dirty="0" smtClean="0"/>
+              <a:rPr lang="en-US" sz="2400" b="1" dirty="0"/>
               <a:t>x</a:t>
             </a:r>
             <a:r>
-              <a:rPr lang="en-US" sz="2400" dirty="0" smtClean="0"/>
+              <a:rPr lang="en-US" sz="2400" dirty="0"/>
               <a:t>'s are taken right-to-left, which is why it is called </a:t>
             </a:r>
             <a:r>
-              <a:rPr lang="en-US" sz="2400" b="1" dirty="0" smtClean="0"/>
+              <a:rPr lang="en-US" sz="2400" b="1" dirty="0"/>
               <a:t>fold</a:t>
             </a:r>
             <a:r>
-              <a:rPr lang="en-US" sz="2400" b="1" dirty="0" smtClean="0">
+              <a:rPr lang="en-US" sz="2400" b="1" dirty="0">
                 <a:solidFill>
                   <a:srgbClr val="FF0000"/>
                 </a:solidFill>
@@ -12085,7 +11810,7 @@
               <a:t>r </a:t>
             </a:r>
             <a:r>
-              <a:rPr lang="en-US" sz="2400" b="1" dirty="0" smtClean="0"/>
+              <a:rPr lang="en-US" sz="2400" b="1" dirty="0"/>
               <a:t>.</a:t>
             </a:r>
             <a:endParaRPr lang="en-US" sz="2400" b="1" dirty="0">
@@ -13386,13 +13111,6 @@
   <p:clrMapOvr>
     <a:masterClrMapping/>
   </p:clrMapOvr>
-  <p:timing>
-    <p:tnLst>
-      <p:par>
-        <p:cTn id="1" dur="indefinite" restart="never" nodeType="tmRoot"/>
-      </p:par>
-    </p:tnLst>
-  </p:timing>
 </p:sld>
 </file>
 
@@ -13429,10 +13147,9 @@
           <a:lstStyle/>
           <a:p>
             <a:r>
-              <a:rPr lang="en-US" dirty="0" smtClean="0"/>
+              <a:rPr lang="en-US" dirty="0"/>
               <a:t>Another example:</a:t>
             </a:r>
-            <a:endParaRPr lang="en-US" dirty="0"/>
           </a:p>
         </p:txBody>
       </p:sp>
@@ -13472,32 +13189,15 @@
               </a:tabLst>
             </a:pPr>
             <a:r>
-              <a:rPr lang="en-US" b="1" dirty="0" smtClean="0">
+              <a:rPr lang="en-US" b="1" dirty="0">
                 <a:solidFill>
                   <a:srgbClr val="000000"/>
                 </a:solidFill>
                 <a:latin typeface="Consolas" pitchFamily="49" charset="0"/>
                 <a:cs typeface="Consolas" pitchFamily="49" charset="0"/>
               </a:rPr>
-              <a:t>;; strategy: </a:t>
-            </a:r>
-            <a:r>
-              <a:rPr lang="en-US" b="1" dirty="0" smtClean="0">
-                <a:solidFill>
-                  <a:srgbClr val="000000"/>
-                </a:solidFill>
-                <a:latin typeface="Consolas" pitchFamily="49" charset="0"/>
-                <a:cs typeface="Consolas" pitchFamily="49" charset="0"/>
-              </a:rPr>
-              <a:t>combine simpler functions</a:t>
-            </a:r>
-            <a:endParaRPr lang="en-US" b="1" dirty="0" smtClean="0">
-              <a:solidFill>
-                <a:srgbClr val="000000"/>
-              </a:solidFill>
-              <a:latin typeface="Consolas" pitchFamily="49" charset="0"/>
-              <a:cs typeface="Consolas" pitchFamily="49" charset="0"/>
-            </a:endParaRPr>
+              <a:t>;; strategy: combine simpler functions</a:t>
+            </a:r>
           </a:p>
           <a:p>
             <a:pPr>
@@ -13519,7 +13219,7 @@
               </a:tabLst>
             </a:pPr>
             <a:r>
-              <a:rPr lang="en-US" b="1" dirty="0" smtClean="0">
+              <a:rPr lang="en-US" b="1" dirty="0">
                 <a:solidFill>
                   <a:srgbClr val="000000"/>
                 </a:solidFill>
@@ -13549,7 +13249,7 @@
               </a:tabLst>
             </a:pPr>
             <a:r>
-              <a:rPr lang="en-US" b="1" dirty="0" smtClean="0">
+              <a:rPr lang="en-US" b="1" dirty="0">
                 <a:solidFill>
                   <a:srgbClr val="000000"/>
                 </a:solidFill>
@@ -13558,7 +13258,7 @@
               </a:rPr>
               <a:t>  (if b (+ n 1) n)))</a:t>
             </a:r>
-            <a:endParaRPr lang="en-US" dirty="0" smtClean="0">
+            <a:endParaRPr lang="en-US" dirty="0">
               <a:solidFill>
                 <a:srgbClr val="000000"/>
               </a:solidFill>
@@ -13585,7 +13285,7 @@
                 <a:tab pos="7239000" algn="l"/>
               </a:tabLst>
             </a:pPr>
-            <a:endParaRPr lang="en-US" dirty="0" smtClean="0">
+            <a:endParaRPr lang="en-US" dirty="0">
               <a:solidFill>
                 <a:srgbClr val="000000"/>
               </a:solidFill>
@@ -13613,52 +13313,35 @@
               </a:tabLst>
             </a:pPr>
             <a:r>
-              <a:rPr lang="en-US" b="1" dirty="0" smtClean="0">
+              <a:rPr lang="en-US" b="1" dirty="0">
                 <a:solidFill>
                   <a:srgbClr val="000000"/>
                 </a:solidFill>
                 <a:latin typeface="Consolas" pitchFamily="49" charset="0"/>
                 <a:cs typeface="Consolas" pitchFamily="49" charset="0"/>
               </a:rPr>
-              <a:t>;; strategy: </a:t>
-            </a:r>
-            <a:r>
-              <a:rPr lang="en-US" b="1" dirty="0" smtClean="0">
+              <a:t>;; strategy: Use HOF </a:t>
+            </a:r>
+            <a:r>
+              <a:rPr lang="en-US" b="1" dirty="0" err="1">
                 <a:solidFill>
                   <a:srgbClr val="000000"/>
                 </a:solidFill>
                 <a:latin typeface="Consolas" pitchFamily="49" charset="0"/>
                 <a:cs typeface="Consolas" pitchFamily="49" charset="0"/>
               </a:rPr>
-              <a:t>Use HOF </a:t>
-            </a:r>
-            <a:r>
-              <a:rPr lang="en-US" b="1" dirty="0" err="1" smtClean="0">
+              <a:t>foldr</a:t>
+            </a:r>
+            <a:r>
+              <a:rPr lang="en-US" b="1" dirty="0">
                 <a:solidFill>
                   <a:srgbClr val="000000"/>
                 </a:solidFill>
                 <a:latin typeface="Consolas" pitchFamily="49" charset="0"/>
                 <a:cs typeface="Consolas" pitchFamily="49" charset="0"/>
               </a:rPr>
-              <a:t>foldr</a:t>
-            </a:r>
-            <a:r>
-              <a:rPr lang="en-US" b="1" dirty="0" smtClean="0">
-                <a:solidFill>
-                  <a:srgbClr val="000000"/>
-                </a:solidFill>
-                <a:latin typeface="Consolas" pitchFamily="49" charset="0"/>
-                <a:cs typeface="Consolas" pitchFamily="49" charset="0"/>
-              </a:rPr>
               <a:t> on lob</a:t>
             </a:r>
-            <a:endParaRPr lang="en-US" b="1" dirty="0" smtClean="0">
-              <a:solidFill>
-                <a:srgbClr val="000000"/>
-              </a:solidFill>
-              <a:latin typeface="Consolas" pitchFamily="49" charset="0"/>
-              <a:cs typeface="Consolas" pitchFamily="49" charset="0"/>
-            </a:endParaRPr>
           </a:p>
           <a:p>
             <a:pPr>
@@ -13680,7 +13363,7 @@
               </a:tabLst>
             </a:pPr>
             <a:r>
-              <a:rPr lang="en-US" b="1" dirty="0" smtClean="0">
+              <a:rPr lang="en-US" b="1" dirty="0">
                 <a:solidFill>
                   <a:srgbClr val="000000"/>
                 </a:solidFill>
@@ -13690,7 +13373,7 @@
               <a:t>(define (count-</a:t>
             </a:r>
             <a:r>
-              <a:rPr lang="en-US" b="1" dirty="0" err="1" smtClean="0">
+              <a:rPr lang="en-US" b="1" dirty="0" err="1">
                 <a:solidFill>
                   <a:srgbClr val="000000"/>
                 </a:solidFill>
@@ -13700,7 +13383,7 @@
               <a:t>trues</a:t>
             </a:r>
             <a:r>
-              <a:rPr lang="en-US" b="1" dirty="0" smtClean="0">
+              <a:rPr lang="en-US" b="1" dirty="0">
                 <a:solidFill>
                   <a:srgbClr val="000000"/>
                 </a:solidFill>
@@ -13730,7 +13413,7 @@
               </a:tabLst>
             </a:pPr>
             <a:r>
-              <a:rPr lang="en-US" b="1" dirty="0" smtClean="0">
+              <a:rPr lang="en-US" b="1" dirty="0">
                 <a:solidFill>
                   <a:srgbClr val="000000"/>
                 </a:solidFill>
@@ -13740,7 +13423,7 @@
               <a:t>  (foldr </a:t>
             </a:r>
             <a:r>
-              <a:rPr lang="en-US" b="1" dirty="0" smtClean="0">
+              <a:rPr lang="en-US" b="1" dirty="0">
                 <a:solidFill>
                   <a:srgbClr val="9BBB59"/>
                 </a:solidFill>
@@ -13750,7 +13433,7 @@
               <a:t>add1-if-true</a:t>
             </a:r>
             <a:r>
-              <a:rPr lang="en-US" b="1" dirty="0" smtClean="0">
+              <a:rPr lang="en-US" b="1" dirty="0">
                 <a:solidFill>
                   <a:srgbClr val="000000"/>
                 </a:solidFill>
@@ -13760,7 +13443,7 @@
               <a:t> </a:t>
             </a:r>
             <a:r>
-              <a:rPr lang="en-US" b="1" dirty="0" smtClean="0">
+              <a:rPr lang="en-US" b="1" dirty="0">
                 <a:solidFill>
                   <a:srgbClr val="FF0000"/>
                 </a:solidFill>
@@ -13770,7 +13453,7 @@
               <a:t>0</a:t>
             </a:r>
             <a:r>
-              <a:rPr lang="en-US" b="1" dirty="0" smtClean="0">
+              <a:rPr lang="en-US" b="1" dirty="0">
                 <a:solidFill>
                   <a:srgbClr val="000000"/>
                 </a:solidFill>
@@ -13799,7 +13482,7 @@
                 <a:tab pos="7239000" algn="l"/>
               </a:tabLst>
             </a:pPr>
-            <a:endParaRPr lang="en-US" b="1" dirty="0" smtClean="0">
+            <a:endParaRPr lang="en-US" b="1" dirty="0">
               <a:solidFill>
                 <a:srgbClr val="000000"/>
               </a:solidFill>
@@ -13826,7 +13509,7 @@
               </a:tabLst>
             </a:pPr>
             <a:r>
-              <a:rPr lang="en-US" dirty="0" smtClean="0">
+              <a:rPr lang="en-US" dirty="0">
                 <a:solidFill>
                   <a:srgbClr val="000000"/>
                 </a:solidFill>
@@ -13854,7 +13537,7 @@
                 <a:tab pos="7239000" algn="l"/>
               </a:tabLst>
             </a:pPr>
-            <a:endParaRPr lang="en-US" b="1" dirty="0" smtClean="0">
+            <a:endParaRPr lang="en-US" b="1" dirty="0">
               <a:solidFill>
                 <a:srgbClr val="000000"/>
               </a:solidFill>
@@ -13888,39 +13571,29 @@
                 <a:latin typeface="Consolas" pitchFamily="49" charset="0"/>
                 <a:cs typeface="Consolas" pitchFamily="49" charset="0"/>
               </a:rPr>
-              <a:t>;; strategy: </a:t>
-            </a:r>
-            <a:r>
-              <a:rPr lang="en-US" b="1" dirty="0" smtClean="0">
+              <a:t>;; strategy: Use HOF </a:t>
+            </a:r>
+            <a:r>
+              <a:rPr lang="en-US" b="1" dirty="0" err="1">
                 <a:solidFill>
                   <a:srgbClr val="000000"/>
                 </a:solidFill>
                 <a:latin typeface="Consolas" pitchFamily="49" charset="0"/>
                 <a:cs typeface="Consolas" pitchFamily="49" charset="0"/>
               </a:rPr>
-              <a:t>Use HOF </a:t>
-            </a:r>
-            <a:r>
-              <a:rPr lang="en-US" b="1" dirty="0" err="1" smtClean="0">
+              <a:t>foldr</a:t>
+            </a:r>
+            <a:r>
+              <a:rPr lang="en-US" b="1" dirty="0">
                 <a:solidFill>
                   <a:srgbClr val="000000"/>
                 </a:solidFill>
                 <a:latin typeface="Consolas" pitchFamily="49" charset="0"/>
                 <a:cs typeface="Consolas" pitchFamily="49" charset="0"/>
               </a:rPr>
-              <a:t>foldr</a:t>
-            </a:r>
-            <a:r>
-              <a:rPr lang="en-US" b="1" dirty="0" smtClean="0">
-                <a:solidFill>
-                  <a:srgbClr val="000000"/>
-                </a:solidFill>
-                <a:latin typeface="Consolas" pitchFamily="49" charset="0"/>
-                <a:cs typeface="Consolas" pitchFamily="49" charset="0"/>
-              </a:rPr>
               <a:t> on lob</a:t>
             </a:r>
-            <a:endParaRPr lang="en-US" b="1" dirty="0" smtClean="0">
+            <a:endParaRPr lang="en-US" b="1" dirty="0">
               <a:solidFill>
                 <a:srgbClr val="000000"/>
               </a:solidFill>
@@ -13947,7 +13620,7 @@
               </a:tabLst>
             </a:pPr>
             <a:r>
-              <a:rPr lang="en-US" b="1" dirty="0" smtClean="0">
+              <a:rPr lang="en-US" b="1" dirty="0">
                 <a:solidFill>
                   <a:srgbClr val="000000"/>
                 </a:solidFill>
@@ -13957,7 +13630,7 @@
               <a:t>(define (count-</a:t>
             </a:r>
             <a:r>
-              <a:rPr lang="en-US" b="1" dirty="0" err="1" smtClean="0">
+              <a:rPr lang="en-US" b="1" dirty="0" err="1">
                 <a:solidFill>
                   <a:srgbClr val="000000"/>
                 </a:solidFill>
@@ -13967,7 +13640,7 @@
               <a:t>trues</a:t>
             </a:r>
             <a:r>
-              <a:rPr lang="en-US" b="1" dirty="0" smtClean="0">
+              <a:rPr lang="en-US" b="1" dirty="0">
                 <a:solidFill>
                   <a:srgbClr val="000000"/>
                 </a:solidFill>
@@ -13997,7 +13670,7 @@
               </a:tabLst>
             </a:pPr>
             <a:r>
-              <a:rPr lang="en-US" b="1" dirty="0" smtClean="0">
+              <a:rPr lang="en-US" b="1" dirty="0">
                 <a:solidFill>
                   <a:srgbClr val="000000"/>
                 </a:solidFill>
@@ -14027,14 +13700,14 @@
               </a:tabLst>
             </a:pPr>
             <a:r>
-              <a:rPr lang="en-US" b="1" dirty="0" smtClean="0">
+              <a:rPr lang="en-US" b="1" dirty="0">
                 <a:solidFill>
                   <a:srgbClr val="000000"/>
                 </a:solidFill>
                 <a:latin typeface="Consolas" pitchFamily="49" charset="0"/>
                 <a:cs typeface="Consolas" pitchFamily="49" charset="0"/>
               </a:rPr>
-              <a:t>			      (if b (+ n 1) n)))</a:t>
+              <a:t>			  (if b (+ n 1) n)))</a:t>
             </a:r>
           </a:p>
           <a:p>
@@ -14057,7 +13730,7 @@
               </a:tabLst>
             </a:pPr>
             <a:r>
-              <a:rPr lang="en-US" b="1" dirty="0" smtClean="0">
+              <a:rPr lang="en-US" b="1" dirty="0">
                 <a:solidFill>
                   <a:srgbClr val="000000"/>
                 </a:solidFill>
@@ -14067,7 +13740,7 @@
               <a:t>    (foldr </a:t>
             </a:r>
             <a:r>
-              <a:rPr lang="en-US" b="1" dirty="0" smtClean="0">
+              <a:rPr lang="en-US" b="1" dirty="0">
                 <a:solidFill>
                   <a:srgbClr val="9BBB59"/>
                 </a:solidFill>
@@ -14077,7 +13750,7 @@
               <a:t>add1-if-true</a:t>
             </a:r>
             <a:r>
-              <a:rPr lang="en-US" b="1" dirty="0" smtClean="0">
+              <a:rPr lang="en-US" b="1" dirty="0">
                 <a:solidFill>
                   <a:srgbClr val="000000"/>
                 </a:solidFill>
@@ -14087,7 +13760,7 @@
               <a:t> </a:t>
             </a:r>
             <a:r>
-              <a:rPr lang="en-US" b="1" dirty="0" smtClean="0">
+              <a:rPr lang="en-US" b="1" dirty="0">
                 <a:solidFill>
                   <a:srgbClr val="FF0000"/>
                 </a:solidFill>
@@ -14097,7 +13770,7 @@
               <a:t>0</a:t>
             </a:r>
             <a:r>
-              <a:rPr lang="en-US" b="1" dirty="0" smtClean="0">
+              <a:rPr lang="en-US" b="1" dirty="0">
                 <a:solidFill>
                   <a:srgbClr val="000000"/>
                 </a:solidFill>
@@ -14200,13 +13873,8 @@
             </a:r>
             <a:r>
               <a:rPr lang="en-US" sz="2400" dirty="0"/>
-              <a:t> ? Try to answer these questions before proceeding to the next slide</a:t>
-            </a:r>
-            <a:r>
-              <a:rPr lang="en-US" sz="2400" dirty="0" smtClean="0"/>
-              <a:t>.</a:t>
-            </a:r>
-            <a:endParaRPr lang="en-US" sz="2400" dirty="0"/>
+              <a:t> ? Try to answer these questions before proceeding to the next slide.</a:t>
+            </a:r>
           </a:p>
         </p:txBody>
       </p:sp>
@@ -14220,13 +13888,6 @@
   <p:clrMapOvr>
     <a:masterClrMapping/>
   </p:clrMapOvr>
-  <p:timing>
-    <p:tnLst>
-      <p:par>
-        <p:cTn id="1" dur="indefinite" restart="never" nodeType="tmRoot"/>
-      </p:par>
-    </p:tnLst>
-  </p:timing>
 </p:sld>
 </file>
 
@@ -14263,10 +13924,9 @@
           <a:lstStyle/>
           <a:p>
             <a:r>
-              <a:rPr lang="en-US" dirty="0" smtClean="0"/>
+              <a:rPr lang="en-US" dirty="0"/>
               <a:t>What are the contracts?</a:t>
             </a:r>
-            <a:endParaRPr lang="en-US" dirty="0"/>
           </a:p>
         </p:txBody>
       </p:sp>
@@ -14306,7 +13966,7 @@
               </a:tabLst>
             </a:pPr>
             <a:r>
-              <a:rPr lang="en-US" b="1" dirty="0" smtClean="0">
+              <a:rPr lang="en-US" b="1" dirty="0">
                 <a:solidFill>
                   <a:srgbClr val="000000"/>
                 </a:solidFill>
@@ -14342,16 +14002,7 @@
                 </a:solidFill>
                 <a:cs typeface="Consolas" pitchFamily="49" charset="0"/>
               </a:rPr>
-              <a:t>In general</a:t>
-            </a:r>
-            <a:r>
-              <a:rPr lang="en-US" dirty="0" smtClean="0">
-                <a:solidFill>
-                  <a:srgbClr val="000000"/>
-                </a:solidFill>
-                <a:cs typeface="Consolas" pitchFamily="49" charset="0"/>
-              </a:rPr>
-              <a:t>:</a:t>
+              <a:t>In general:</a:t>
             </a:r>
             <a:endParaRPr lang="en-US" b="1" dirty="0">
               <a:solidFill>
@@ -14391,7 +14042,7 @@
               <a:t>foldr : (X Y -&gt; Y) Y </a:t>
             </a:r>
             <a:r>
-              <a:rPr lang="en-US" b="1" dirty="0" err="1" smtClean="0">
+              <a:rPr lang="en-US" b="1" dirty="0" err="1">
                 <a:solidFill>
                   <a:srgbClr val="000000"/>
                 </a:solidFill>
@@ -14399,16 +14050,6 @@
                 <a:cs typeface="Consolas" pitchFamily="49" charset="0"/>
               </a:rPr>
               <a:t>ListOfX</a:t>
-            </a:r>
-            <a:r>
-              <a:rPr lang="en-US" b="1" dirty="0" smtClean="0">
-                <a:solidFill>
-                  <a:srgbClr val="000000"/>
-                </a:solidFill>
-                <a:latin typeface="Consolas" pitchFamily="49" charset="0"/>
-                <a:cs typeface="Consolas" pitchFamily="49" charset="0"/>
-              </a:rPr>
-              <a:t> </a:t>
             </a:r>
             <a:r>
               <a:rPr lang="en-US" b="1" dirty="0">
@@ -14418,7 +14059,7 @@
                 <a:latin typeface="Consolas" pitchFamily="49" charset="0"/>
                 <a:cs typeface="Consolas" pitchFamily="49" charset="0"/>
               </a:rPr>
-              <a:t>-&gt; Y</a:t>
+              <a:t> -&gt; Y</a:t>
             </a:r>
           </a:p>
           <a:p>
@@ -14441,7 +14082,7 @@
               </a:tabLst>
             </a:pPr>
             <a:r>
-              <a:rPr lang="en-US" dirty="0" smtClean="0">
+              <a:rPr lang="en-US" dirty="0">
                 <a:solidFill>
                   <a:srgbClr val="000000"/>
                 </a:solidFill>
@@ -14449,7 +14090,7 @@
               <a:t>In this case, </a:t>
             </a:r>
             <a:r>
-              <a:rPr lang="en-US" b="1" dirty="0" smtClean="0">
+              <a:rPr lang="en-US" b="1" dirty="0">
                 <a:solidFill>
                   <a:srgbClr val="000000"/>
                 </a:solidFill>
@@ -14457,7 +14098,7 @@
               <a:t>X</a:t>
             </a:r>
             <a:r>
-              <a:rPr lang="en-US" dirty="0" smtClean="0">
+              <a:rPr lang="en-US" dirty="0">
                 <a:solidFill>
                   <a:srgbClr val="000000"/>
                 </a:solidFill>
@@ -14465,7 +14106,7 @@
               <a:t> = Boolean and </a:t>
             </a:r>
             <a:r>
-              <a:rPr lang="en-US" b="1" dirty="0" smtClean="0">
+              <a:rPr lang="en-US" b="1" dirty="0">
                 <a:solidFill>
                   <a:srgbClr val="000000"/>
                 </a:solidFill>
@@ -14473,7 +14114,7 @@
               <a:t>Y</a:t>
             </a:r>
             <a:r>
-              <a:rPr lang="en-US" dirty="0" smtClean="0">
+              <a:rPr lang="en-US" dirty="0">
                 <a:solidFill>
                   <a:srgbClr val="000000"/>
                 </a:solidFill>
@@ -14501,16 +14142,6 @@
               </a:tabLst>
             </a:pPr>
             <a:r>
-              <a:rPr lang="en-US" b="1" dirty="0" smtClean="0">
-                <a:solidFill>
-                  <a:srgbClr val="000000"/>
-                </a:solidFill>
-                <a:latin typeface="Consolas" pitchFamily="49" charset="0"/>
-                <a:cs typeface="Consolas" pitchFamily="49" charset="0"/>
-              </a:rPr>
-              <a:t>foldr</a:t>
-            </a:r>
-            <a:r>
               <a:rPr lang="en-US" b="1" dirty="0">
                 <a:solidFill>
                   <a:srgbClr val="000000"/>
@@ -14518,10 +14149,10 @@
                 <a:latin typeface="Consolas" pitchFamily="49" charset="0"/>
                 <a:cs typeface="Consolas" pitchFamily="49" charset="0"/>
               </a:rPr>
-              <a:t> </a:t>
-            </a:r>
-            <a:r>
-              <a:rPr lang="en-US" dirty="0" smtClean="0">
+              <a:t>foldr </a:t>
+            </a:r>
+            <a:r>
+              <a:rPr lang="en-US" dirty="0">
                 <a:solidFill>
                   <a:srgbClr val="000000"/>
                 </a:solidFill>
@@ -14550,7 +14181,7 @@
               </a:tabLst>
             </a:pPr>
             <a:r>
-              <a:rPr lang="en-US" b="1" dirty="0" smtClean="0">
+              <a:rPr lang="en-US" b="1" dirty="0">
                 <a:solidFill>
                   <a:srgbClr val="000000"/>
                 </a:solidFill>
@@ -14580,7 +14211,7 @@
               </a:tabLst>
             </a:pPr>
             <a:r>
-              <a:rPr lang="en-US" b="1" dirty="0" smtClean="0">
+              <a:rPr lang="en-US" b="1" dirty="0">
                 <a:solidFill>
                   <a:srgbClr val="000000"/>
                 </a:solidFill>
@@ -14590,7 +14221,7 @@
               <a:t>     Number </a:t>
             </a:r>
             <a:r>
-              <a:rPr lang="en-US" b="1" dirty="0" err="1" smtClean="0">
+              <a:rPr lang="en-US" b="1" dirty="0" err="1">
                 <a:solidFill>
                   <a:srgbClr val="000000"/>
                 </a:solidFill>
@@ -14600,7 +14231,7 @@
               <a:t>ListOfBoolean</a:t>
             </a:r>
             <a:r>
-              <a:rPr lang="en-US" b="1" dirty="0" smtClean="0">
+              <a:rPr lang="en-US" b="1" dirty="0">
                 <a:solidFill>
                   <a:srgbClr val="000000"/>
                 </a:solidFill>
@@ -14630,7 +14261,7 @@
               </a:tabLst>
             </a:pPr>
             <a:r>
-              <a:rPr lang="en-US" dirty="0" smtClean="0">
+              <a:rPr lang="en-US" dirty="0">
                 <a:solidFill>
                   <a:srgbClr val="000000"/>
                 </a:solidFill>
@@ -14669,7 +14300,7 @@
               <a:t>count-trues : </a:t>
             </a:r>
             <a:r>
-              <a:rPr lang="en-US" b="1" dirty="0" err="1" smtClean="0">
+              <a:rPr lang="en-US" b="1" dirty="0" err="1">
                 <a:solidFill>
                   <a:srgbClr val="000000"/>
                 </a:solidFill>
@@ -14677,16 +14308,6 @@
                 <a:cs typeface="Consolas" pitchFamily="49" charset="0"/>
               </a:rPr>
               <a:t>ListOfBoolean</a:t>
-            </a:r>
-            <a:r>
-              <a:rPr lang="en-US" b="1" dirty="0" smtClean="0">
-                <a:solidFill>
-                  <a:srgbClr val="000000"/>
-                </a:solidFill>
-                <a:latin typeface="Consolas" pitchFamily="49" charset="0"/>
-                <a:cs typeface="Consolas" pitchFamily="49" charset="0"/>
-              </a:rPr>
-              <a:t> </a:t>
             </a:r>
             <a:r>
               <a:rPr lang="en-US" b="1" dirty="0">
@@ -14696,7 +14317,7 @@
                 <a:latin typeface="Consolas" pitchFamily="49" charset="0"/>
                 <a:cs typeface="Consolas" pitchFamily="49" charset="0"/>
               </a:rPr>
-              <a:t>-&gt; Number</a:t>
+              <a:t> -&gt; Number</a:t>
             </a:r>
           </a:p>
           <a:p>
@@ -14718,7 +14339,7 @@
                 <a:tab pos="7239000" algn="l"/>
               </a:tabLst>
             </a:pPr>
-            <a:endParaRPr lang="en-US" b="1" dirty="0" smtClean="0">
+            <a:endParaRPr lang="en-US" b="1" dirty="0">
               <a:solidFill>
                 <a:srgbClr val="000000"/>
               </a:solidFill>
@@ -14768,13 +14389,6 @@
   <p:clrMapOvr>
     <a:masterClrMapping/>
   </p:clrMapOvr>
-  <p:timing>
-    <p:tnLst>
-      <p:par>
-        <p:cTn id="1" dur="indefinite" restart="never" nodeType="tmRoot"/>
-      </p:par>
-    </p:tnLst>
-  </p:timing>
 </p:sld>
 </file>
 
@@ -14811,10 +14425,9 @@
           <a:lstStyle/>
           <a:p>
             <a:r>
-              <a:rPr lang="en-US" dirty="0" smtClean="0"/>
+              <a:rPr lang="en-US" dirty="0"/>
               <a:t>Introduction</a:t>
             </a:r>
-            <a:endParaRPr lang="en-US" dirty="0"/>
           </a:p>
         </p:txBody>
       </p:sp>
@@ -14836,41 +14449,41 @@
           <a:lstStyle/>
           <a:p>
             <a:r>
-              <a:rPr lang="en-US" dirty="0" smtClean="0"/>
+              <a:rPr lang="en-US" dirty="0"/>
               <a:t>In this lesson, we will explore another common pattern in functions defined by the list template.</a:t>
             </a:r>
           </a:p>
           <a:p>
             <a:r>
-              <a:rPr lang="en-US" dirty="0" smtClean="0"/>
+              <a:rPr lang="en-US" dirty="0"/>
               <a:t>We will generalize this to a function called </a:t>
             </a:r>
             <a:r>
-              <a:rPr lang="en-US" b="1" dirty="0" smtClean="0">
+              <a:rPr lang="en-US" b="1" dirty="0">
                 <a:latin typeface="Consolas" panose="020B0609020204030204" pitchFamily="49" charset="0"/>
                 <a:cs typeface="Consolas" panose="020B0609020204030204" pitchFamily="49" charset="0"/>
               </a:rPr>
               <a:t>foldr</a:t>
             </a:r>
             <a:r>
-              <a:rPr lang="en-US" dirty="0" smtClean="0"/>
+              <a:rPr lang="en-US" dirty="0"/>
               <a:t>.</a:t>
             </a:r>
           </a:p>
           <a:p>
             <a:r>
-              <a:rPr lang="en-US" dirty="0" smtClean="0"/>
+              <a:rPr lang="en-US" dirty="0"/>
               <a:t>We will visualize how </a:t>
             </a:r>
             <a:r>
-              <a:rPr lang="en-US" b="1" dirty="0" smtClean="0">
+              <a:rPr lang="en-US" b="1" dirty="0">
                 <a:latin typeface="Consolas" panose="020B0609020204030204" pitchFamily="49" charset="0"/>
                 <a:cs typeface="Consolas" panose="020B0609020204030204" pitchFamily="49" charset="0"/>
               </a:rPr>
               <a:t>foldr</a:t>
             </a:r>
             <a:r>
-              <a:rPr lang="en-US" dirty="0" smtClean="0"/>
+              <a:rPr lang="en-US" dirty="0"/>
               <a:t> works, and show an important application area.</a:t>
             </a:r>
           </a:p>
@@ -14910,13 +14523,6 @@
   <p:clrMapOvr>
     <a:masterClrMapping/>
   </p:clrMapOvr>
-  <p:timing>
-    <p:tnLst>
-      <p:par>
-        <p:cTn id="1" dur="indefinite" restart="never" nodeType="tmRoot"/>
-      </p:par>
-    </p:tnLst>
-  </p:timing>
 </p:sld>
 </file>
 
@@ -14955,10 +14561,9 @@
           <a:lstStyle/>
           <a:p>
             <a:r>
-              <a:rPr lang="en-US" dirty="0" smtClean="0"/>
+              <a:rPr lang="en-US" dirty="0"/>
               <a:t>Local functions need contracts and purpose statements too</a:t>
             </a:r>
-            <a:endParaRPr lang="en-US" dirty="0"/>
           </a:p>
         </p:txBody>
       </p:sp>
@@ -14996,7 +14601,7 @@
               </a:tabLst>
             </a:pPr>
             <a:r>
-              <a:rPr lang="en-US" sz="2000" b="1" dirty="0" smtClean="0">
+              <a:rPr lang="en-US" sz="2000" b="1" dirty="0">
                 <a:solidFill>
                   <a:srgbClr val="000000"/>
                 </a:solidFill>
@@ -15006,7 +14611,7 @@
               <a:t>(define (count-</a:t>
             </a:r>
             <a:r>
-              <a:rPr lang="en-US" sz="2000" b="1" dirty="0" err="1" smtClean="0">
+              <a:rPr lang="en-US" sz="2000" b="1" dirty="0" err="1">
                 <a:solidFill>
                   <a:srgbClr val="000000"/>
                 </a:solidFill>
@@ -15016,7 +14621,7 @@
               <a:t>trues</a:t>
             </a:r>
             <a:r>
-              <a:rPr lang="en-US" sz="2000" b="1" dirty="0" smtClean="0">
+              <a:rPr lang="en-US" sz="2000" b="1" dirty="0">
                 <a:solidFill>
                   <a:srgbClr val="000000"/>
                 </a:solidFill>
@@ -15046,7 +14651,7 @@
               </a:tabLst>
             </a:pPr>
             <a:r>
-              <a:rPr lang="en-US" sz="2000" b="1" dirty="0" smtClean="0">
+              <a:rPr lang="en-US" sz="2000" b="1" dirty="0">
                 <a:solidFill>
                   <a:srgbClr val="000000"/>
                 </a:solidFill>
@@ -15076,7 +14681,7 @@
               </a:tabLst>
             </a:pPr>
             <a:r>
-              <a:rPr lang="en-US" sz="2000" b="1" dirty="0" smtClean="0">
+              <a:rPr lang="en-US" sz="2000" b="1" dirty="0">
                 <a:solidFill>
                   <a:srgbClr val="000000"/>
                 </a:solidFill>
@@ -15086,7 +14691,7 @@
               <a:t>          ; RETURNS: the number plus 1 if the </a:t>
             </a:r>
             <a:r>
-              <a:rPr lang="en-US" sz="2000" b="1" dirty="0" err="1" smtClean="0">
+              <a:rPr lang="en-US" sz="2000" b="1" dirty="0" err="1">
                 <a:solidFill>
                   <a:srgbClr val="000000"/>
                 </a:solidFill>
@@ -15096,7 +14701,7 @@
               <a:t>boolean</a:t>
             </a:r>
             <a:r>
-              <a:rPr lang="en-US" sz="2000" b="1" dirty="0" smtClean="0">
+              <a:rPr lang="en-US" sz="2000" b="1" dirty="0">
                 <a:solidFill>
                   <a:srgbClr val="000000"/>
                 </a:solidFill>
@@ -15133,17 +14738,7 @@
                 <a:latin typeface="Consolas" pitchFamily="49" charset="0"/>
                 <a:cs typeface="Consolas" pitchFamily="49" charset="0"/>
               </a:rPr>
-              <a:t> </a:t>
-            </a:r>
-            <a:r>
-              <a:rPr lang="en-US" sz="2000" b="1" dirty="0" smtClean="0">
-                <a:solidFill>
-                  <a:srgbClr val="000000"/>
-                </a:solidFill>
-                <a:latin typeface="Consolas" pitchFamily="49" charset="0"/>
-                <a:cs typeface="Consolas" pitchFamily="49" charset="0"/>
-              </a:rPr>
-              <a:t>         ; true, otherwise returns the number unchanged.</a:t>
+              <a:t>          ; true, otherwise returns the number unchanged.</a:t>
             </a:r>
           </a:p>
           <a:p>
@@ -15166,7 +14761,7 @@
               </a:tabLst>
             </a:pPr>
             <a:r>
-              <a:rPr lang="en-US" sz="2000" b="1" dirty="0" smtClean="0">
+              <a:rPr lang="en-US" sz="2000" b="1" dirty="0">
                 <a:solidFill>
                   <a:srgbClr val="000000"/>
                 </a:solidFill>
@@ -15196,7 +14791,7 @@
               </a:tabLst>
             </a:pPr>
             <a:r>
-              <a:rPr lang="en-US" sz="2000" b="1" dirty="0" smtClean="0">
+              <a:rPr lang="en-US" sz="2000" b="1" dirty="0">
                 <a:solidFill>
                   <a:srgbClr val="000000"/>
                 </a:solidFill>
@@ -15206,7 +14801,7 @@
               <a:t>    (foldr </a:t>
             </a:r>
             <a:r>
-              <a:rPr lang="en-US" sz="2000" b="1" dirty="0" smtClean="0">
+              <a:rPr lang="en-US" sz="2000" b="1" dirty="0">
                 <a:solidFill>
                   <a:srgbClr val="9BBB59"/>
                 </a:solidFill>
@@ -15216,7 +14811,7 @@
               <a:t>add1-if-true</a:t>
             </a:r>
             <a:r>
-              <a:rPr lang="en-US" sz="2000" b="1" dirty="0" smtClean="0">
+              <a:rPr lang="en-US" sz="2000" b="1" dirty="0">
                 <a:solidFill>
                   <a:srgbClr val="000000"/>
                 </a:solidFill>
@@ -15226,7 +14821,7 @@
               <a:t> </a:t>
             </a:r>
             <a:r>
-              <a:rPr lang="en-US" sz="2000" b="1" dirty="0" smtClean="0">
+              <a:rPr lang="en-US" sz="2000" b="1" dirty="0">
                 <a:solidFill>
                   <a:srgbClr val="FF0000"/>
                 </a:solidFill>
@@ -15236,7 +14831,7 @@
               <a:t>0</a:t>
             </a:r>
             <a:r>
-              <a:rPr lang="en-US" sz="2000" b="1" dirty="0" smtClean="0">
+              <a:rPr lang="en-US" sz="2000" b="1" dirty="0">
                 <a:solidFill>
                   <a:srgbClr val="000000"/>
                 </a:solidFill>
@@ -15248,10 +14843,9 @@
           </a:p>
           <a:p>
             <a:r>
-              <a:rPr lang="en-US" dirty="0" smtClean="0"/>
+              <a:rPr lang="en-US" dirty="0"/>
               <a:t>They count as help functions, so they don't need separate tests.</a:t>
             </a:r>
-            <a:endParaRPr lang="en-US" dirty="0"/>
           </a:p>
         </p:txBody>
       </p:sp>
@@ -15315,10 +14909,9 @@
           <a:lstStyle/>
           <a:p>
             <a:r>
-              <a:rPr lang="en-US" sz="2400" dirty="0" smtClean="0"/>
+              <a:rPr lang="en-US" sz="2400" dirty="0"/>
               <a:t>Local functions need their deliverables, too.  They count as help functions, so they don't need separate tests.  If they are complicated enough to need examples or tests, then you should make them independent functions with a full set of deliverables.</a:t>
             </a:r>
-            <a:endParaRPr lang="en-US" sz="2400" dirty="0"/>
           </a:p>
         </p:txBody>
       </p:sp>
@@ -15332,13 +14925,6 @@
   <p:clrMapOvr>
     <a:masterClrMapping/>
   </p:clrMapOvr>
-  <p:timing>
-    <p:tnLst>
-      <p:par>
-        <p:cTn id="1" dur="indefinite" restart="never" nodeType="tmRoot"/>
-      </p:par>
-    </p:tnLst>
-  </p:timing>
 </p:sld>
 </file>
 
@@ -15377,17 +14963,16 @@
           <a:lstStyle/>
           <a:p>
             <a:r>
-              <a:rPr lang="en-US" dirty="0" smtClean="0"/>
+              <a:rPr lang="en-US" dirty="0"/>
               <a:t>The whole thing </a:t>
             </a:r>
             <a:br>
-              <a:rPr lang="en-US" dirty="0" smtClean="0"/>
+              <a:rPr lang="en-US" dirty="0"/>
             </a:br>
             <a:r>
-              <a:rPr lang="en-US" dirty="0" smtClean="0"/>
+              <a:rPr lang="en-US" dirty="0"/>
               <a:t>(less examples and tests)</a:t>
             </a:r>
-            <a:endParaRPr lang="en-US" dirty="0"/>
           </a:p>
         </p:txBody>
       </p:sp>
@@ -15426,7 +15011,7 @@
                 <a:tab pos="7239000" algn="l"/>
               </a:tabLst>
             </a:pPr>
-            <a:endParaRPr lang="en-US" sz="1800" b="1" dirty="0" smtClean="0">
+            <a:endParaRPr lang="en-US" sz="1800" b="1" dirty="0">
               <a:solidFill>
                 <a:srgbClr val="000000"/>
               </a:solidFill>
@@ -15454,7 +15039,7 @@
               </a:tabLst>
             </a:pPr>
             <a:r>
-              <a:rPr lang="en-US" sz="1800" b="1" dirty="0" smtClean="0">
+              <a:rPr lang="en-US" sz="1800" b="1" dirty="0">
                 <a:solidFill>
                   <a:srgbClr val="000000"/>
                 </a:solidFill>
@@ -15464,7 +15049,7 @@
               <a:t>;; count-trues : </a:t>
             </a:r>
             <a:r>
-              <a:rPr lang="en-US" sz="1800" b="1" dirty="0" err="1" smtClean="0">
+              <a:rPr lang="en-US" sz="1800" b="1" dirty="0" err="1">
                 <a:solidFill>
                   <a:srgbClr val="000000"/>
                 </a:solidFill>
@@ -15474,7 +15059,7 @@
               <a:t>ListOfBoolean</a:t>
             </a:r>
             <a:r>
-              <a:rPr lang="en-US" sz="1800" b="1" dirty="0" smtClean="0">
+              <a:rPr lang="en-US" sz="1800" b="1" dirty="0">
                 <a:solidFill>
                   <a:srgbClr val="000000"/>
                 </a:solidFill>
@@ -15504,7 +15089,7 @@
               </a:tabLst>
             </a:pPr>
             <a:r>
-              <a:rPr lang="en-US" sz="1800" b="1" dirty="0" smtClean="0">
+              <a:rPr lang="en-US" sz="1800" b="1" dirty="0">
                 <a:solidFill>
                   <a:srgbClr val="000000"/>
                 </a:solidFill>
@@ -15514,7 +15099,7 @@
               <a:t>;; RETURNS: the number of trues in the given list of </a:t>
             </a:r>
             <a:r>
-              <a:rPr lang="en-US" sz="1800" b="1" dirty="0" err="1" smtClean="0">
+              <a:rPr lang="en-US" sz="1800" b="1" dirty="0" err="1">
                 <a:solidFill>
                   <a:srgbClr val="000000"/>
                 </a:solidFill>
@@ -15524,7 +15109,7 @@
               <a:t>booleans</a:t>
             </a:r>
             <a:r>
-              <a:rPr lang="en-US" sz="1800" b="1" dirty="0" smtClean="0">
+              <a:rPr lang="en-US" sz="1800" b="1" dirty="0">
                 <a:solidFill>
                   <a:srgbClr val="000000"/>
                 </a:solidFill>
@@ -15554,52 +15139,35 @@
               </a:tabLst>
             </a:pPr>
             <a:r>
-              <a:rPr lang="en-US" sz="1800" b="1" dirty="0" smtClean="0">
+              <a:rPr lang="en-US" sz="1800" b="1" dirty="0">
                 <a:solidFill>
                   <a:srgbClr val="000000"/>
                 </a:solidFill>
                 <a:latin typeface="Consolas" pitchFamily="49" charset="0"/>
                 <a:cs typeface="Consolas" pitchFamily="49" charset="0"/>
               </a:rPr>
-              <a:t>;; STRATEGY: </a:t>
-            </a:r>
-            <a:r>
-              <a:rPr lang="en-US" sz="1800" b="1" dirty="0" smtClean="0">
+              <a:t>;; STRATEGY: Use HOF </a:t>
+            </a:r>
+            <a:r>
+              <a:rPr lang="en-US" sz="1800" b="1" dirty="0" err="1">
                 <a:solidFill>
                   <a:srgbClr val="000000"/>
                 </a:solidFill>
                 <a:latin typeface="Consolas" pitchFamily="49" charset="0"/>
                 <a:cs typeface="Consolas" pitchFamily="49" charset="0"/>
               </a:rPr>
-              <a:t>Use HOF </a:t>
-            </a:r>
-            <a:r>
-              <a:rPr lang="en-US" sz="1800" b="1" dirty="0" err="1" smtClean="0">
+              <a:t>foldr</a:t>
+            </a:r>
+            <a:r>
+              <a:rPr lang="en-US" sz="1800" b="1" dirty="0">
                 <a:solidFill>
                   <a:srgbClr val="000000"/>
                 </a:solidFill>
                 <a:latin typeface="Consolas" pitchFamily="49" charset="0"/>
                 <a:cs typeface="Consolas" pitchFamily="49" charset="0"/>
               </a:rPr>
-              <a:t>foldr</a:t>
-            </a:r>
-            <a:r>
-              <a:rPr lang="en-US" sz="1800" b="1" dirty="0" smtClean="0">
-                <a:solidFill>
-                  <a:srgbClr val="000000"/>
-                </a:solidFill>
-                <a:latin typeface="Consolas" pitchFamily="49" charset="0"/>
-                <a:cs typeface="Consolas" pitchFamily="49" charset="0"/>
-              </a:rPr>
               <a:t> on lob</a:t>
             </a:r>
-            <a:endParaRPr lang="en-US" sz="1800" b="1" dirty="0" smtClean="0">
-              <a:solidFill>
-                <a:srgbClr val="000000"/>
-              </a:solidFill>
-              <a:latin typeface="Consolas" pitchFamily="49" charset="0"/>
-              <a:cs typeface="Consolas" pitchFamily="49" charset="0"/>
-            </a:endParaRPr>
           </a:p>
           <a:p>
             <a:pPr>
@@ -15621,7 +15189,7 @@
               </a:tabLst>
             </a:pPr>
             <a:r>
-              <a:rPr lang="en-US" sz="1800" b="1" dirty="0" smtClean="0">
+              <a:rPr lang="en-US" sz="1800" b="1" dirty="0">
                 <a:solidFill>
                   <a:srgbClr val="000000"/>
                 </a:solidFill>
@@ -15631,7 +15199,7 @@
               <a:t>(define (count-</a:t>
             </a:r>
             <a:r>
-              <a:rPr lang="en-US" sz="1800" b="1" dirty="0" err="1" smtClean="0">
+              <a:rPr lang="en-US" sz="1800" b="1" dirty="0" err="1">
                 <a:solidFill>
                   <a:srgbClr val="000000"/>
                 </a:solidFill>
@@ -15641,7 +15209,7 @@
               <a:t>trues</a:t>
             </a:r>
             <a:r>
-              <a:rPr lang="en-US" sz="1800" b="1" dirty="0" smtClean="0">
+              <a:rPr lang="en-US" sz="1800" b="1" dirty="0">
                 <a:solidFill>
                   <a:srgbClr val="000000"/>
                 </a:solidFill>
@@ -15671,7 +15239,7 @@
               </a:tabLst>
             </a:pPr>
             <a:r>
-              <a:rPr lang="en-US" sz="1800" b="1" dirty="0" smtClean="0">
+              <a:rPr lang="en-US" sz="1800" b="1" dirty="0">
                 <a:solidFill>
                   <a:srgbClr val="000000"/>
                 </a:solidFill>
@@ -15701,16 +15269,6 @@
               </a:tabLst>
             </a:pPr>
             <a:r>
-              <a:rPr lang="en-US" sz="1800" b="1" dirty="0" smtClean="0">
-                <a:solidFill>
-                  <a:srgbClr val="000000"/>
-                </a:solidFill>
-                <a:latin typeface="Consolas" pitchFamily="49" charset="0"/>
-                <a:cs typeface="Consolas" pitchFamily="49" charset="0"/>
-              </a:rPr>
-              <a:t>          </a:t>
-            </a:r>
-            <a:r>
               <a:rPr lang="en-US" sz="1800" b="1" dirty="0">
                 <a:solidFill>
                   <a:srgbClr val="000000"/>
@@ -15718,7 +15276,7 @@
                 <a:latin typeface="Consolas" pitchFamily="49" charset="0"/>
                 <a:cs typeface="Consolas" pitchFamily="49" charset="0"/>
               </a:rPr>
-              <a:t>; RETURNS: the number plus 1 if the </a:t>
+              <a:t>          ; RETURNS: the number plus 1 if the </a:t>
             </a:r>
             <a:r>
               <a:rPr lang="en-US" sz="1800" b="1" dirty="0" err="1">
@@ -15791,7 +15349,7 @@
               </a:tabLst>
             </a:pPr>
             <a:r>
-              <a:rPr lang="en-US" sz="1800" b="1" dirty="0" smtClean="0">
+              <a:rPr lang="en-US" sz="1800" b="1" dirty="0">
                 <a:solidFill>
                   <a:srgbClr val="000000"/>
                 </a:solidFill>
@@ -15821,7 +15379,7 @@
               </a:tabLst>
             </a:pPr>
             <a:r>
-              <a:rPr lang="en-US" sz="1800" b="1" dirty="0" smtClean="0">
+              <a:rPr lang="en-US" sz="1800" b="1" dirty="0">
                 <a:solidFill>
                   <a:srgbClr val="000000"/>
                 </a:solidFill>
@@ -15851,7 +15409,7 @@
               </a:tabLst>
             </a:pPr>
             <a:r>
-              <a:rPr lang="en-US" sz="1800" b="1" dirty="0" smtClean="0">
+              <a:rPr lang="en-US" sz="1800" b="1" dirty="0">
                 <a:solidFill>
                   <a:srgbClr val="000000"/>
                 </a:solidFill>
@@ -15861,7 +15419,7 @@
               <a:t>    (foldr </a:t>
             </a:r>
             <a:r>
-              <a:rPr lang="en-US" sz="1800" b="1" dirty="0" smtClean="0">
+              <a:rPr lang="en-US" sz="1800" b="1" dirty="0">
                 <a:solidFill>
                   <a:srgbClr val="9BBB59"/>
                 </a:solidFill>
@@ -15871,7 +15429,7 @@
               <a:t>add1-if-true</a:t>
             </a:r>
             <a:r>
-              <a:rPr lang="en-US" sz="1800" b="1" dirty="0" smtClean="0">
+              <a:rPr lang="en-US" sz="1800" b="1" dirty="0">
                 <a:solidFill>
                   <a:srgbClr val="000000"/>
                 </a:solidFill>
@@ -15881,7 +15439,7 @@
               <a:t> </a:t>
             </a:r>
             <a:r>
-              <a:rPr lang="en-US" sz="1800" b="1" dirty="0" smtClean="0">
+              <a:rPr lang="en-US" sz="1800" b="1" dirty="0">
                 <a:solidFill>
                   <a:srgbClr val="FF0000"/>
                 </a:solidFill>
@@ -15891,7 +15449,7 @@
               <a:t>0</a:t>
             </a:r>
             <a:r>
-              <a:rPr lang="en-US" sz="1800" b="1" dirty="0" smtClean="0">
+              <a:rPr lang="en-US" sz="1800" b="1" dirty="0">
                 <a:solidFill>
                   <a:srgbClr val="000000"/>
                 </a:solidFill>
@@ -15938,13 +15496,6 @@
   <p:clrMapOvr>
     <a:masterClrMapping/>
   </p:clrMapOvr>
-  <p:timing>
-    <p:tnLst>
-      <p:par>
-        <p:cTn id="1" dur="indefinite" restart="never" nodeType="tmRoot"/>
-      </p:par>
-    </p:tnLst>
-  </p:timing>
 </p:sld>
 </file>
 
@@ -15983,7 +15534,7 @@
           <a:lstStyle/>
           <a:p>
             <a:r>
-              <a:rPr lang="en-US" dirty="0" err="1" smtClean="0"/>
+              <a:rPr lang="en-US" dirty="0" err="1"/>
               <a:t>Mapreduce</a:t>
             </a:r>
             <a:endParaRPr lang="en-US" dirty="0"/>
@@ -16011,49 +15562,49 @@
               <a:buNone/>
             </a:pPr>
             <a:r>
-              <a:rPr lang="en-US" sz="2600" b="1" dirty="0" smtClean="0">
+              <a:rPr lang="en-US" sz="2600" b="1" dirty="0">
                 <a:latin typeface="Consolas" pitchFamily="49" charset="0"/>
                 <a:cs typeface="Consolas" pitchFamily="49" charset="0"/>
               </a:rPr>
               <a:t>(</a:t>
             </a:r>
             <a:r>
-              <a:rPr lang="en-US" sz="2600" b="1" dirty="0" err="1" smtClean="0">
+              <a:rPr lang="en-US" sz="2600" b="1" dirty="0" err="1">
                 <a:latin typeface="Consolas" pitchFamily="49" charset="0"/>
                 <a:cs typeface="Consolas" pitchFamily="49" charset="0"/>
               </a:rPr>
               <a:t>mapreduce</a:t>
             </a:r>
             <a:r>
-              <a:rPr lang="en-US" sz="2600" b="1" dirty="0" smtClean="0">
+              <a:rPr lang="en-US" sz="2600" b="1" dirty="0">
                 <a:latin typeface="Consolas" pitchFamily="49" charset="0"/>
                 <a:cs typeface="Consolas" pitchFamily="49" charset="0"/>
               </a:rPr>
               <a:t> f v g </a:t>
             </a:r>
             <a:r>
-              <a:rPr lang="en-US" sz="2600" b="1" dirty="0" err="1" smtClean="0">
+              <a:rPr lang="en-US" sz="2600" b="1" dirty="0" err="1">
                 <a:latin typeface="Consolas" pitchFamily="49" charset="0"/>
                 <a:cs typeface="Consolas" pitchFamily="49" charset="0"/>
               </a:rPr>
               <a:t>lst</a:t>
             </a:r>
             <a:r>
-              <a:rPr lang="en-US" sz="2600" b="1" dirty="0" smtClean="0">
+              <a:rPr lang="en-US" sz="2600" b="1" dirty="0">
                 <a:latin typeface="Consolas" pitchFamily="49" charset="0"/>
                 <a:cs typeface="Consolas" pitchFamily="49" charset="0"/>
               </a:rPr>
               <a:t>) = (foldr f v (map g </a:t>
             </a:r>
             <a:r>
-              <a:rPr lang="en-US" sz="2600" b="1" dirty="0" err="1" smtClean="0">
+              <a:rPr lang="en-US" sz="2600" b="1" dirty="0" err="1">
                 <a:latin typeface="Consolas" pitchFamily="49" charset="0"/>
                 <a:cs typeface="Consolas" pitchFamily="49" charset="0"/>
               </a:rPr>
               <a:t>lst</a:t>
             </a:r>
             <a:r>
-              <a:rPr lang="en-US" sz="2600" b="1" dirty="0" smtClean="0">
+              <a:rPr lang="en-US" sz="2600" b="1" dirty="0">
                 <a:latin typeface="Consolas" pitchFamily="49" charset="0"/>
                 <a:cs typeface="Consolas" pitchFamily="49" charset="0"/>
               </a:rPr>
@@ -16065,7 +15616,7 @@
               <a:buNone/>
             </a:pPr>
             <a:r>
-              <a:rPr lang="en-US" sz="2600" dirty="0" smtClean="0">
+              <a:rPr lang="en-US" sz="2600" dirty="0">
                 <a:cs typeface="Consolas" pitchFamily="49" charset="0"/>
               </a:rPr>
               <a:t>Therefore:</a:t>
@@ -16076,35 +15627,35 @@
               <a:buNone/>
             </a:pPr>
             <a:r>
-              <a:rPr lang="en-US" sz="2600" b="1" dirty="0" smtClean="0">
+              <a:rPr lang="en-US" sz="2600" b="1" dirty="0">
                 <a:latin typeface="Consolas" pitchFamily="49" charset="0"/>
                 <a:cs typeface="Consolas" pitchFamily="49" charset="0"/>
               </a:rPr>
               <a:t>(</a:t>
             </a:r>
             <a:r>
-              <a:rPr lang="en-US" sz="2600" b="1" dirty="0" err="1" smtClean="0">
+              <a:rPr lang="en-US" sz="2600" b="1" dirty="0" err="1">
                 <a:latin typeface="Consolas" pitchFamily="49" charset="0"/>
                 <a:cs typeface="Consolas" pitchFamily="49" charset="0"/>
               </a:rPr>
               <a:t>mapreduce</a:t>
             </a:r>
             <a:r>
-              <a:rPr lang="en-US" sz="2600" b="1" dirty="0" smtClean="0">
+              <a:rPr lang="en-US" sz="2600" b="1" dirty="0">
                 <a:latin typeface="Consolas" pitchFamily="49" charset="0"/>
                 <a:cs typeface="Consolas" pitchFamily="49" charset="0"/>
               </a:rPr>
               <a:t> f v g (list x1 ... </a:t>
             </a:r>
             <a:r>
-              <a:rPr lang="en-US" sz="2600" b="1" dirty="0" err="1" smtClean="0">
+              <a:rPr lang="en-US" sz="2600" b="1" dirty="0" err="1">
                 <a:latin typeface="Consolas" pitchFamily="49" charset="0"/>
                 <a:cs typeface="Consolas" pitchFamily="49" charset="0"/>
               </a:rPr>
               <a:t>xn</a:t>
             </a:r>
             <a:r>
-              <a:rPr lang="en-US" sz="2600" b="1" dirty="0" smtClean="0">
+              <a:rPr lang="en-US" sz="2600" b="1" dirty="0">
                 <a:latin typeface="Consolas" pitchFamily="49" charset="0"/>
                 <a:cs typeface="Consolas" pitchFamily="49" charset="0"/>
               </a:rPr>
@@ -16116,7 +15667,7 @@
               <a:buNone/>
             </a:pPr>
             <a:r>
-              <a:rPr lang="en-US" sz="2600" b="1" dirty="0" smtClean="0">
+              <a:rPr lang="en-US" sz="2600" b="1" dirty="0">
                 <a:latin typeface="Consolas" pitchFamily="49" charset="0"/>
                 <a:cs typeface="Consolas" pitchFamily="49" charset="0"/>
               </a:rPr>
@@ -16128,7 +15679,7 @@
               <a:buNone/>
             </a:pPr>
             <a:r>
-              <a:rPr lang="en-US" sz="2600" b="1" dirty="0" smtClean="0">
+              <a:rPr lang="en-US" sz="2600" b="1" dirty="0">
                 <a:latin typeface="Consolas" pitchFamily="49" charset="0"/>
                 <a:cs typeface="Consolas" pitchFamily="49" charset="0"/>
               </a:rPr>
@@ -16140,7 +15691,7 @@
               <a:buNone/>
             </a:pPr>
             <a:r>
-              <a:rPr lang="en-US" sz="2600" b="1" dirty="0" smtClean="0">
+              <a:rPr lang="en-US" sz="2600" b="1" dirty="0">
                 <a:latin typeface="Consolas" pitchFamily="49" charset="0"/>
                 <a:cs typeface="Consolas" pitchFamily="49" charset="0"/>
               </a:rPr>
@@ -16152,7 +15703,7 @@
               <a:buNone/>
             </a:pPr>
             <a:r>
-              <a:rPr lang="en-US" sz="2600" b="1" dirty="0" smtClean="0">
+              <a:rPr lang="en-US" sz="2600" b="1" dirty="0">
                 <a:latin typeface="Consolas" pitchFamily="49" charset="0"/>
                 <a:cs typeface="Consolas" pitchFamily="49" charset="0"/>
               </a:rPr>
@@ -16164,7 +15715,7 @@
               <a:buNone/>
             </a:pPr>
             <a:r>
-              <a:rPr lang="en-US" sz="2600" b="1" dirty="0" smtClean="0">
+              <a:rPr lang="en-US" sz="2600" b="1" dirty="0">
                 <a:latin typeface="Consolas" pitchFamily="49" charset="0"/>
                 <a:cs typeface="Consolas" pitchFamily="49" charset="0"/>
               </a:rPr>
@@ -16175,7 +15726,7 @@
             <a:pPr>
               <a:buNone/>
             </a:pPr>
-            <a:endParaRPr lang="en-US" sz="2600" b="1" dirty="0" smtClean="0">
+            <a:endParaRPr lang="en-US" sz="2600" b="1" dirty="0">
               <a:cs typeface="Consolas" pitchFamily="49" charset="0"/>
             </a:endParaRPr>
           </a:p>
@@ -16241,11 +15792,11 @@
           <a:lstStyle/>
           <a:p>
             <a:r>
-              <a:rPr lang="en-US" sz="2400" dirty="0" smtClean="0"/>
+              <a:rPr lang="en-US" sz="2400" dirty="0"/>
               <a:t>You may have heard of </a:t>
             </a:r>
             <a:r>
-              <a:rPr lang="en-US" sz="2400" b="1" dirty="0" err="1" smtClean="0"/>
+              <a:rPr lang="en-US" sz="2400" b="1" dirty="0" err="1"/>
               <a:t>mapreduce</a:t>
             </a:r>
             <a:r>
@@ -16273,13 +15824,6 @@
   <p:clrMapOvr>
     <a:masterClrMapping/>
   </p:clrMapOvr>
-  <p:timing>
-    <p:tnLst>
-      <p:par>
-        <p:cTn id="1" dur="indefinite" restart="never" nodeType="tmRoot"/>
-      </p:par>
-    </p:tnLst>
-  </p:timing>
 </p:sld>
 </file>
 
@@ -16316,18 +15860,17 @@
           <a:lstStyle/>
           <a:p>
             <a:r>
-              <a:rPr lang="en-US" dirty="0" smtClean="0"/>
+              <a:rPr lang="en-US" dirty="0"/>
               <a:t>Why </a:t>
             </a:r>
             <a:r>
-              <a:rPr lang="en-US" dirty="0" err="1" smtClean="0"/>
+              <a:rPr lang="en-US" dirty="0" err="1"/>
               <a:t>mapreduce</a:t>
             </a:r>
             <a:r>
-              <a:rPr lang="en-US" dirty="0" smtClean="0"/>
+              <a:rPr lang="en-US" dirty="0"/>
               <a:t> wins</a:t>
             </a:r>
-            <a:endParaRPr lang="en-US" dirty="0"/>
           </a:p>
         </p:txBody>
       </p:sp>
@@ -16356,11 +15899,7 @@
             </a:r>
             <a:r>
               <a:rPr lang="en-US" dirty="0"/>
-              <a:t> is that it can often be computed in parallel</a:t>
-            </a:r>
-            <a:r>
-              <a:rPr lang="en-US" dirty="0" smtClean="0"/>
-              <a:t>.</a:t>
+              <a:t> is that it can often be computed in parallel.</a:t>
             </a:r>
           </a:p>
           <a:p>
@@ -16385,30 +15924,18 @@
               <a:t> is its identity, can turn the calls to </a:t>
             </a:r>
             <a:r>
-              <a:rPr lang="en-US" b="1" dirty="0" smtClean="0"/>
+              <a:rPr lang="en-US" b="1" dirty="0"/>
               <a:t>f</a:t>
             </a:r>
             <a:r>
-              <a:rPr lang="en-US" dirty="0" smtClean="0"/>
-              <a:t> </a:t>
-            </a:r>
-            <a:r>
               <a:rPr lang="en-US" dirty="0"/>
-              <a:t>into a tree and do them in parallel on a server farm</a:t>
-            </a:r>
-            <a:r>
-              <a:rPr lang="en-US" dirty="0" smtClean="0"/>
-              <a:t>!  </a:t>
-            </a:r>
-          </a:p>
-          <a:p>
-            <a:r>
-              <a:rPr lang="en-US" dirty="0" smtClean="0"/>
-              <a:t>For </a:t>
-            </a:r>
+              <a:t> into a tree and do them in parallel on a server farm!  </a:t>
+            </a:r>
+          </a:p>
+          <a:p>
             <a:r>
               <a:rPr lang="en-US" dirty="0"/>
-              <a:t>a data set of size </a:t>
+              <a:t>For a data set of size </a:t>
             </a:r>
             <a:r>
               <a:rPr lang="en-US" i="1" dirty="0"/>
@@ -16431,16 +15958,15 @@
               <a:t>n</a:t>
             </a:r>
             <a:r>
-              <a:rPr lang="en-US" dirty="0" smtClean="0"/>
+              <a:rPr lang="en-US" dirty="0"/>
               <a:t>).</a:t>
             </a:r>
           </a:p>
           <a:p>
             <a:r>
-              <a:rPr lang="en-US" dirty="0" smtClean="0"/>
+              <a:rPr lang="en-US" dirty="0"/>
               <a:t>Here is a picture:</a:t>
             </a:r>
-            <a:endParaRPr lang="en-US" dirty="0"/>
           </a:p>
           <a:p>
             <a:endParaRPr lang="en-US" dirty="0"/>
@@ -16481,13 +16007,6 @@
   <p:clrMapOvr>
     <a:masterClrMapping/>
   </p:clrMapOvr>
-  <p:timing>
-    <p:tnLst>
-      <p:par>
-        <p:cTn id="1" dur="indefinite" restart="never" nodeType="tmRoot"/>
-      </p:par>
-    </p:tnLst>
-  </p:timing>
 </p:sld>
 </file>
 
@@ -16526,10 +16045,9 @@
           <a:lstStyle/>
           <a:p>
             <a:r>
-              <a:rPr lang="en-US" dirty="0" smtClean="0"/>
+              <a:rPr lang="en-US" dirty="0"/>
               <a:t>From linear time to logarithmic</a:t>
             </a:r>
-            <a:endParaRPr lang="en-US" dirty="0"/>
           </a:p>
         </p:txBody>
       </p:sp>
@@ -16614,7 +16132,7 @@
             <a:p>
               <a:pPr algn="ctr"/>
               <a:r>
-                <a:rPr lang="en-US" sz="2400" dirty="0" smtClean="0">
+                <a:rPr lang="en-US" sz="2400" dirty="0">
                   <a:solidFill>
                     <a:schemeClr val="tx1"/>
                   </a:solidFill>
@@ -16667,7 +16185,7 @@
             <a:p>
               <a:pPr algn="ctr"/>
               <a:r>
-                <a:rPr lang="en-US" sz="2400" dirty="0" smtClean="0">
+                <a:rPr lang="en-US" sz="2400" dirty="0">
                   <a:solidFill>
                     <a:schemeClr val="tx1"/>
                   </a:solidFill>
@@ -16720,7 +16238,7 @@
             <a:p>
               <a:pPr algn="ctr"/>
               <a:r>
-                <a:rPr lang="en-US" sz="2400" dirty="0" smtClean="0">
+                <a:rPr lang="en-US" sz="2400" dirty="0">
                   <a:solidFill>
                     <a:schemeClr val="tx1"/>
                   </a:solidFill>
@@ -16787,7 +16305,7 @@
               <a:p>
                 <a:pPr algn="ctr"/>
                 <a:r>
-                  <a:rPr lang="en-US" sz="2400" dirty="0" smtClean="0">
+                  <a:rPr lang="en-US" sz="2400" dirty="0">
                     <a:solidFill>
                       <a:schemeClr val="tx1"/>
                     </a:solidFill>
@@ -16820,10 +16338,9 @@
               <a:lstStyle/>
               <a:p>
                 <a:r>
-                  <a:rPr lang="en-US" sz="2400" dirty="0" smtClean="0"/>
+                  <a:rPr lang="en-US" sz="2400" dirty="0"/>
                   <a:t>x1</a:t>
                 </a:r>
-                <a:endParaRPr lang="en-US" sz="2400" dirty="0"/>
               </a:p>
             </p:txBody>
           </p:sp>
@@ -16925,7 +16442,7 @@
               <a:p>
                 <a:pPr algn="ctr"/>
                 <a:r>
-                  <a:rPr lang="en-US" sz="2400" dirty="0" smtClean="0">
+                  <a:rPr lang="en-US" sz="2400" dirty="0">
                     <a:solidFill>
                       <a:schemeClr val="tx1"/>
                     </a:solidFill>
@@ -16958,10 +16475,9 @@
               <a:lstStyle/>
               <a:p>
                 <a:r>
-                  <a:rPr lang="en-US" sz="2400" dirty="0" smtClean="0"/>
+                  <a:rPr lang="en-US" sz="2400" dirty="0"/>
                   <a:t>x2</a:t>
                 </a:r>
-                <a:endParaRPr lang="en-US" sz="2400" dirty="0"/>
               </a:p>
             </p:txBody>
           </p:sp>
@@ -17063,7 +16579,7 @@
               <a:p>
                 <a:pPr algn="ctr"/>
                 <a:r>
-                  <a:rPr lang="en-US" sz="2400" dirty="0" smtClean="0">
+                  <a:rPr lang="en-US" sz="2400" dirty="0">
                     <a:solidFill>
                       <a:schemeClr val="tx1"/>
                     </a:solidFill>
@@ -17096,10 +16612,9 @@
               <a:lstStyle/>
               <a:p>
                 <a:r>
-                  <a:rPr lang="en-US" sz="2400" dirty="0" smtClean="0"/>
+                  <a:rPr lang="en-US" sz="2400" dirty="0"/>
                   <a:t>x3</a:t>
                 </a:r>
-                <a:endParaRPr lang="en-US" sz="2400" dirty="0"/>
               </a:p>
             </p:txBody>
           </p:sp>
@@ -17201,7 +16716,7 @@
               <a:p>
                 <a:pPr algn="ctr"/>
                 <a:r>
-                  <a:rPr lang="en-US" sz="2400" dirty="0" smtClean="0">
+                  <a:rPr lang="en-US" sz="2400" dirty="0">
                     <a:solidFill>
                       <a:schemeClr val="tx1"/>
                     </a:solidFill>
@@ -17234,10 +16749,9 @@
               <a:lstStyle/>
               <a:p>
                 <a:r>
-                  <a:rPr lang="en-US" sz="2400" dirty="0" smtClean="0"/>
+                  <a:rPr lang="en-US" sz="2400" dirty="0"/>
                   <a:t>x4</a:t>
                 </a:r>
-                <a:endParaRPr lang="en-US" sz="2400" dirty="0"/>
               </a:p>
             </p:txBody>
           </p:sp>
@@ -17552,7 +17066,7 @@
                 <a:buNone/>
               </a:pPr>
               <a:r>
-                <a:rPr lang="en-US" sz="2800" b="1" dirty="0" smtClean="0">
+                <a:rPr lang="en-US" sz="2800" b="1" dirty="0">
                   <a:latin typeface="Consolas" pitchFamily="49" charset="0"/>
                   <a:cs typeface="Consolas" pitchFamily="49" charset="0"/>
                 </a:rPr>
@@ -17564,7 +17078,7 @@
                 <a:buNone/>
               </a:pPr>
               <a:r>
-                <a:rPr lang="en-US" sz="2800" b="1" dirty="0" smtClean="0">
+                <a:rPr lang="en-US" sz="2800" b="1" dirty="0">
                   <a:latin typeface="Consolas" pitchFamily="49" charset="0"/>
                   <a:cs typeface="Consolas" pitchFamily="49" charset="0"/>
                 </a:rPr>
@@ -17576,7 +17090,7 @@
                 <a:buNone/>
               </a:pPr>
               <a:r>
-                <a:rPr lang="en-US" sz="2800" b="1" dirty="0" smtClean="0">
+                <a:rPr lang="en-US" sz="2800" b="1" dirty="0">
                   <a:latin typeface="Consolas" pitchFamily="49" charset="0"/>
                   <a:cs typeface="Consolas" pitchFamily="49" charset="0"/>
                 </a:rPr>
@@ -17588,7 +17102,7 @@
                 <a:buNone/>
               </a:pPr>
               <a:r>
-                <a:rPr lang="en-US" sz="2800" b="1" dirty="0" smtClean="0">
+                <a:rPr lang="en-US" sz="2800" b="1" dirty="0">
                   <a:latin typeface="Consolas" pitchFamily="49" charset="0"/>
                   <a:cs typeface="Consolas" pitchFamily="49" charset="0"/>
                 </a:rPr>
@@ -17600,16 +17114,12 @@
                 <a:buNone/>
               </a:pPr>
               <a:r>
-                <a:rPr lang="en-US" sz="2800" b="1" dirty="0" smtClean="0">
+                <a:rPr lang="en-US" sz="2800" b="1" dirty="0">
                   <a:latin typeface="Consolas" pitchFamily="49" charset="0"/>
                   <a:cs typeface="Consolas" pitchFamily="49" charset="0"/>
                 </a:rPr>
                 <a:t>             v))))</a:t>
               </a:r>
-              <a:endParaRPr lang="en-US" sz="2800" b="1" dirty="0">
-                <a:latin typeface="Consolas" pitchFamily="49" charset="0"/>
-                <a:cs typeface="Consolas" pitchFamily="49" charset="0"/>
-              </a:endParaRPr>
             </a:p>
           </p:txBody>
         </p:sp>
@@ -17636,10 +17146,9 @@
             <a:lstStyle/>
             <a:p>
               <a:r>
-                <a:rPr lang="en-US" sz="4000" dirty="0" smtClean="0"/>
+                <a:rPr lang="en-US" sz="4000" dirty="0"/>
                 <a:t>=</a:t>
               </a:r>
-              <a:endParaRPr lang="en-US" sz="4000" dirty="0"/>
             </a:p>
           </p:txBody>
         </p:sp>
@@ -17654,13 +17163,6 @@
   <p:clrMapOvr>
     <a:masterClrMapping/>
   </p:clrMapOvr>
-  <p:timing>
-    <p:tnLst>
-      <p:par>
-        <p:cTn id="1" dur="indefinite" restart="never" nodeType="tmRoot"/>
-      </p:par>
-    </p:tnLst>
-  </p:timing>
 </p:sld>
 </file>
 
@@ -17697,10 +17199,9 @@
           <a:lstStyle/>
           <a:p>
             <a:r>
-              <a:rPr lang="en-US" dirty="0" smtClean="0"/>
-              <a:t>Summary</a:t>
-            </a:r>
-            <a:endParaRPr lang="en-US" dirty="0"/>
+              <a:rPr lang="en-US" dirty="0"/>
+              <a:t>Where does the data come from?</a:t>
+            </a:r>
           </a:p>
         </p:txBody>
       </p:sp>
@@ -17717,101 +17218,55 @@
         <p:spPr/>
         <p:txBody>
           <a:bodyPr>
-            <a:normAutofit/>
+            <a:normAutofit fontScale="85000" lnSpcReduction="20000"/>
           </a:bodyPr>
           <a:lstStyle/>
           <a:p>
             <a:r>
-              <a:rPr lang="en-US" dirty="0" smtClean="0"/>
-              <a:t>You should now be able to:</a:t>
+              <a:rPr lang="en-US" dirty="0"/>
+              <a:t>The data might not be a list.</a:t>
+            </a:r>
+          </a:p>
+          <a:p>
+            <a:r>
+              <a:rPr lang="en-US" dirty="0"/>
+              <a:t>It might be data extracted from a large database.</a:t>
+            </a:r>
+          </a:p>
+          <a:p>
+            <a:r>
+              <a:rPr lang="en-US" dirty="0"/>
+              <a:t>So your application would have 2 parts</a:t>
             </a:r>
           </a:p>
           <a:p>
             <a:pPr lvl="1"/>
             <a:r>
               <a:rPr lang="en-US" dirty="0"/>
-              <a:t>describe, recognize, and use the </a:t>
-            </a:r>
-            <a:r>
-              <a:rPr lang="en-US" b="1" dirty="0">
-                <a:latin typeface="Consolas" panose="020B0609020204030204" pitchFamily="49" charset="0"/>
-                <a:cs typeface="Consolas" panose="020B0609020204030204" pitchFamily="49" charset="0"/>
-              </a:rPr>
-              <a:t>foldr</a:t>
-            </a:r>
+              <a:t>some SQL to extract a table full of data (like "map")</a:t>
+            </a:r>
+          </a:p>
+          <a:p>
+            <a:pPr lvl="1"/>
             <a:r>
               <a:rPr lang="en-US" dirty="0"/>
-              <a:t> pattern.</a:t>
-            </a:r>
-          </a:p>
-          <a:p>
-            <a:pPr lvl="1"/>
-            <a:r>
-              <a:rPr lang="en-US" dirty="0" smtClean="0"/>
-              <a:t>state </a:t>
-            </a:r>
+              <a:t>the function you want to reduce the data with.</a:t>
+            </a:r>
+          </a:p>
+          <a:p>
             <a:r>
               <a:rPr lang="en-US" dirty="0"/>
-              <a:t>the contracts for </a:t>
-            </a:r>
-            <a:r>
-              <a:rPr lang="en-US" b="1" dirty="0" err="1">
-                <a:latin typeface="Consolas" panose="020B0609020204030204" pitchFamily="49" charset="0"/>
-                <a:cs typeface="Consolas" panose="020B0609020204030204" pitchFamily="49" charset="0"/>
-              </a:rPr>
-              <a:t>ormap</a:t>
+              <a:t>The SQL insulates your application from the physical layout of the DB; the SQL query optimizer can probably get your data out of the DB fast.</a:t>
+            </a:r>
+          </a:p>
+          <a:p>
+            <a:r>
+              <a:rPr lang="en-US" dirty="0" err="1"/>
+              <a:t>mapreduce</a:t>
             </a:r>
             <a:r>
               <a:rPr lang="en-US" dirty="0"/>
-              <a:t>, </a:t>
-            </a:r>
-            <a:r>
-              <a:rPr lang="en-US" b="1" dirty="0" err="1">
-                <a:latin typeface="Consolas" panose="020B0609020204030204" pitchFamily="49" charset="0"/>
-                <a:cs typeface="Consolas" panose="020B0609020204030204" pitchFamily="49" charset="0"/>
-              </a:rPr>
-              <a:t>andmap</a:t>
-            </a:r>
-            <a:r>
-              <a:rPr lang="en-US" dirty="0"/>
-              <a:t>, and </a:t>
-            </a:r>
-            <a:r>
-              <a:rPr lang="en-US" b="1" dirty="0" smtClean="0">
-                <a:latin typeface="Consolas" panose="020B0609020204030204" pitchFamily="49" charset="0"/>
-                <a:cs typeface="Consolas" panose="020B0609020204030204" pitchFamily="49" charset="0"/>
-              </a:rPr>
-              <a:t>filter</a:t>
-            </a:r>
-            <a:r>
-              <a:rPr lang="en-US" dirty="0" smtClean="0"/>
-              <a:t> and </a:t>
-            </a:r>
-            <a:r>
-              <a:rPr lang="en-US" b="1" dirty="0" smtClean="0">
-                <a:latin typeface="Consolas" panose="020B0609020204030204" pitchFamily="49" charset="0"/>
-                <a:cs typeface="Consolas" panose="020B0609020204030204" pitchFamily="49" charset="0"/>
-              </a:rPr>
-              <a:t>foldr</a:t>
-            </a:r>
-            <a:r>
-              <a:rPr lang="en-US" dirty="0" smtClean="0"/>
-              <a:t>, and </a:t>
-            </a:r>
-            <a:r>
-              <a:rPr lang="en-US" dirty="0"/>
-              <a:t>use them appropriately.</a:t>
-            </a:r>
-          </a:p>
-          <a:p>
-            <a:pPr lvl="1"/>
-            <a:r>
-              <a:rPr lang="en-US" dirty="0"/>
-              <a:t>combine these functions using higher-order function </a:t>
-            </a:r>
-            <a:r>
-              <a:rPr lang="en-US" dirty="0" smtClean="0"/>
-              <a:t>combination.</a:t>
+              <a:t> systems (like Hadoop) allow you to configure the 'reduce' phase to make use of the available hardware.</a:t>
             </a:r>
           </a:p>
           <a:p>
@@ -17835,9 +17290,8 @@
           <a:bodyPr/>
           <a:lstStyle/>
           <a:p>
-            <a:fld id="{9F4492BD-6A9C-48FC-AC76-0B4FE11194A1}" type="slidenum">
+            <a:fld id="{2AF3B5EA-18B6-4040-9F78-6052AF49C681}" type="slidenum">
               <a:rPr lang="en-US" smtClean="0"/>
-              <a:pPr/>
               <a:t>25</a:t>
             </a:fld>
             <a:endParaRPr lang="en-US"/>
@@ -17847,20 +17301,13 @@
     </p:spTree>
     <p:extLst>
       <p:ext uri="{BB962C8B-B14F-4D97-AF65-F5344CB8AC3E}">
-        <p14:creationId xmlns:p14="http://schemas.microsoft.com/office/powerpoint/2010/main" val="2015971023"/>
+        <p14:creationId xmlns:p14="http://schemas.microsoft.com/office/powerpoint/2010/main" val="500735630"/>
       </p:ext>
     </p:extLst>
   </p:cSld>
   <p:clrMapOvr>
     <a:masterClrMapping/>
   </p:clrMapOvr>
-  <p:timing>
-    <p:tnLst>
-      <p:par>
-        <p:cTn id="1" dur="indefinite" restart="never" nodeType="tmRoot"/>
-      </p:par>
-    </p:tnLst>
-  </p:timing>
 </p:sld>
 </file>
 
@@ -17897,10 +17344,9 @@
           <a:lstStyle/>
           <a:p>
             <a:r>
-              <a:rPr lang="en-US" dirty="0" smtClean="0"/>
-              <a:t>Next Steps</a:t>
-            </a:r>
-            <a:endParaRPr lang="en-US" dirty="0"/>
+              <a:rPr lang="en-US" dirty="0"/>
+              <a:t>Summary</a:t>
+            </a:r>
           </a:p>
         </p:txBody>
       </p:sp>
@@ -17916,25 +17362,94 @@
         </p:nvSpPr>
         <p:spPr/>
         <p:txBody>
-          <a:bodyPr/>
+          <a:bodyPr>
+            <a:normAutofit/>
+          </a:bodyPr>
           <a:lstStyle/>
           <a:p>
             <a:r>
-              <a:rPr lang="en-US" dirty="0" smtClean="0"/>
-              <a:t>If you have questions about this lesson, ask them on the Discussion Board</a:t>
-            </a:r>
-          </a:p>
-          <a:p>
-            <a:r>
-              <a:rPr lang="en-US" dirty="0" smtClean="0"/>
-              <a:t>Do Guided Practice 5.4 </a:t>
-            </a:r>
-          </a:p>
-          <a:p>
-            <a:r>
-              <a:rPr lang="en-US" dirty="0" smtClean="0"/>
-              <a:t>Go on to the next lesson</a:t>
-            </a:r>
+              <a:rPr lang="en-US" dirty="0"/>
+              <a:t>You should now be able to:</a:t>
+            </a:r>
+          </a:p>
+          <a:p>
+            <a:pPr lvl="1"/>
+            <a:r>
+              <a:rPr lang="en-US" dirty="0"/>
+              <a:t>describe, recognize, and use the </a:t>
+            </a:r>
+            <a:r>
+              <a:rPr lang="en-US" b="1" dirty="0">
+                <a:latin typeface="Consolas" panose="020B0609020204030204" pitchFamily="49" charset="0"/>
+                <a:cs typeface="Consolas" panose="020B0609020204030204" pitchFamily="49" charset="0"/>
+              </a:rPr>
+              <a:t>foldr</a:t>
+            </a:r>
+            <a:r>
+              <a:rPr lang="en-US" dirty="0"/>
+              <a:t> pattern.</a:t>
+            </a:r>
+          </a:p>
+          <a:p>
+            <a:pPr lvl="1"/>
+            <a:r>
+              <a:rPr lang="en-US" dirty="0"/>
+              <a:t>state the contracts for </a:t>
+            </a:r>
+            <a:r>
+              <a:rPr lang="en-US" b="1" dirty="0" err="1">
+                <a:latin typeface="Consolas" panose="020B0609020204030204" pitchFamily="49" charset="0"/>
+                <a:cs typeface="Consolas" panose="020B0609020204030204" pitchFamily="49" charset="0"/>
+              </a:rPr>
+              <a:t>ormap</a:t>
+            </a:r>
+            <a:r>
+              <a:rPr lang="en-US" dirty="0"/>
+              <a:t>, </a:t>
+            </a:r>
+            <a:r>
+              <a:rPr lang="en-US" b="1" dirty="0" err="1">
+                <a:latin typeface="Consolas" panose="020B0609020204030204" pitchFamily="49" charset="0"/>
+                <a:cs typeface="Consolas" panose="020B0609020204030204" pitchFamily="49" charset="0"/>
+              </a:rPr>
+              <a:t>andmap</a:t>
+            </a:r>
+            <a:r>
+              <a:rPr lang="en-US" dirty="0"/>
+              <a:t>, and </a:t>
+            </a:r>
+            <a:r>
+              <a:rPr lang="en-US" b="1" dirty="0">
+                <a:latin typeface="Consolas" panose="020B0609020204030204" pitchFamily="49" charset="0"/>
+                <a:cs typeface="Consolas" panose="020B0609020204030204" pitchFamily="49" charset="0"/>
+              </a:rPr>
+              <a:t>filter</a:t>
+            </a:r>
+            <a:r>
+              <a:rPr lang="en-US" dirty="0"/>
+              <a:t> and </a:t>
+            </a:r>
+            <a:r>
+              <a:rPr lang="en-US" b="1" dirty="0">
+                <a:latin typeface="Consolas" panose="020B0609020204030204" pitchFamily="49" charset="0"/>
+                <a:cs typeface="Consolas" panose="020B0609020204030204" pitchFamily="49" charset="0"/>
+              </a:rPr>
+              <a:t>foldr</a:t>
+            </a:r>
+            <a:r>
+              <a:rPr lang="en-US" dirty="0"/>
+              <a:t>, and use them appropriately.</a:t>
+            </a:r>
+          </a:p>
+          <a:p>
+            <a:pPr lvl="1"/>
+            <a:r>
+              <a:rPr lang="en-US" dirty="0"/>
+              <a:t>combine these functions using higher-order function combination.</a:t>
+            </a:r>
+          </a:p>
+          <a:p>
+            <a:pPr lvl="1"/>
             <a:endParaRPr lang="en-US" dirty="0"/>
           </a:p>
         </p:txBody>
@@ -17958,6 +17473,116 @@
               <a:rPr lang="en-US" smtClean="0"/>
               <a:pPr/>
               <a:t>26</a:t>
+            </a:fld>
+            <a:endParaRPr lang="en-US"/>
+          </a:p>
+        </p:txBody>
+      </p:sp>
+    </p:spTree>
+    <p:extLst>
+      <p:ext uri="{BB962C8B-B14F-4D97-AF65-F5344CB8AC3E}">
+        <p14:creationId xmlns:p14="http://schemas.microsoft.com/office/powerpoint/2010/main" val="2015971023"/>
+      </p:ext>
+    </p:extLst>
+  </p:cSld>
+  <p:clrMapOvr>
+    <a:masterClrMapping/>
+  </p:clrMapOvr>
+</p:sld>
+</file>
+
+<file path=ppt/slides/slide27.xml><?xml version="1.0" encoding="utf-8"?>
+<p:sld xmlns:a="http://schemas.openxmlformats.org/drawingml/2006/main" xmlns:r="http://schemas.openxmlformats.org/officeDocument/2006/relationships" xmlns:p="http://schemas.openxmlformats.org/presentationml/2006/main">
+  <p:cSld>
+    <p:spTree>
+      <p:nvGrpSpPr>
+        <p:cNvPr id="1" name=""/>
+        <p:cNvGrpSpPr/>
+        <p:nvPr/>
+      </p:nvGrpSpPr>
+      <p:grpSpPr>
+        <a:xfrm>
+          <a:off x="0" y="0"/>
+          <a:ext cx="0" cy="0"/>
+          <a:chOff x="0" y="0"/>
+          <a:chExt cx="0" cy="0"/>
+        </a:xfrm>
+      </p:grpSpPr>
+      <p:sp>
+        <p:nvSpPr>
+          <p:cNvPr id="2" name="Title 1"/>
+          <p:cNvSpPr>
+            <a:spLocks noGrp="1"/>
+          </p:cNvSpPr>
+          <p:nvPr>
+            <p:ph type="title"/>
+          </p:nvPr>
+        </p:nvSpPr>
+        <p:spPr/>
+        <p:txBody>
+          <a:bodyPr/>
+          <a:lstStyle/>
+          <a:p>
+            <a:r>
+              <a:rPr lang="en-US" dirty="0"/>
+              <a:t>Next Steps</a:t>
+            </a:r>
+          </a:p>
+        </p:txBody>
+      </p:sp>
+      <p:sp>
+        <p:nvSpPr>
+          <p:cNvPr id="3" name="Content Placeholder 2"/>
+          <p:cNvSpPr>
+            <a:spLocks noGrp="1"/>
+          </p:cNvSpPr>
+          <p:nvPr>
+            <p:ph idx="1"/>
+          </p:nvPr>
+        </p:nvSpPr>
+        <p:spPr/>
+        <p:txBody>
+          <a:bodyPr/>
+          <a:lstStyle/>
+          <a:p>
+            <a:r>
+              <a:rPr lang="en-US" dirty="0"/>
+              <a:t>If you have questions about this lesson, ask them on the Discussion Board</a:t>
+            </a:r>
+          </a:p>
+          <a:p>
+            <a:r>
+              <a:rPr lang="en-US" dirty="0"/>
+              <a:t>Do Guided Practice 5.4 </a:t>
+            </a:r>
+          </a:p>
+          <a:p>
+            <a:r>
+              <a:rPr lang="en-US" dirty="0"/>
+              <a:t>Go on to the next lesson</a:t>
+            </a:r>
+          </a:p>
+        </p:txBody>
+      </p:sp>
+      <p:sp>
+        <p:nvSpPr>
+          <p:cNvPr id="4" name="Slide Number Placeholder 3"/>
+          <p:cNvSpPr>
+            <a:spLocks noGrp="1"/>
+          </p:cNvSpPr>
+          <p:nvPr>
+            <p:ph type="sldNum" sz="quarter" idx="12"/>
+          </p:nvPr>
+        </p:nvSpPr>
+        <p:spPr/>
+        <p:txBody>
+          <a:bodyPr/>
+          <a:lstStyle/>
+          <a:p>
+            <a:fld id="{9F4492BD-6A9C-48FC-AC76-0B4FE11194A1}" type="slidenum">
+              <a:rPr lang="en-US" smtClean="0"/>
+              <a:pPr/>
+              <a:t>27</a:t>
             </a:fld>
             <a:endParaRPr lang="en-US"/>
           </a:p>
@@ -17973,13 +17598,6 @@
   <p:clrMapOvr>
     <a:masterClrMapping/>
   </p:clrMapOvr>
-  <p:timing>
-    <p:tnLst>
-      <p:par>
-        <p:cTn id="1" dur="indefinite" restart="never" nodeType="tmRoot"/>
-      </p:par>
-    </p:tnLst>
-  </p:timing>
 </p:sld>
 </file>
 
@@ -18016,10 +17634,9 @@
           <a:lstStyle/>
           <a:p>
             <a:r>
-              <a:rPr lang="en-US" dirty="0" smtClean="0"/>
+              <a:rPr lang="en-US" dirty="0"/>
               <a:t>Learning Objectives</a:t>
             </a:r>
-            <a:endParaRPr lang="en-US" dirty="0"/>
           </a:p>
         </p:txBody>
       </p:sp>
@@ -18041,25 +17658,25 @@
           <a:lstStyle/>
           <a:p>
             <a:r>
-              <a:rPr lang="en-US" dirty="0" smtClean="0"/>
+              <a:rPr lang="en-US" dirty="0"/>
               <a:t>At the end of this lesson you should be able to:</a:t>
             </a:r>
           </a:p>
           <a:p>
             <a:pPr lvl="1"/>
             <a:r>
-              <a:rPr lang="en-US" dirty="0" smtClean="0"/>
+              <a:rPr lang="en-US" dirty="0"/>
               <a:t>describe, recognize, and use the </a:t>
             </a:r>
             <a:r>
-              <a:rPr lang="en-US" b="1" dirty="0" smtClean="0">
+              <a:rPr lang="en-US" b="1" dirty="0">
                 <a:latin typeface="Consolas" panose="020B0609020204030204" pitchFamily="49" charset="0"/>
                 <a:cs typeface="Consolas" panose="020B0609020204030204" pitchFamily="49" charset="0"/>
               </a:rPr>
               <a:t>foldr</a:t>
             </a:r>
             <a:r>
-              <a:rPr lang="en-US" dirty="0" smtClean="0"/>
+              <a:rPr lang="en-US" dirty="0"/>
               <a:t> pattern.</a:t>
             </a:r>
           </a:p>
@@ -18099,13 +17716,6 @@
   <p:clrMapOvr>
     <a:masterClrMapping/>
   </p:clrMapOvr>
-  <p:timing>
-    <p:tnLst>
-      <p:par>
-        <p:cTn id="1" dur="indefinite" restart="never" nodeType="tmRoot"/>
-      </p:par>
-    </p:tnLst>
-  </p:timing>
 </p:sld>
 </file>
 
@@ -18142,10 +17752,9 @@
           <a:lstStyle/>
           <a:p>
             <a:r>
-              <a:rPr lang="en-US" dirty="0" smtClean="0"/>
+              <a:rPr lang="en-US" dirty="0"/>
               <a:t>What else could be different?</a:t>
             </a:r>
-            <a:endParaRPr lang="en-US" dirty="0"/>
           </a:p>
         </p:txBody>
       </p:sp>
@@ -18198,40 +17807,40 @@
               <a:buNone/>
             </a:pPr>
             <a:r>
-              <a:rPr lang="en-US" sz="1600" dirty="0" smtClean="0">
+              <a:rPr lang="en-US" sz="1600" dirty="0">
                 <a:latin typeface="Lucida Console" pitchFamily="49" charset="0"/>
               </a:rPr>
               <a:t>  </a:t>
             </a:r>
             <a:r>
-              <a:rPr lang="en-US" b="1" dirty="0" smtClean="0">
+              <a:rPr lang="en-US" b="1" dirty="0">
                 <a:latin typeface="Consolas" pitchFamily="49" charset="0"/>
                 <a:cs typeface="Consolas" pitchFamily="49" charset="0"/>
               </a:rPr>
               <a:t>;</a:t>
             </a:r>
             <a:r>
-              <a:rPr lang="en-US" b="1" dirty="0" err="1" smtClean="0">
+              <a:rPr lang="en-US" b="1" dirty="0" err="1">
                 <a:latin typeface="Consolas" pitchFamily="49" charset="0"/>
                 <a:cs typeface="Consolas" pitchFamily="49" charset="0"/>
               </a:rPr>
               <a:t>ListOfNumber</a:t>
             </a:r>
             <a:r>
-              <a:rPr lang="en-US" b="1" dirty="0" smtClean="0">
+              <a:rPr lang="en-US" b="1" dirty="0">
                 <a:latin typeface="Consolas" pitchFamily="49" charset="0"/>
                 <a:cs typeface="Consolas" pitchFamily="49" charset="0"/>
               </a:rPr>
               <a:t> -&gt; </a:t>
             </a:r>
             <a:r>
-              <a:rPr lang="en-US" b="1" dirty="0" err="1" smtClean="0">
+              <a:rPr lang="en-US" b="1" dirty="0" err="1">
                 <a:latin typeface="Consolas" pitchFamily="49" charset="0"/>
                 <a:cs typeface="Consolas" pitchFamily="49" charset="0"/>
               </a:rPr>
               <a:t>ListOfNumber</a:t>
             </a:r>
-            <a:endParaRPr lang="en-US" b="1" dirty="0" smtClean="0">
+            <a:endParaRPr lang="en-US" b="1" dirty="0">
               <a:latin typeface="Consolas" pitchFamily="49" charset="0"/>
               <a:cs typeface="Consolas" pitchFamily="49" charset="0"/>
             </a:endParaRPr>
@@ -18241,14 +17850,14 @@
               <a:buNone/>
             </a:pPr>
             <a:r>
-              <a:rPr lang="en-US" b="1" dirty="0" smtClean="0">
+              <a:rPr lang="en-US" b="1" dirty="0">
                 <a:latin typeface="Consolas" pitchFamily="49" charset="0"/>
                 <a:cs typeface="Consolas" pitchFamily="49" charset="0"/>
               </a:rPr>
               <a:t>  (define (</a:t>
             </a:r>
             <a:r>
-              <a:rPr lang="en-US" b="1" dirty="0" smtClean="0">
+              <a:rPr lang="en-US" b="1" dirty="0">
                 <a:solidFill>
                   <a:srgbClr val="FF0000"/>
                 </a:solidFill>
@@ -18258,21 +17867,21 @@
               <a:t>add-1-to-each</a:t>
             </a:r>
             <a:r>
-              <a:rPr lang="en-US" b="1" dirty="0" smtClean="0">
+              <a:rPr lang="en-US" b="1" dirty="0">
                 <a:latin typeface="Consolas" pitchFamily="49" charset="0"/>
                 <a:cs typeface="Consolas" pitchFamily="49" charset="0"/>
               </a:rPr>
               <a:t> </a:t>
             </a:r>
             <a:r>
-              <a:rPr lang="en-US" b="1" dirty="0" err="1" smtClean="0">
+              <a:rPr lang="en-US" b="1" dirty="0" err="1">
                 <a:latin typeface="Consolas" pitchFamily="49" charset="0"/>
                 <a:cs typeface="Consolas" pitchFamily="49" charset="0"/>
               </a:rPr>
               <a:t>lon</a:t>
             </a:r>
             <a:r>
-              <a:rPr lang="en-US" b="1" dirty="0" smtClean="0">
+              <a:rPr lang="en-US" b="1" dirty="0">
                 <a:latin typeface="Consolas" pitchFamily="49" charset="0"/>
                 <a:cs typeface="Consolas" pitchFamily="49" charset="0"/>
               </a:rPr>
@@ -18284,20 +17893,20 @@
               <a:buNone/>
             </a:pPr>
             <a:r>
-              <a:rPr lang="en-US" b="1" dirty="0" smtClean="0">
+              <a:rPr lang="en-US" b="1" dirty="0">
                 <a:latin typeface="Consolas" pitchFamily="49" charset="0"/>
                 <a:cs typeface="Consolas" pitchFamily="49" charset="0"/>
               </a:rPr>
               <a:t>    (</a:t>
             </a:r>
             <a:r>
-              <a:rPr lang="en-US" b="1" dirty="0" err="1" smtClean="0">
+              <a:rPr lang="en-US" b="1" dirty="0" err="1">
                 <a:latin typeface="Consolas" pitchFamily="49" charset="0"/>
                 <a:cs typeface="Consolas" pitchFamily="49" charset="0"/>
               </a:rPr>
               <a:t>cond</a:t>
             </a:r>
-            <a:endParaRPr lang="en-US" b="1" dirty="0" smtClean="0">
+            <a:endParaRPr lang="en-US" b="1" dirty="0">
               <a:latin typeface="Consolas" pitchFamily="49" charset="0"/>
               <a:cs typeface="Consolas" pitchFamily="49" charset="0"/>
             </a:endParaRPr>
@@ -18307,21 +17916,21 @@
               <a:buNone/>
             </a:pPr>
             <a:r>
-              <a:rPr lang="en-US" b="1" dirty="0" smtClean="0">
+              <a:rPr lang="en-US" b="1" dirty="0">
                 <a:latin typeface="Consolas" pitchFamily="49" charset="0"/>
                 <a:cs typeface="Consolas" pitchFamily="49" charset="0"/>
               </a:rPr>
               <a:t>      [(empty? </a:t>
             </a:r>
             <a:r>
-              <a:rPr lang="en-US" b="1" dirty="0" err="1" smtClean="0">
+              <a:rPr lang="en-US" b="1" dirty="0" err="1">
                 <a:latin typeface="Consolas" pitchFamily="49" charset="0"/>
                 <a:cs typeface="Consolas" pitchFamily="49" charset="0"/>
               </a:rPr>
               <a:t>lon</a:t>
             </a:r>
             <a:r>
-              <a:rPr lang="en-US" b="1" dirty="0" smtClean="0">
+              <a:rPr lang="en-US" b="1" dirty="0">
                 <a:latin typeface="Consolas" pitchFamily="49" charset="0"/>
                 <a:cs typeface="Consolas" pitchFamily="49" charset="0"/>
               </a:rPr>
@@ -18333,14 +17942,14 @@
               <a:buNone/>
             </a:pPr>
             <a:r>
-              <a:rPr lang="en-US" b="1" dirty="0" smtClean="0">
+              <a:rPr lang="en-US" b="1" dirty="0">
                 <a:latin typeface="Consolas" pitchFamily="49" charset="0"/>
                 <a:cs typeface="Consolas" pitchFamily="49" charset="0"/>
               </a:rPr>
               <a:t>      [(else (</a:t>
             </a:r>
             <a:r>
-              <a:rPr lang="en-US" b="1" dirty="0" smtClean="0">
+              <a:rPr lang="en-US" b="1" dirty="0">
                 <a:solidFill>
                   <a:schemeClr val="accent6">
                     <a:lumMod val="75000"/>
@@ -18357,14 +17966,14 @@
               <a:buNone/>
             </a:pPr>
             <a:r>
-              <a:rPr lang="en-US" b="1" dirty="0" smtClean="0">
+              <a:rPr lang="en-US" b="1" dirty="0">
                 <a:latin typeface="Consolas" pitchFamily="49" charset="0"/>
                 <a:cs typeface="Consolas" pitchFamily="49" charset="0"/>
               </a:rPr>
               <a:t>               (</a:t>
             </a:r>
             <a:r>
-              <a:rPr lang="en-US" b="1" dirty="0" smtClean="0">
+              <a:rPr lang="en-US" b="1" dirty="0">
                 <a:solidFill>
                   <a:srgbClr val="00B050"/>
                 </a:solidFill>
@@ -18374,7 +17983,7 @@
               <a:t>add1</a:t>
             </a:r>
             <a:r>
-              <a:rPr lang="en-US" b="1" dirty="0" smtClean="0">
+              <a:rPr lang="en-US" b="1" dirty="0">
                 <a:latin typeface="Consolas" pitchFamily="49" charset="0"/>
                 <a:cs typeface="Consolas" pitchFamily="49" charset="0"/>
               </a:rPr>
@@ -18386,21 +17995,21 @@
               <a:buNone/>
             </a:pPr>
             <a:r>
-              <a:rPr lang="en-US" b="1" dirty="0" smtClean="0">
+              <a:rPr lang="en-US" b="1" dirty="0">
                 <a:latin typeface="Consolas" pitchFamily="49" charset="0"/>
                 <a:cs typeface="Consolas" pitchFamily="49" charset="0"/>
               </a:rPr>
               <a:t>                 (first </a:t>
             </a:r>
             <a:r>
-              <a:rPr lang="en-US" b="1" dirty="0" err="1" smtClean="0">
+              <a:rPr lang="en-US" b="1" dirty="0" err="1">
                 <a:latin typeface="Consolas" pitchFamily="49" charset="0"/>
                 <a:cs typeface="Consolas" pitchFamily="49" charset="0"/>
               </a:rPr>
               <a:t>lon</a:t>
             </a:r>
             <a:r>
-              <a:rPr lang="en-US" b="1" dirty="0" smtClean="0">
+              <a:rPr lang="en-US" b="1" dirty="0">
                 <a:latin typeface="Consolas" pitchFamily="49" charset="0"/>
                 <a:cs typeface="Consolas" pitchFamily="49" charset="0"/>
               </a:rPr>
@@ -18412,14 +18021,14 @@
               <a:buNone/>
             </a:pPr>
             <a:r>
-              <a:rPr lang="en-US" b="1" dirty="0" smtClean="0">
+              <a:rPr lang="en-US" b="1" dirty="0">
                 <a:latin typeface="Consolas" pitchFamily="49" charset="0"/>
                 <a:cs typeface="Consolas" pitchFamily="49" charset="0"/>
               </a:rPr>
               <a:t>               (</a:t>
             </a:r>
             <a:r>
-              <a:rPr lang="en-US" b="1" dirty="0" smtClean="0">
+              <a:rPr lang="en-US" b="1" dirty="0">
                 <a:solidFill>
                   <a:srgbClr val="FF0000"/>
                 </a:solidFill>
@@ -18429,7 +18038,7 @@
               <a:t>add1-to-each</a:t>
             </a:r>
             <a:r>
-              <a:rPr lang="en-US" b="1" dirty="0" smtClean="0">
+              <a:rPr lang="en-US" b="1" dirty="0">
                 <a:latin typeface="Consolas" pitchFamily="49" charset="0"/>
                 <a:cs typeface="Consolas" pitchFamily="49" charset="0"/>
               </a:rPr>
@@ -18441,30 +18050,26 @@
               <a:buNone/>
             </a:pPr>
             <a:r>
-              <a:rPr lang="en-US" b="1" dirty="0" smtClean="0">
+              <a:rPr lang="en-US" b="1" dirty="0">
                 <a:latin typeface="Consolas" pitchFamily="49" charset="0"/>
                 <a:cs typeface="Consolas" pitchFamily="49" charset="0"/>
               </a:rPr>
               <a:t>                 (rest </a:t>
             </a:r>
             <a:r>
-              <a:rPr lang="en-US" b="1" dirty="0" err="1" smtClean="0">
+              <a:rPr lang="en-US" b="1" dirty="0" err="1">
                 <a:latin typeface="Consolas" pitchFamily="49" charset="0"/>
                 <a:cs typeface="Consolas" pitchFamily="49" charset="0"/>
               </a:rPr>
               <a:t>lon</a:t>
             </a:r>
             <a:r>
-              <a:rPr lang="en-US" b="1" dirty="0" smtClean="0">
+              <a:rPr lang="en-US" b="1" dirty="0">
                 <a:latin typeface="Consolas" pitchFamily="49" charset="0"/>
                 <a:cs typeface="Consolas" pitchFamily="49" charset="0"/>
               </a:rPr>
               <a:t>))))]))</a:t>
             </a:r>
-            <a:endParaRPr lang="en-US" b="1" dirty="0">
-              <a:latin typeface="Consolas" pitchFamily="49" charset="0"/>
-              <a:cs typeface="Consolas" pitchFamily="49" charset="0"/>
-            </a:endParaRPr>
           </a:p>
         </p:txBody>
       </p:sp>
@@ -18493,40 +18098,40 @@
               <a:buNone/>
             </a:pPr>
             <a:r>
-              <a:rPr lang="en-US" sz="1600" dirty="0" smtClean="0">
+              <a:rPr lang="en-US" sz="1600" dirty="0">
                 <a:latin typeface="Lucida Console" pitchFamily="49" charset="0"/>
               </a:rPr>
               <a:t>  </a:t>
             </a:r>
             <a:r>
-              <a:rPr lang="en-US" b="1" dirty="0" smtClean="0">
+              <a:rPr lang="en-US" b="1" dirty="0">
                 <a:latin typeface="Consolas" pitchFamily="49" charset="0"/>
                 <a:cs typeface="Consolas" pitchFamily="49" charset="0"/>
               </a:rPr>
               <a:t>;</a:t>
             </a:r>
             <a:r>
-              <a:rPr lang="en-US" b="1" dirty="0" err="1" smtClean="0">
+              <a:rPr lang="en-US" b="1" dirty="0" err="1">
                 <a:latin typeface="Consolas" pitchFamily="49" charset="0"/>
                 <a:cs typeface="Consolas" pitchFamily="49" charset="0"/>
               </a:rPr>
               <a:t>ListOfEmployee</a:t>
             </a:r>
             <a:r>
-              <a:rPr lang="en-US" b="1" dirty="0" smtClean="0">
+              <a:rPr lang="en-US" b="1" dirty="0">
                 <a:latin typeface="Consolas" pitchFamily="49" charset="0"/>
                 <a:cs typeface="Consolas" pitchFamily="49" charset="0"/>
               </a:rPr>
               <a:t> -&gt; </a:t>
             </a:r>
             <a:r>
-              <a:rPr lang="en-US" b="1" dirty="0" err="1" smtClean="0">
+              <a:rPr lang="en-US" b="1" dirty="0" err="1">
                 <a:latin typeface="Consolas" pitchFamily="49" charset="0"/>
                 <a:cs typeface="Consolas" pitchFamily="49" charset="0"/>
               </a:rPr>
               <a:t>ListOfString</a:t>
             </a:r>
-            <a:endParaRPr lang="en-US" b="1" dirty="0" smtClean="0">
+            <a:endParaRPr lang="en-US" b="1" dirty="0">
               <a:latin typeface="Consolas" pitchFamily="49" charset="0"/>
               <a:cs typeface="Consolas" pitchFamily="49" charset="0"/>
             </a:endParaRPr>
@@ -18536,14 +18141,14 @@
               <a:buNone/>
             </a:pPr>
             <a:r>
-              <a:rPr lang="en-US" b="1" dirty="0" smtClean="0">
+              <a:rPr lang="en-US" b="1" dirty="0">
                 <a:latin typeface="Consolas" pitchFamily="49" charset="0"/>
                 <a:cs typeface="Consolas" pitchFamily="49" charset="0"/>
               </a:rPr>
               <a:t>  (define (</a:t>
             </a:r>
             <a:r>
-              <a:rPr lang="en-US" b="1" dirty="0" smtClean="0">
+              <a:rPr lang="en-US" b="1" dirty="0">
                 <a:solidFill>
                   <a:srgbClr val="FF0000"/>
                 </a:solidFill>
@@ -18553,7 +18158,7 @@
               <a:t>extract-names</a:t>
             </a:r>
             <a:r>
-              <a:rPr lang="en-US" b="1" dirty="0" smtClean="0">
+              <a:rPr lang="en-US" b="1" dirty="0">
                 <a:latin typeface="Consolas" pitchFamily="49" charset="0"/>
                 <a:cs typeface="Consolas" pitchFamily="49" charset="0"/>
               </a:rPr>
@@ -18565,20 +18170,20 @@
               <a:buNone/>
             </a:pPr>
             <a:r>
-              <a:rPr lang="en-US" b="1" dirty="0" smtClean="0">
+              <a:rPr lang="en-US" b="1" dirty="0">
                 <a:latin typeface="Consolas" pitchFamily="49" charset="0"/>
                 <a:cs typeface="Consolas" pitchFamily="49" charset="0"/>
               </a:rPr>
               <a:t>    (</a:t>
             </a:r>
             <a:r>
-              <a:rPr lang="en-US" b="1" dirty="0" err="1" smtClean="0">
+              <a:rPr lang="en-US" b="1" dirty="0" err="1">
                 <a:latin typeface="Consolas" pitchFamily="49" charset="0"/>
                 <a:cs typeface="Consolas" pitchFamily="49" charset="0"/>
               </a:rPr>
               <a:t>cond</a:t>
             </a:r>
-            <a:endParaRPr lang="en-US" b="1" dirty="0" smtClean="0">
+            <a:endParaRPr lang="en-US" b="1" dirty="0">
               <a:latin typeface="Consolas" pitchFamily="49" charset="0"/>
               <a:cs typeface="Consolas" pitchFamily="49" charset="0"/>
             </a:endParaRPr>
@@ -18588,7 +18193,7 @@
               <a:buNone/>
             </a:pPr>
             <a:r>
-              <a:rPr lang="en-US" b="1" dirty="0" smtClean="0">
+              <a:rPr lang="en-US" b="1" dirty="0">
                 <a:latin typeface="Consolas" pitchFamily="49" charset="0"/>
                 <a:cs typeface="Consolas" pitchFamily="49" charset="0"/>
               </a:rPr>
@@ -18600,14 +18205,14 @@
               <a:buNone/>
             </a:pPr>
             <a:r>
-              <a:rPr lang="en-US" b="1" dirty="0" smtClean="0">
+              <a:rPr lang="en-US" b="1" dirty="0">
                 <a:latin typeface="Consolas" pitchFamily="49" charset="0"/>
                 <a:cs typeface="Consolas" pitchFamily="49" charset="0"/>
               </a:rPr>
               <a:t>      [else (</a:t>
             </a:r>
             <a:r>
-              <a:rPr lang="en-US" b="1" dirty="0" smtClean="0">
+              <a:rPr lang="en-US" b="1" dirty="0">
                 <a:solidFill>
                   <a:schemeClr val="accent6">
                     <a:lumMod val="75000"/>
@@ -18624,14 +18229,14 @@
               <a:buNone/>
             </a:pPr>
             <a:r>
-              <a:rPr lang="en-US" b="1" dirty="0" smtClean="0">
+              <a:rPr lang="en-US" b="1" dirty="0">
                 <a:latin typeface="Consolas" pitchFamily="49" charset="0"/>
                 <a:cs typeface="Consolas" pitchFamily="49" charset="0"/>
               </a:rPr>
               <a:t>              (</a:t>
             </a:r>
             <a:r>
-              <a:rPr lang="en-US" b="1" dirty="0" smtClean="0">
+              <a:rPr lang="en-US" b="1" dirty="0">
                 <a:solidFill>
                   <a:srgbClr val="00B050"/>
                 </a:solidFill>
@@ -18641,7 +18246,7 @@
               <a:t>Employee-name</a:t>
             </a:r>
             <a:r>
-              <a:rPr lang="en-US" b="1" dirty="0" smtClean="0">
+              <a:rPr lang="en-US" b="1" dirty="0">
                 <a:latin typeface="Consolas" pitchFamily="49" charset="0"/>
                 <a:cs typeface="Consolas" pitchFamily="49" charset="0"/>
               </a:rPr>
@@ -18653,7 +18258,7 @@
               <a:buNone/>
             </a:pPr>
             <a:r>
-              <a:rPr lang="en-US" b="1" dirty="0" smtClean="0">
+              <a:rPr lang="en-US" b="1" dirty="0">
                 <a:latin typeface="Consolas" pitchFamily="49" charset="0"/>
                 <a:cs typeface="Consolas" pitchFamily="49" charset="0"/>
               </a:rPr>
@@ -18665,14 +18270,14 @@
               <a:buNone/>
             </a:pPr>
             <a:r>
-              <a:rPr lang="en-US" b="1" dirty="0" smtClean="0">
+              <a:rPr lang="en-US" b="1" dirty="0">
                 <a:latin typeface="Consolas" pitchFamily="49" charset="0"/>
                 <a:cs typeface="Consolas" pitchFamily="49" charset="0"/>
               </a:rPr>
               <a:t>              (</a:t>
             </a:r>
             <a:r>
-              <a:rPr lang="en-US" b="1" dirty="0" smtClean="0">
+              <a:rPr lang="en-US" b="1" dirty="0">
                 <a:solidFill>
                   <a:srgbClr val="FF0000"/>
                 </a:solidFill>
@@ -18682,7 +18287,7 @@
               <a:t>extract-names</a:t>
             </a:r>
             <a:r>
-              <a:rPr lang="en-US" b="1" dirty="0" smtClean="0">
+              <a:rPr lang="en-US" b="1" dirty="0">
                 <a:latin typeface="Consolas" pitchFamily="49" charset="0"/>
                 <a:cs typeface="Consolas" pitchFamily="49" charset="0"/>
               </a:rPr>
@@ -18694,16 +18299,12 @@
               <a:buNone/>
             </a:pPr>
             <a:r>
-              <a:rPr lang="en-US" b="1" dirty="0" smtClean="0">
+              <a:rPr lang="en-US" b="1" dirty="0">
                 <a:latin typeface="Consolas" pitchFamily="49" charset="0"/>
                 <a:cs typeface="Consolas" pitchFamily="49" charset="0"/>
               </a:rPr>
               <a:t>                (rest lop)))]))</a:t>
             </a:r>
-            <a:endParaRPr lang="en-US" b="1" dirty="0">
-              <a:latin typeface="Consolas" pitchFamily="49" charset="0"/>
-              <a:cs typeface="Consolas" pitchFamily="49" charset="0"/>
-            </a:endParaRPr>
           </a:p>
         </p:txBody>
       </p:sp>
@@ -18751,7 +18352,7 @@
           <a:lstStyle/>
           <a:p>
             <a:pPr algn="ctr"/>
-            <a:endParaRPr lang="en-US" dirty="0" smtClean="0">
+            <a:endParaRPr lang="en-US" dirty="0">
               <a:solidFill>
                 <a:schemeClr val="accent6">
                   <a:lumMod val="75000"/>
@@ -18801,15 +18402,7 @@
             </a:pPr>
             <a:r>
               <a:rPr lang="en-US" sz="2400" dirty="0"/>
-              <a:t>Here </a:t>
-            </a:r>
-            <a:r>
-              <a:rPr lang="en-US" sz="2400" dirty="0" smtClean="0"/>
-              <a:t>is the example we used to introduce map.  In this example, both </a:t>
-            </a:r>
-            <a:r>
-              <a:rPr lang="en-US" sz="2400" dirty="0"/>
-              <a:t>of the brown functions are </a:t>
+              <a:t>Here is the example we used to introduce map.  In this example, both of the brown functions are </a:t>
             </a:r>
             <a:r>
               <a:rPr lang="en-US" sz="2400" b="1" dirty="0"/>
@@ -18832,13 +18425,6 @@
   <p:clrMapOvr>
     <a:masterClrMapping/>
   </p:clrMapOvr>
-  <p:timing>
-    <p:tnLst>
-      <p:par>
-        <p:cTn id="1" dur="indefinite" restart="never" nodeType="tmRoot"/>
-      </p:par>
-    </p:tnLst>
-  </p:timing>
 </p:sld>
 </file>
 
@@ -18875,10 +18461,9 @@
           <a:lstStyle/>
           <a:p>
             <a:r>
-              <a:rPr lang="en-US" dirty="0" smtClean="0"/>
+              <a:rPr lang="en-US" dirty="0"/>
               <a:t>Another example</a:t>
             </a:r>
-            <a:endParaRPr lang="en-US" dirty="0"/>
           </a:p>
         </p:txBody>
       </p:sp>
@@ -18928,25 +18513,25 @@
           <a:lstStyle/>
           <a:p>
             <a:r>
-              <a:rPr lang="en-US" sz="2400" dirty="0" smtClean="0"/>
+              <a:rPr lang="en-US" sz="2400" dirty="0"/>
               <a:t> </a:t>
             </a:r>
             <a:r>
-              <a:rPr lang="en-US" sz="2000" b="1" dirty="0" smtClean="0">
+              <a:rPr lang="en-US" sz="2000" b="1" dirty="0">
                 <a:latin typeface="Consolas" pitchFamily="49" charset="0"/>
                 <a:cs typeface="Consolas" pitchFamily="49" charset="0"/>
               </a:rPr>
               <a:t>;; </a:t>
             </a:r>
             <a:r>
-              <a:rPr lang="en-US" sz="2000" b="1" dirty="0" err="1" smtClean="0">
+              <a:rPr lang="en-US" sz="2000" b="1" dirty="0" err="1">
                 <a:latin typeface="Consolas" pitchFamily="49" charset="0"/>
                 <a:cs typeface="Consolas" pitchFamily="49" charset="0"/>
               </a:rPr>
               <a:t>ListOfNumber</a:t>
             </a:r>
             <a:r>
-              <a:rPr lang="en-US" sz="2000" b="1" dirty="0" smtClean="0">
+              <a:rPr lang="en-US" sz="2000" b="1" dirty="0">
                 <a:latin typeface="Consolas" pitchFamily="49" charset="0"/>
                 <a:cs typeface="Consolas" pitchFamily="49" charset="0"/>
               </a:rPr>
@@ -18955,21 +18540,21 @@
           </a:p>
           <a:p>
             <a:r>
-              <a:rPr lang="en-US" sz="2000" b="1" dirty="0" smtClean="0">
+              <a:rPr lang="en-US" sz="2000" b="1" dirty="0">
                 <a:latin typeface="Consolas" pitchFamily="49" charset="0"/>
                 <a:cs typeface="Consolas" pitchFamily="49" charset="0"/>
               </a:rPr>
               <a:t>  (define (sum </a:t>
             </a:r>
             <a:r>
-              <a:rPr lang="en-US" sz="2000" b="1" dirty="0" err="1" smtClean="0">
+              <a:rPr lang="en-US" sz="2000" b="1" dirty="0" err="1">
                 <a:latin typeface="Consolas" pitchFamily="49" charset="0"/>
                 <a:cs typeface="Consolas" pitchFamily="49" charset="0"/>
               </a:rPr>
               <a:t>lon</a:t>
             </a:r>
             <a:r>
-              <a:rPr lang="en-US" sz="2000" b="1" dirty="0" smtClean="0">
+              <a:rPr lang="en-US" sz="2000" b="1" dirty="0">
                 <a:latin typeface="Consolas" pitchFamily="49" charset="0"/>
                 <a:cs typeface="Consolas" pitchFamily="49" charset="0"/>
               </a:rPr>
@@ -18978,21 +18563,21 @@
           </a:p>
           <a:p>
             <a:r>
-              <a:rPr lang="en-US" sz="2000" b="1" dirty="0" smtClean="0">
+              <a:rPr lang="en-US" sz="2000" b="1" dirty="0">
                 <a:latin typeface="Consolas" pitchFamily="49" charset="0"/>
                 <a:cs typeface="Consolas" pitchFamily="49" charset="0"/>
               </a:rPr>
               <a:t>    (</a:t>
             </a:r>
             <a:r>
-              <a:rPr lang="en-US" sz="2000" b="1" dirty="0" err="1" smtClean="0">
+              <a:rPr lang="en-US" sz="2000" b="1" dirty="0" err="1">
                 <a:latin typeface="Consolas" pitchFamily="49" charset="0"/>
                 <a:cs typeface="Consolas" pitchFamily="49" charset="0"/>
               </a:rPr>
               <a:t>cond</a:t>
             </a:r>
             <a:r>
-              <a:rPr lang="en-US" sz="2000" b="1" dirty="0" smtClean="0">
+              <a:rPr lang="en-US" sz="2000" b="1" dirty="0">
                 <a:latin typeface="Consolas" pitchFamily="49" charset="0"/>
                 <a:cs typeface="Consolas" pitchFamily="49" charset="0"/>
               </a:rPr>
@@ -19001,28 +18586,28 @@
           </a:p>
           <a:p>
             <a:r>
-              <a:rPr lang="en-US" sz="2000" b="1" dirty="0" smtClean="0">
+              <a:rPr lang="en-US" sz="2000" b="1" dirty="0">
                 <a:latin typeface="Consolas" pitchFamily="49" charset="0"/>
                 <a:cs typeface="Consolas" pitchFamily="49" charset="0"/>
               </a:rPr>
               <a:t>      [(empty? </a:t>
             </a:r>
             <a:r>
-              <a:rPr lang="en-US" sz="2000" b="1" dirty="0" err="1" smtClean="0">
+              <a:rPr lang="en-US" sz="2000" b="1" dirty="0" err="1">
                 <a:latin typeface="Consolas" pitchFamily="49" charset="0"/>
                 <a:cs typeface="Consolas" pitchFamily="49" charset="0"/>
               </a:rPr>
               <a:t>lon</a:t>
             </a:r>
             <a:r>
-              <a:rPr lang="en-US" sz="2000" b="1" dirty="0" smtClean="0">
+              <a:rPr lang="en-US" sz="2000" b="1" dirty="0">
                 <a:latin typeface="Consolas" pitchFamily="49" charset="0"/>
                 <a:cs typeface="Consolas" pitchFamily="49" charset="0"/>
               </a:rPr>
               <a:t>) </a:t>
             </a:r>
             <a:r>
-              <a:rPr lang="en-US" sz="2000" b="1" dirty="0" smtClean="0">
+              <a:rPr lang="en-US" sz="2000" b="1" dirty="0">
                 <a:solidFill>
                   <a:srgbClr val="FF0000"/>
                 </a:solidFill>
@@ -19032,7 +18617,7 @@
               <a:t>0</a:t>
             </a:r>
             <a:r>
-              <a:rPr lang="en-US" sz="2000" b="1" dirty="0" smtClean="0">
+              <a:rPr lang="en-US" sz="2000" b="1" dirty="0">
                 <a:latin typeface="Consolas" pitchFamily="49" charset="0"/>
                 <a:cs typeface="Consolas" pitchFamily="49" charset="0"/>
               </a:rPr>
@@ -19041,14 +18626,14 @@
           </a:p>
           <a:p>
             <a:r>
-              <a:rPr lang="en-US" sz="2000" b="1" dirty="0" smtClean="0">
+              <a:rPr lang="en-US" sz="2000" b="1" dirty="0">
                 <a:latin typeface="Consolas" pitchFamily="49" charset="0"/>
                 <a:cs typeface="Consolas" pitchFamily="49" charset="0"/>
               </a:rPr>
               <a:t>      [else (</a:t>
             </a:r>
             <a:r>
-              <a:rPr lang="en-US" sz="2000" b="1" dirty="0" smtClean="0">
+              <a:rPr lang="en-US" sz="2000" b="1" dirty="0">
                 <a:solidFill>
                   <a:schemeClr val="accent3"/>
                 </a:solidFill>
@@ -19058,7 +18643,7 @@
               <a:t>+</a:t>
             </a:r>
             <a:r>
-              <a:rPr lang="en-US" sz="2000" b="1" dirty="0" smtClean="0">
+              <a:rPr lang="en-US" sz="2000" b="1" dirty="0">
                 <a:latin typeface="Consolas" pitchFamily="49" charset="0"/>
                 <a:cs typeface="Consolas" pitchFamily="49" charset="0"/>
               </a:rPr>
@@ -19067,21 +18652,21 @@
           </a:p>
           <a:p>
             <a:r>
-              <a:rPr lang="en-US" sz="2000" b="1" dirty="0" smtClean="0">
+              <a:rPr lang="en-US" sz="2000" b="1" dirty="0">
                 <a:latin typeface="Consolas" pitchFamily="49" charset="0"/>
                 <a:cs typeface="Consolas" pitchFamily="49" charset="0"/>
               </a:rPr>
               <a:t>              (first </a:t>
             </a:r>
             <a:r>
-              <a:rPr lang="en-US" sz="2000" b="1" dirty="0" err="1" smtClean="0">
+              <a:rPr lang="en-US" sz="2000" b="1" dirty="0" err="1">
                 <a:latin typeface="Consolas" pitchFamily="49" charset="0"/>
                 <a:cs typeface="Consolas" pitchFamily="49" charset="0"/>
               </a:rPr>
               <a:t>lon</a:t>
             </a:r>
             <a:r>
-              <a:rPr lang="en-US" sz="2000" b="1" dirty="0" smtClean="0">
+              <a:rPr lang="en-US" sz="2000" b="1" dirty="0">
                 <a:latin typeface="Consolas" pitchFamily="49" charset="0"/>
                 <a:cs typeface="Consolas" pitchFamily="49" charset="0"/>
               </a:rPr>
@@ -19090,7 +18675,7 @@
           </a:p>
           <a:p>
             <a:r>
-              <a:rPr lang="en-US" sz="2000" b="1" dirty="0" smtClean="0">
+              <a:rPr lang="en-US" sz="2000" b="1" dirty="0">
                 <a:latin typeface="Consolas" pitchFamily="49" charset="0"/>
                 <a:cs typeface="Consolas" pitchFamily="49" charset="0"/>
               </a:rPr>
@@ -19099,30 +18684,26 @@
           </a:p>
           <a:p>
             <a:r>
-              <a:rPr lang="en-US" sz="2000" b="1" dirty="0" smtClean="0">
+              <a:rPr lang="en-US" sz="2000" b="1" dirty="0">
                 <a:latin typeface="Consolas" pitchFamily="49" charset="0"/>
                 <a:cs typeface="Consolas" pitchFamily="49" charset="0"/>
               </a:rPr>
               <a:t>               (rest </a:t>
             </a:r>
             <a:r>
-              <a:rPr lang="en-US" sz="2000" b="1" dirty="0" err="1" smtClean="0">
+              <a:rPr lang="en-US" sz="2000" b="1" dirty="0" err="1">
                 <a:latin typeface="Consolas" pitchFamily="49" charset="0"/>
                 <a:cs typeface="Consolas" pitchFamily="49" charset="0"/>
               </a:rPr>
               <a:t>lon</a:t>
             </a:r>
             <a:r>
-              <a:rPr lang="en-US" sz="2000" b="1" dirty="0" smtClean="0">
+              <a:rPr lang="en-US" sz="2000" b="1" dirty="0">
                 <a:latin typeface="Consolas" pitchFamily="49" charset="0"/>
                 <a:cs typeface="Consolas" pitchFamily="49" charset="0"/>
               </a:rPr>
               <a:t>)))]))</a:t>
             </a:r>
-            <a:endParaRPr lang="en-US" sz="2000" b="1" dirty="0">
-              <a:latin typeface="Consolas" pitchFamily="49" charset="0"/>
-              <a:cs typeface="Consolas" pitchFamily="49" charset="0"/>
-            </a:endParaRPr>
           </a:p>
         </p:txBody>
       </p:sp>
@@ -19148,21 +18729,21 @@
           <a:lstStyle/>
           <a:p>
             <a:r>
-              <a:rPr lang="en-US" sz="2000" b="1" dirty="0" smtClean="0">
+              <a:rPr lang="en-US" sz="2000" b="1" dirty="0">
                 <a:latin typeface="Consolas" pitchFamily="49" charset="0"/>
                 <a:cs typeface="Consolas" pitchFamily="49" charset="0"/>
               </a:rPr>
               <a:t> ;; </a:t>
             </a:r>
             <a:r>
-              <a:rPr lang="en-US" sz="2000" b="1" dirty="0" err="1" smtClean="0">
+              <a:rPr lang="en-US" sz="2000" b="1" dirty="0" err="1">
                 <a:latin typeface="Consolas" pitchFamily="49" charset="0"/>
                 <a:cs typeface="Consolas" pitchFamily="49" charset="0"/>
               </a:rPr>
               <a:t>ListOfNumber</a:t>
             </a:r>
             <a:r>
-              <a:rPr lang="en-US" sz="2000" b="1" dirty="0" smtClean="0">
+              <a:rPr lang="en-US" sz="2000" b="1" dirty="0">
                 <a:latin typeface="Consolas" pitchFamily="49" charset="0"/>
                 <a:cs typeface="Consolas" pitchFamily="49" charset="0"/>
               </a:rPr>
@@ -19171,21 +18752,21 @@
           </a:p>
           <a:p>
             <a:r>
-              <a:rPr lang="en-US" sz="2000" b="1" dirty="0" smtClean="0">
+              <a:rPr lang="en-US" sz="2000" b="1" dirty="0">
                 <a:latin typeface="Consolas" pitchFamily="49" charset="0"/>
                 <a:cs typeface="Consolas" pitchFamily="49" charset="0"/>
               </a:rPr>
               <a:t>  (define (product </a:t>
             </a:r>
             <a:r>
-              <a:rPr lang="en-US" sz="2000" b="1" dirty="0" err="1" smtClean="0">
+              <a:rPr lang="en-US" sz="2000" b="1" dirty="0" err="1">
                 <a:latin typeface="Consolas" pitchFamily="49" charset="0"/>
                 <a:cs typeface="Consolas" pitchFamily="49" charset="0"/>
               </a:rPr>
               <a:t>lon</a:t>
             </a:r>
             <a:r>
-              <a:rPr lang="en-US" sz="2000" b="1" dirty="0" smtClean="0">
+              <a:rPr lang="en-US" sz="2000" b="1" dirty="0">
                 <a:latin typeface="Consolas" pitchFamily="49" charset="0"/>
                 <a:cs typeface="Consolas" pitchFamily="49" charset="0"/>
               </a:rPr>
@@ -19194,141 +18775,137 @@
           </a:p>
           <a:p>
             <a:r>
-              <a:rPr lang="en-US" sz="2000" b="1" dirty="0" smtClean="0">
+              <a:rPr lang="en-US" sz="2000" b="1" dirty="0">
                 <a:latin typeface="Consolas" pitchFamily="49" charset="0"/>
                 <a:cs typeface="Consolas" pitchFamily="49" charset="0"/>
               </a:rPr>
               <a:t>    (</a:t>
             </a:r>
             <a:r>
-              <a:rPr lang="en-US" sz="2000" b="1" dirty="0" err="1" smtClean="0">
+              <a:rPr lang="en-US" sz="2000" b="1" dirty="0" err="1">
                 <a:latin typeface="Consolas" pitchFamily="49" charset="0"/>
                 <a:cs typeface="Consolas" pitchFamily="49" charset="0"/>
               </a:rPr>
               <a:t>cond</a:t>
-            </a:r>
-            <a:endParaRPr lang="en-US" sz="2000" b="1" dirty="0" smtClean="0">
-              <a:latin typeface="Consolas" pitchFamily="49" charset="0"/>
-              <a:cs typeface="Consolas" pitchFamily="49" charset="0"/>
-            </a:endParaRPr>
-          </a:p>
-          <a:p>
-            <a:r>
-              <a:rPr lang="en-US" sz="2000" b="1" dirty="0" smtClean="0">
-                <a:latin typeface="Consolas" pitchFamily="49" charset="0"/>
-                <a:cs typeface="Consolas" pitchFamily="49" charset="0"/>
-              </a:rPr>
-              <a:t>      [(empty? </a:t>
-            </a:r>
-            <a:r>
-              <a:rPr lang="en-US" sz="2000" b="1" dirty="0" err="1" smtClean="0">
-                <a:latin typeface="Consolas" pitchFamily="49" charset="0"/>
-                <a:cs typeface="Consolas" pitchFamily="49" charset="0"/>
-              </a:rPr>
-              <a:t>lon</a:t>
-            </a:r>
-            <a:r>
-              <a:rPr lang="en-US" sz="2000" b="1" dirty="0" smtClean="0">
-                <a:latin typeface="Consolas" pitchFamily="49" charset="0"/>
-                <a:cs typeface="Consolas" pitchFamily="49" charset="0"/>
-              </a:rPr>
-              <a:t>) </a:t>
-            </a:r>
-            <a:r>
-              <a:rPr lang="en-US" sz="2000" b="1" dirty="0" smtClean="0">
-                <a:solidFill>
-                  <a:srgbClr val="FF0000"/>
-                </a:solidFill>
-                <a:latin typeface="Consolas" pitchFamily="49" charset="0"/>
-                <a:cs typeface="Consolas" pitchFamily="49" charset="0"/>
-              </a:rPr>
-              <a:t>1</a:t>
-            </a:r>
-            <a:r>
-              <a:rPr lang="en-US" sz="2000" b="1" dirty="0" smtClean="0">
-                <a:latin typeface="Consolas" pitchFamily="49" charset="0"/>
-                <a:cs typeface="Consolas" pitchFamily="49" charset="0"/>
-              </a:rPr>
-              <a:t>]</a:t>
-            </a:r>
-          </a:p>
-          <a:p>
-            <a:r>
-              <a:rPr lang="en-US" sz="2000" b="1" dirty="0" smtClean="0">
-                <a:latin typeface="Consolas" pitchFamily="49" charset="0"/>
-                <a:cs typeface="Consolas" pitchFamily="49" charset="0"/>
-              </a:rPr>
-              <a:t>      [else (</a:t>
-            </a:r>
-            <a:r>
-              <a:rPr lang="en-US" sz="2000" b="1" dirty="0" smtClean="0">
-                <a:solidFill>
-                  <a:schemeClr val="accent3"/>
-                </a:solidFill>
-                <a:latin typeface="Consolas" pitchFamily="49" charset="0"/>
-                <a:cs typeface="Consolas" pitchFamily="49" charset="0"/>
-              </a:rPr>
-              <a:t>*</a:t>
-            </a:r>
-          </a:p>
-          <a:p>
-            <a:r>
-              <a:rPr lang="en-US" sz="2000" b="1" dirty="0" smtClean="0">
-                <a:latin typeface="Consolas" pitchFamily="49" charset="0"/>
-                <a:cs typeface="Consolas" pitchFamily="49" charset="0"/>
-              </a:rPr>
-              <a:t>              (first </a:t>
-            </a:r>
-            <a:r>
-              <a:rPr lang="en-US" sz="2000" b="1" dirty="0" err="1" smtClean="0">
-                <a:latin typeface="Consolas" pitchFamily="49" charset="0"/>
-                <a:cs typeface="Consolas" pitchFamily="49" charset="0"/>
-              </a:rPr>
-              <a:t>lon</a:t>
-            </a:r>
-            <a:r>
-              <a:rPr lang="en-US" sz="2000" b="1" dirty="0" smtClean="0">
-                <a:latin typeface="Consolas" pitchFamily="49" charset="0"/>
-                <a:cs typeface="Consolas" pitchFamily="49" charset="0"/>
-              </a:rPr>
-              <a:t>)</a:t>
-            </a:r>
-          </a:p>
-          <a:p>
-            <a:r>
-              <a:rPr lang="en-US" sz="2000" b="1" dirty="0" smtClean="0">
-                <a:latin typeface="Consolas" pitchFamily="49" charset="0"/>
-                <a:cs typeface="Consolas" pitchFamily="49" charset="0"/>
-              </a:rPr>
-              <a:t>              (product</a:t>
-            </a:r>
-          </a:p>
-          <a:p>
-            <a:r>
-              <a:rPr lang="en-US" sz="2000" b="1" dirty="0" smtClean="0">
-                <a:latin typeface="Consolas" pitchFamily="49" charset="0"/>
-                <a:cs typeface="Consolas" pitchFamily="49" charset="0"/>
-              </a:rPr>
-              <a:t>               (rest </a:t>
-            </a:r>
-            <a:r>
-              <a:rPr lang="en-US" sz="2000" b="1" dirty="0" err="1" smtClean="0">
-                <a:latin typeface="Consolas" pitchFamily="49" charset="0"/>
-                <a:cs typeface="Consolas" pitchFamily="49" charset="0"/>
-              </a:rPr>
-              <a:t>lon</a:t>
-            </a:r>
-            <a:r>
-              <a:rPr lang="en-US" sz="2000" b="1" dirty="0" smtClean="0">
-                <a:latin typeface="Consolas" pitchFamily="49" charset="0"/>
-                <a:cs typeface="Consolas" pitchFamily="49" charset="0"/>
-              </a:rPr>
-              <a:t>)))]))</a:t>
             </a:r>
             <a:endParaRPr lang="en-US" sz="2000" b="1" dirty="0">
               <a:latin typeface="Consolas" pitchFamily="49" charset="0"/>
               <a:cs typeface="Consolas" pitchFamily="49" charset="0"/>
             </a:endParaRPr>
+          </a:p>
+          <a:p>
+            <a:r>
+              <a:rPr lang="en-US" sz="2000" b="1" dirty="0">
+                <a:latin typeface="Consolas" pitchFamily="49" charset="0"/>
+                <a:cs typeface="Consolas" pitchFamily="49" charset="0"/>
+              </a:rPr>
+              <a:t>      [(empty? </a:t>
+            </a:r>
+            <a:r>
+              <a:rPr lang="en-US" sz="2000" b="1" dirty="0" err="1">
+                <a:latin typeface="Consolas" pitchFamily="49" charset="0"/>
+                <a:cs typeface="Consolas" pitchFamily="49" charset="0"/>
+              </a:rPr>
+              <a:t>lon</a:t>
+            </a:r>
+            <a:r>
+              <a:rPr lang="en-US" sz="2000" b="1" dirty="0">
+                <a:latin typeface="Consolas" pitchFamily="49" charset="0"/>
+                <a:cs typeface="Consolas" pitchFamily="49" charset="0"/>
+              </a:rPr>
+              <a:t>) </a:t>
+            </a:r>
+            <a:r>
+              <a:rPr lang="en-US" sz="2000" b="1" dirty="0">
+                <a:solidFill>
+                  <a:srgbClr val="FF0000"/>
+                </a:solidFill>
+                <a:latin typeface="Consolas" pitchFamily="49" charset="0"/>
+                <a:cs typeface="Consolas" pitchFamily="49" charset="0"/>
+              </a:rPr>
+              <a:t>1</a:t>
+            </a:r>
+            <a:r>
+              <a:rPr lang="en-US" sz="2000" b="1" dirty="0">
+                <a:latin typeface="Consolas" pitchFamily="49" charset="0"/>
+                <a:cs typeface="Consolas" pitchFamily="49" charset="0"/>
+              </a:rPr>
+              <a:t>]</a:t>
+            </a:r>
+          </a:p>
+          <a:p>
+            <a:r>
+              <a:rPr lang="en-US" sz="2000" b="1" dirty="0">
+                <a:latin typeface="Consolas" pitchFamily="49" charset="0"/>
+                <a:cs typeface="Consolas" pitchFamily="49" charset="0"/>
+              </a:rPr>
+              <a:t>      [else (</a:t>
+            </a:r>
+            <a:r>
+              <a:rPr lang="en-US" sz="2000" b="1" dirty="0">
+                <a:solidFill>
+                  <a:schemeClr val="accent3"/>
+                </a:solidFill>
+                <a:latin typeface="Consolas" pitchFamily="49" charset="0"/>
+                <a:cs typeface="Consolas" pitchFamily="49" charset="0"/>
+              </a:rPr>
+              <a:t>*</a:t>
+            </a:r>
+          </a:p>
+          <a:p>
+            <a:r>
+              <a:rPr lang="en-US" sz="2000" b="1" dirty="0">
+                <a:latin typeface="Consolas" pitchFamily="49" charset="0"/>
+                <a:cs typeface="Consolas" pitchFamily="49" charset="0"/>
+              </a:rPr>
+              <a:t>              (first </a:t>
+            </a:r>
+            <a:r>
+              <a:rPr lang="en-US" sz="2000" b="1" dirty="0" err="1">
+                <a:latin typeface="Consolas" pitchFamily="49" charset="0"/>
+                <a:cs typeface="Consolas" pitchFamily="49" charset="0"/>
+              </a:rPr>
+              <a:t>lon</a:t>
+            </a:r>
+            <a:r>
+              <a:rPr lang="en-US" sz="2000" b="1" dirty="0">
+                <a:latin typeface="Consolas" pitchFamily="49" charset="0"/>
+                <a:cs typeface="Consolas" pitchFamily="49" charset="0"/>
+              </a:rPr>
+              <a:t>)</a:t>
+            </a:r>
+          </a:p>
+          <a:p>
+            <a:r>
+              <a:rPr lang="en-US" sz="2000" b="1" dirty="0">
+                <a:latin typeface="Consolas" pitchFamily="49" charset="0"/>
+                <a:cs typeface="Consolas" pitchFamily="49" charset="0"/>
+              </a:rPr>
+              <a:t>              (product</a:t>
+            </a:r>
+          </a:p>
+          <a:p>
+            <a:r>
+              <a:rPr lang="en-US" sz="2000" b="1" dirty="0">
+                <a:latin typeface="Consolas" pitchFamily="49" charset="0"/>
+                <a:cs typeface="Consolas" pitchFamily="49" charset="0"/>
+              </a:rPr>
+              <a:t>               (rest </a:t>
+            </a:r>
+            <a:r>
+              <a:rPr lang="en-US" sz="2000" b="1" dirty="0" err="1">
+                <a:latin typeface="Consolas" pitchFamily="49" charset="0"/>
+                <a:cs typeface="Consolas" pitchFamily="49" charset="0"/>
+              </a:rPr>
+              <a:t>lon</a:t>
+            </a:r>
+            <a:r>
+              <a:rPr lang="en-US" sz="2000" b="1" dirty="0">
+                <a:latin typeface="Consolas" pitchFamily="49" charset="0"/>
+                <a:cs typeface="Consolas" pitchFamily="49" charset="0"/>
+              </a:rPr>
+              <a:t>)))]))</a:t>
+            </a:r>
           </a:p>
         </p:txBody>
       </p:sp>
@@ -19376,7 +18953,7 @@
           <a:lstStyle/>
           <a:p>
             <a:pPr algn="ctr"/>
-            <a:endParaRPr lang="en-US" dirty="0" smtClean="0">
+            <a:endParaRPr lang="en-US" dirty="0">
               <a:solidFill>
                 <a:schemeClr val="tx1"/>
               </a:solidFill>
@@ -19428,7 +19005,7 @@
           <a:lstStyle/>
           <a:p>
             <a:pPr algn="ctr"/>
-            <a:endParaRPr lang="en-US" dirty="0" smtClean="0">
+            <a:endParaRPr lang="en-US" dirty="0">
               <a:solidFill>
                 <a:schemeClr val="tx1"/>
               </a:solidFill>
@@ -19670,10 +19247,9 @@
           <a:lstStyle/>
           <a:p>
             <a:r>
-              <a:rPr lang="en-US" dirty="0" smtClean="0"/>
+              <a:rPr lang="en-US" dirty="0"/>
               <a:t>Let's generalize these</a:t>
             </a:r>
-            <a:endParaRPr lang="en-US" dirty="0"/>
           </a:p>
         </p:txBody>
       </p:sp>
@@ -19708,15 +19284,7 @@
             </a:r>
             <a:r>
               <a:rPr lang="en-US" dirty="0"/>
-              <a:t> </a:t>
-            </a:r>
-            <a:r>
-              <a:rPr lang="en-US" dirty="0" smtClean="0"/>
-              <a:t>can be </a:t>
-            </a:r>
-            <a:r>
-              <a:rPr lang="en-US" dirty="0"/>
-              <a:t>generalized to a function we call </a:t>
+              <a:t> can be generalized to a function we call </a:t>
             </a:r>
             <a:r>
               <a:rPr lang="en-US" b="1" dirty="0"/>
@@ -19748,21 +19316,16 @@
             </a:r>
             <a:r>
               <a:rPr lang="en-US" dirty="0"/>
-              <a:t> is </a:t>
-            </a:r>
-            <a:r>
-              <a:rPr lang="en-US" dirty="0" smtClean="0"/>
-              <a:t>using the template for </a:t>
-            </a:r>
-            <a:r>
-              <a:rPr lang="en-US" dirty="0" err="1" smtClean="0"/>
+              <a:t> is using the template for </a:t>
+            </a:r>
+            <a:r>
+              <a:rPr lang="en-US" dirty="0" err="1"/>
               <a:t>ListOfX</a:t>
             </a:r>
             <a:r>
-              <a:rPr lang="en-US" dirty="0" smtClean="0"/>
+              <a:rPr lang="en-US" dirty="0"/>
               <a:t> on its list argument.</a:t>
             </a:r>
-            <a:endParaRPr lang="en-US" dirty="0"/>
           </a:p>
           <a:p>
             <a:r>
@@ -19831,21 +19394,16 @@
             </a:r>
             <a:r>
               <a:rPr lang="en-US" dirty="0"/>
-              <a:t> is </a:t>
-            </a:r>
-            <a:r>
-              <a:rPr lang="en-US" dirty="0" smtClean="0"/>
-              <a:t>"Use HOF </a:t>
-            </a:r>
-            <a:r>
-              <a:rPr lang="en-US" dirty="0" err="1" smtClean="0"/>
+              <a:t> is "Use HOF </a:t>
+            </a:r>
+            <a:r>
+              <a:rPr lang="en-US" dirty="0" err="1"/>
               <a:t>foldr</a:t>
             </a:r>
             <a:r>
-              <a:rPr lang="en-US" dirty="0" smtClean="0"/>
-              <a:t>".</a:t>
-            </a:r>
-            <a:endParaRPr lang="en-US" dirty="0"/>
+              <a:rPr lang="en-US" dirty="0"/>
+              <a:t> on ...".</a:t>
+            </a:r>
           </a:p>
           <a:p>
             <a:r>
@@ -19866,19 +19424,14 @@
             </a:r>
             <a:r>
               <a:rPr lang="en-US" dirty="0"/>
-              <a:t> is already defined in ISL, so you don't need to write out the definition</a:t>
-            </a:r>
-            <a:r>
-              <a:rPr lang="en-US" dirty="0" smtClean="0"/>
-              <a:t>.</a:t>
-            </a:r>
-          </a:p>
-          <a:p>
-            <a:r>
-              <a:rPr lang="en-US" dirty="0" smtClean="0"/>
+              <a:t> is already defined in ISL, so you don't need to write out the definition.</a:t>
+            </a:r>
+          </a:p>
+          <a:p>
+            <a:r>
+              <a:rPr lang="en-US" dirty="0"/>
               <a:t>Let's look at the code:</a:t>
             </a:r>
-            <a:endParaRPr lang="en-US" dirty="0"/>
           </a:p>
           <a:p>
             <a:endParaRPr lang="en-US" dirty="0"/>
@@ -19919,13 +19472,6 @@
   <p:clrMapOvr>
     <a:masterClrMapping/>
   </p:clrMapOvr>
-  <p:timing>
-    <p:tnLst>
-      <p:par>
-        <p:cTn id="1" dur="indefinite" restart="never" nodeType="tmRoot"/>
-      </p:par>
-    </p:tnLst>
-  </p:timing>
 </p:sld>
 </file>
 
@@ -19964,10 +19510,9 @@
           <a:lstStyle/>
           <a:p>
             <a:r>
-              <a:rPr lang="en-US" dirty="0" smtClean="0"/>
+              <a:rPr lang="en-US" dirty="0"/>
               <a:t>Create two new arguments for the two differences.  </a:t>
             </a:r>
-            <a:endParaRPr lang="en-US" dirty="0"/>
           </a:p>
         </p:txBody>
       </p:sp>
@@ -20017,21 +19562,21 @@
           <a:lstStyle/>
           <a:p>
             <a:r>
-              <a:rPr lang="en-US" sz="2400" b="1" dirty="0" smtClean="0">
+              <a:rPr lang="en-US" sz="2400" b="1" dirty="0">
                 <a:latin typeface="Courier New" pitchFamily="49" charset="0"/>
                 <a:cs typeface="Courier New" pitchFamily="49" charset="0"/>
               </a:rPr>
               <a:t> </a:t>
             </a:r>
             <a:r>
-              <a:rPr lang="en-US" sz="2400" b="1" dirty="0" smtClean="0">
+              <a:rPr lang="en-US" sz="2400" b="1" dirty="0">
                 <a:latin typeface="Consolas" pitchFamily="49" charset="0"/>
                 <a:cs typeface="Consolas" pitchFamily="49" charset="0"/>
               </a:rPr>
               <a:t>(define (foldr </a:t>
             </a:r>
             <a:r>
-              <a:rPr lang="en-US" sz="2400" b="1" dirty="0" err="1" smtClean="0">
+              <a:rPr lang="en-US" sz="2400" b="1" dirty="0" err="1">
                 <a:solidFill>
                   <a:schemeClr val="accent3"/>
                 </a:solidFill>
@@ -20041,7 +19586,7 @@
               <a:t>fcn</a:t>
             </a:r>
             <a:r>
-              <a:rPr lang="en-US" sz="2400" b="1" dirty="0" smtClean="0">
+              <a:rPr lang="en-US" sz="2400" b="1" dirty="0">
                 <a:solidFill>
                   <a:schemeClr val="accent3"/>
                 </a:solidFill>
@@ -20051,7 +19596,7 @@
               <a:t> </a:t>
             </a:r>
             <a:r>
-              <a:rPr lang="en-US" sz="2400" b="1" dirty="0" err="1" smtClean="0">
+              <a:rPr lang="en-US" sz="2400" b="1" dirty="0" err="1">
                 <a:solidFill>
                   <a:srgbClr val="FF0000"/>
                 </a:solidFill>
@@ -20061,7 +19606,7 @@
               <a:t>val</a:t>
             </a:r>
             <a:r>
-              <a:rPr lang="en-US" sz="2400" b="1" dirty="0" smtClean="0">
+              <a:rPr lang="en-US" sz="2400" b="1" dirty="0">
                 <a:solidFill>
                   <a:srgbClr val="FF0000"/>
                 </a:solidFill>
@@ -20071,14 +19616,14 @@
               <a:t> </a:t>
             </a:r>
             <a:r>
-              <a:rPr lang="en-US" sz="2400" b="1" dirty="0" err="1" smtClean="0">
+              <a:rPr lang="en-US" sz="2400" b="1" dirty="0" err="1">
                 <a:latin typeface="Consolas" pitchFamily="49" charset="0"/>
                 <a:cs typeface="Consolas" pitchFamily="49" charset="0"/>
               </a:rPr>
               <a:t>lon</a:t>
             </a:r>
             <a:r>
-              <a:rPr lang="en-US" sz="2400" b="1" dirty="0" smtClean="0">
+              <a:rPr lang="en-US" sz="2400" b="1" dirty="0">
                 <a:latin typeface="Consolas" pitchFamily="49" charset="0"/>
                 <a:cs typeface="Consolas" pitchFamily="49" charset="0"/>
               </a:rPr>
@@ -20087,345 +19632,334 @@
           </a:p>
           <a:p>
             <a:r>
-              <a:rPr lang="en-US" sz="2400" b="1" dirty="0" smtClean="0">
+              <a:rPr lang="en-US" sz="2400" b="1" dirty="0">
                 <a:latin typeface="Consolas" pitchFamily="49" charset="0"/>
                 <a:cs typeface="Consolas" pitchFamily="49" charset="0"/>
               </a:rPr>
               <a:t>    (</a:t>
             </a:r>
             <a:r>
-              <a:rPr lang="en-US" sz="2400" b="1" dirty="0" err="1" smtClean="0">
+              <a:rPr lang="en-US" sz="2400" b="1" dirty="0" err="1">
                 <a:latin typeface="Consolas" pitchFamily="49" charset="0"/>
                 <a:cs typeface="Consolas" pitchFamily="49" charset="0"/>
               </a:rPr>
               <a:t>cond</a:t>
-            </a:r>
-            <a:endParaRPr lang="en-US" sz="2400" b="1" dirty="0" smtClean="0">
-              <a:latin typeface="Consolas" pitchFamily="49" charset="0"/>
-              <a:cs typeface="Consolas" pitchFamily="49" charset="0"/>
-            </a:endParaRPr>
-          </a:p>
-          <a:p>
-            <a:r>
-              <a:rPr lang="en-US" sz="2400" b="1" dirty="0" smtClean="0">
-                <a:latin typeface="Consolas" pitchFamily="49" charset="0"/>
-                <a:cs typeface="Consolas" pitchFamily="49" charset="0"/>
-              </a:rPr>
-              <a:t>      [(empty? </a:t>
-            </a:r>
-            <a:r>
-              <a:rPr lang="en-US" sz="2400" b="1" dirty="0" err="1" smtClean="0">
-                <a:latin typeface="Consolas" pitchFamily="49" charset="0"/>
-                <a:cs typeface="Consolas" pitchFamily="49" charset="0"/>
-              </a:rPr>
-              <a:t>lon</a:t>
-            </a:r>
-            <a:r>
-              <a:rPr lang="en-US" sz="2400" b="1" dirty="0" smtClean="0">
-                <a:latin typeface="Consolas" pitchFamily="49" charset="0"/>
-                <a:cs typeface="Consolas" pitchFamily="49" charset="0"/>
-              </a:rPr>
-              <a:t>) </a:t>
-            </a:r>
-            <a:r>
-              <a:rPr lang="en-US" sz="2400" b="1" dirty="0" err="1" smtClean="0">
-                <a:solidFill>
-                  <a:srgbClr val="FF0000"/>
-                </a:solidFill>
-                <a:latin typeface="Consolas" pitchFamily="49" charset="0"/>
-                <a:cs typeface="Consolas" pitchFamily="49" charset="0"/>
-              </a:rPr>
-              <a:t>val</a:t>
-            </a:r>
-            <a:r>
-              <a:rPr lang="en-US" sz="2400" b="1" dirty="0" smtClean="0">
-                <a:latin typeface="Consolas" pitchFamily="49" charset="0"/>
-                <a:cs typeface="Consolas" pitchFamily="49" charset="0"/>
-              </a:rPr>
-              <a:t>]</a:t>
-            </a:r>
-          </a:p>
-          <a:p>
-            <a:r>
-              <a:rPr lang="en-US" sz="2400" b="1" dirty="0" smtClean="0">
-                <a:latin typeface="Consolas" pitchFamily="49" charset="0"/>
-                <a:cs typeface="Consolas" pitchFamily="49" charset="0"/>
-              </a:rPr>
-              <a:t>      [else (</a:t>
-            </a:r>
-            <a:r>
-              <a:rPr lang="en-US" sz="2400" b="1" dirty="0" err="1" smtClean="0">
-                <a:solidFill>
-                  <a:schemeClr val="accent3"/>
-                </a:solidFill>
-                <a:latin typeface="Consolas" pitchFamily="49" charset="0"/>
-                <a:cs typeface="Consolas" pitchFamily="49" charset="0"/>
-              </a:rPr>
-              <a:t>fcn</a:t>
-            </a:r>
-            <a:r>
-              <a:rPr lang="en-US" sz="2400" b="1" dirty="0" smtClean="0">
-                <a:solidFill>
-                  <a:schemeClr val="accent3"/>
-                </a:solidFill>
-                <a:latin typeface="Consolas" pitchFamily="49" charset="0"/>
-                <a:cs typeface="Consolas" pitchFamily="49" charset="0"/>
-              </a:rPr>
-              <a:t> </a:t>
-            </a:r>
-          </a:p>
-          <a:p>
-            <a:r>
-              <a:rPr lang="en-US" sz="2400" b="1" dirty="0" smtClean="0">
-                <a:latin typeface="Consolas" pitchFamily="49" charset="0"/>
-                <a:cs typeface="Consolas" pitchFamily="49" charset="0"/>
-              </a:rPr>
-              <a:t>              (first </a:t>
-            </a:r>
-            <a:r>
-              <a:rPr lang="en-US" sz="2400" b="1" dirty="0" err="1" smtClean="0">
-                <a:latin typeface="Consolas" pitchFamily="49" charset="0"/>
-                <a:cs typeface="Consolas" pitchFamily="49" charset="0"/>
-              </a:rPr>
-              <a:t>lon</a:t>
-            </a:r>
-            <a:r>
-              <a:rPr lang="en-US" sz="2400" b="1" dirty="0" smtClean="0">
-                <a:latin typeface="Consolas" pitchFamily="49" charset="0"/>
-                <a:cs typeface="Consolas" pitchFamily="49" charset="0"/>
-              </a:rPr>
-              <a:t>)</a:t>
-            </a:r>
-          </a:p>
-          <a:p>
-            <a:r>
-              <a:rPr lang="en-US" sz="2400" b="1" dirty="0" smtClean="0">
-                <a:latin typeface="Consolas" pitchFamily="49" charset="0"/>
-                <a:cs typeface="Consolas" pitchFamily="49" charset="0"/>
-              </a:rPr>
-              <a:t>              (foldr </a:t>
-            </a:r>
-            <a:r>
-              <a:rPr lang="en-US" sz="2400" b="1" dirty="0" err="1" smtClean="0">
-                <a:latin typeface="Consolas" pitchFamily="49" charset="0"/>
-                <a:cs typeface="Consolas" pitchFamily="49" charset="0"/>
-              </a:rPr>
-              <a:t>fcn</a:t>
-            </a:r>
-            <a:r>
-              <a:rPr lang="en-US" sz="2400" b="1" dirty="0" smtClean="0">
-                <a:latin typeface="Consolas" pitchFamily="49" charset="0"/>
-                <a:cs typeface="Consolas" pitchFamily="49" charset="0"/>
-              </a:rPr>
-              <a:t> </a:t>
-            </a:r>
-            <a:r>
-              <a:rPr lang="en-US" sz="2400" b="1" dirty="0" err="1" smtClean="0">
-                <a:latin typeface="Consolas" pitchFamily="49" charset="0"/>
-                <a:cs typeface="Consolas" pitchFamily="49" charset="0"/>
-              </a:rPr>
-              <a:t>val</a:t>
-            </a:r>
-            <a:r>
-              <a:rPr lang="en-US" sz="2400" b="1" dirty="0" smtClean="0">
-                <a:latin typeface="Consolas" pitchFamily="49" charset="0"/>
-                <a:cs typeface="Consolas" pitchFamily="49" charset="0"/>
-              </a:rPr>
-              <a:t> (rest </a:t>
-            </a:r>
-            <a:r>
-              <a:rPr lang="en-US" sz="2400" b="1" dirty="0" err="1" smtClean="0">
-                <a:latin typeface="Consolas" pitchFamily="49" charset="0"/>
-                <a:cs typeface="Consolas" pitchFamily="49" charset="0"/>
-              </a:rPr>
-              <a:t>lon</a:t>
-            </a:r>
-            <a:r>
-              <a:rPr lang="en-US" sz="2400" b="1" dirty="0" smtClean="0">
-                <a:latin typeface="Consolas" pitchFamily="49" charset="0"/>
-                <a:cs typeface="Consolas" pitchFamily="49" charset="0"/>
-              </a:rPr>
-              <a:t>)))]))</a:t>
-            </a:r>
-          </a:p>
-          <a:p>
-            <a:endParaRPr lang="en-US" sz="2400" b="1" dirty="0" smtClean="0">
-              <a:latin typeface="Consolas" pitchFamily="49" charset="0"/>
-              <a:cs typeface="Consolas" pitchFamily="49" charset="0"/>
-            </a:endParaRPr>
-          </a:p>
-          <a:p>
-            <a:r>
-              <a:rPr lang="en-US" sz="2400" b="1" dirty="0" smtClean="0">
-                <a:latin typeface="Consolas" pitchFamily="49" charset="0"/>
-                <a:cs typeface="Consolas" pitchFamily="49" charset="0"/>
-              </a:rPr>
-              <a:t> ;; strategy: </a:t>
-            </a:r>
-            <a:r>
-              <a:rPr lang="en-US" sz="2400" b="1" dirty="0" smtClean="0">
-                <a:latin typeface="Consolas" pitchFamily="49" charset="0"/>
-                <a:cs typeface="Consolas" pitchFamily="49" charset="0"/>
-              </a:rPr>
-              <a:t>Use HOF </a:t>
-            </a:r>
-            <a:r>
-              <a:rPr lang="en-US" sz="2400" b="1" dirty="0" err="1" smtClean="0">
-                <a:latin typeface="Consolas" pitchFamily="49" charset="0"/>
-                <a:cs typeface="Consolas" pitchFamily="49" charset="0"/>
-              </a:rPr>
-              <a:t>foldr</a:t>
-            </a:r>
-            <a:r>
-              <a:rPr lang="en-US" sz="2400" b="1" dirty="0" smtClean="0">
-                <a:latin typeface="Consolas" pitchFamily="49" charset="0"/>
-                <a:cs typeface="Consolas" pitchFamily="49" charset="0"/>
-              </a:rPr>
-              <a:t> on </a:t>
-            </a:r>
-            <a:r>
-              <a:rPr lang="en-US" sz="2400" b="1" dirty="0" err="1" smtClean="0">
-                <a:latin typeface="Consolas" pitchFamily="49" charset="0"/>
-                <a:cs typeface="Consolas" pitchFamily="49" charset="0"/>
-              </a:rPr>
-              <a:t>lon</a:t>
-            </a:r>
-            <a:endParaRPr lang="en-US" sz="2400" b="1" dirty="0" smtClean="0">
-              <a:latin typeface="Consolas" pitchFamily="49" charset="0"/>
-              <a:cs typeface="Consolas" pitchFamily="49" charset="0"/>
-            </a:endParaRPr>
-          </a:p>
-          <a:p>
-            <a:r>
-              <a:rPr lang="en-US" sz="2400" b="1" dirty="0" smtClean="0">
-                <a:latin typeface="Consolas" pitchFamily="49" charset="0"/>
-                <a:cs typeface="Consolas" pitchFamily="49" charset="0"/>
-              </a:rPr>
-              <a:t> (define (sum </a:t>
-            </a:r>
-            <a:r>
-              <a:rPr lang="en-US" sz="2400" b="1" dirty="0" err="1" smtClean="0">
-                <a:latin typeface="Consolas" pitchFamily="49" charset="0"/>
-                <a:cs typeface="Consolas" pitchFamily="49" charset="0"/>
-              </a:rPr>
-              <a:t>lon</a:t>
-            </a:r>
-            <a:r>
-              <a:rPr lang="en-US" sz="2400" b="1" dirty="0" smtClean="0">
-                <a:latin typeface="Consolas" pitchFamily="49" charset="0"/>
-                <a:cs typeface="Consolas" pitchFamily="49" charset="0"/>
-              </a:rPr>
-              <a:t>) (foldr </a:t>
-            </a:r>
-            <a:r>
-              <a:rPr lang="en-US" sz="2400" b="1" dirty="0" smtClean="0">
-                <a:solidFill>
-                  <a:schemeClr val="accent3"/>
-                </a:solidFill>
-                <a:latin typeface="Consolas" pitchFamily="49" charset="0"/>
-                <a:cs typeface="Consolas" pitchFamily="49" charset="0"/>
-              </a:rPr>
-              <a:t>+</a:t>
-            </a:r>
-            <a:r>
-              <a:rPr lang="en-US" sz="2400" b="1" dirty="0" smtClean="0">
-                <a:latin typeface="Consolas" pitchFamily="49" charset="0"/>
-                <a:cs typeface="Consolas" pitchFamily="49" charset="0"/>
-              </a:rPr>
-              <a:t> </a:t>
-            </a:r>
-            <a:r>
-              <a:rPr lang="en-US" sz="2400" b="1" dirty="0" smtClean="0">
-                <a:solidFill>
-                  <a:srgbClr val="FF0000"/>
-                </a:solidFill>
-                <a:latin typeface="Consolas" pitchFamily="49" charset="0"/>
-                <a:cs typeface="Consolas" pitchFamily="49" charset="0"/>
-              </a:rPr>
-              <a:t>0</a:t>
-            </a:r>
-            <a:r>
-              <a:rPr lang="en-US" sz="2400" b="1" dirty="0" smtClean="0">
-                <a:latin typeface="Consolas" pitchFamily="49" charset="0"/>
-                <a:cs typeface="Consolas" pitchFamily="49" charset="0"/>
-              </a:rPr>
-              <a:t> </a:t>
-            </a:r>
-            <a:r>
-              <a:rPr lang="en-US" sz="2400" b="1" dirty="0" err="1" smtClean="0">
-                <a:latin typeface="Consolas" pitchFamily="49" charset="0"/>
-                <a:cs typeface="Consolas" pitchFamily="49" charset="0"/>
-              </a:rPr>
-              <a:t>lon</a:t>
-            </a:r>
-            <a:r>
-              <a:rPr lang="en-US" sz="2400" b="1" dirty="0" smtClean="0">
-                <a:latin typeface="Consolas" pitchFamily="49" charset="0"/>
-                <a:cs typeface="Consolas" pitchFamily="49" charset="0"/>
-              </a:rPr>
-              <a:t>))</a:t>
-            </a:r>
-          </a:p>
-          <a:p>
-            <a:r>
-              <a:rPr lang="en-US" sz="2400" b="1" dirty="0" smtClean="0">
-                <a:latin typeface="Consolas" pitchFamily="49" charset="0"/>
-                <a:cs typeface="Consolas" pitchFamily="49" charset="0"/>
-              </a:rPr>
-              <a:t> (define (product </a:t>
-            </a:r>
-            <a:r>
-              <a:rPr lang="en-US" sz="2400" b="1" dirty="0" err="1" smtClean="0">
-                <a:latin typeface="Consolas" pitchFamily="49" charset="0"/>
-                <a:cs typeface="Consolas" pitchFamily="49" charset="0"/>
-              </a:rPr>
-              <a:t>lon</a:t>
-            </a:r>
-            <a:r>
-              <a:rPr lang="en-US" sz="2400" b="1" dirty="0" smtClean="0">
-                <a:latin typeface="Consolas" pitchFamily="49" charset="0"/>
-                <a:cs typeface="Consolas" pitchFamily="49" charset="0"/>
-              </a:rPr>
-              <a:t>) (foldr </a:t>
-            </a:r>
-            <a:r>
-              <a:rPr lang="en-US" sz="2400" b="1" dirty="0" smtClean="0">
-                <a:solidFill>
-                  <a:schemeClr val="accent3"/>
-                </a:solidFill>
-                <a:latin typeface="Consolas" pitchFamily="49" charset="0"/>
-                <a:cs typeface="Consolas" pitchFamily="49" charset="0"/>
-              </a:rPr>
-              <a:t>* </a:t>
-            </a:r>
-            <a:r>
-              <a:rPr lang="en-US" sz="2400" b="1" dirty="0" smtClean="0">
-                <a:solidFill>
-                  <a:srgbClr val="FF0000"/>
-                </a:solidFill>
-                <a:latin typeface="Consolas" pitchFamily="49" charset="0"/>
-                <a:cs typeface="Consolas" pitchFamily="49" charset="0"/>
-              </a:rPr>
-              <a:t>1 </a:t>
-            </a:r>
-            <a:r>
-              <a:rPr lang="en-US" sz="2400" b="1" dirty="0" err="1" smtClean="0">
-                <a:latin typeface="Consolas" pitchFamily="49" charset="0"/>
-                <a:cs typeface="Consolas" pitchFamily="49" charset="0"/>
-              </a:rPr>
-              <a:t>lon</a:t>
-            </a:r>
-            <a:r>
-              <a:rPr lang="en-US" sz="2400" b="1" dirty="0" smtClean="0">
-                <a:latin typeface="Consolas" pitchFamily="49" charset="0"/>
-                <a:cs typeface="Consolas" pitchFamily="49" charset="0"/>
-              </a:rPr>
-              <a:t>))</a:t>
             </a:r>
             <a:endParaRPr lang="en-US" sz="2400" b="1" dirty="0">
               <a:latin typeface="Consolas" pitchFamily="49" charset="0"/>
               <a:cs typeface="Consolas" pitchFamily="49" charset="0"/>
             </a:endParaRPr>
+          </a:p>
+          <a:p>
+            <a:r>
+              <a:rPr lang="en-US" sz="2400" b="1" dirty="0">
+                <a:latin typeface="Consolas" pitchFamily="49" charset="0"/>
+                <a:cs typeface="Consolas" pitchFamily="49" charset="0"/>
+              </a:rPr>
+              <a:t>      [(empty? </a:t>
+            </a:r>
+            <a:r>
+              <a:rPr lang="en-US" sz="2400" b="1" dirty="0" err="1">
+                <a:latin typeface="Consolas" pitchFamily="49" charset="0"/>
+                <a:cs typeface="Consolas" pitchFamily="49" charset="0"/>
+              </a:rPr>
+              <a:t>lon</a:t>
+            </a:r>
+            <a:r>
+              <a:rPr lang="en-US" sz="2400" b="1" dirty="0">
+                <a:latin typeface="Consolas" pitchFamily="49" charset="0"/>
+                <a:cs typeface="Consolas" pitchFamily="49" charset="0"/>
+              </a:rPr>
+              <a:t>) </a:t>
+            </a:r>
+            <a:r>
+              <a:rPr lang="en-US" sz="2400" b="1" dirty="0" err="1">
+                <a:solidFill>
+                  <a:srgbClr val="FF0000"/>
+                </a:solidFill>
+                <a:latin typeface="Consolas" pitchFamily="49" charset="0"/>
+                <a:cs typeface="Consolas" pitchFamily="49" charset="0"/>
+              </a:rPr>
+              <a:t>val</a:t>
+            </a:r>
+            <a:r>
+              <a:rPr lang="en-US" sz="2400" b="1" dirty="0">
+                <a:latin typeface="Consolas" pitchFamily="49" charset="0"/>
+                <a:cs typeface="Consolas" pitchFamily="49" charset="0"/>
+              </a:rPr>
+              <a:t>]</a:t>
+            </a:r>
+          </a:p>
+          <a:p>
+            <a:r>
+              <a:rPr lang="en-US" sz="2400" b="1" dirty="0">
+                <a:latin typeface="Consolas" pitchFamily="49" charset="0"/>
+                <a:cs typeface="Consolas" pitchFamily="49" charset="0"/>
+              </a:rPr>
+              <a:t>      [else (</a:t>
+            </a:r>
+            <a:r>
+              <a:rPr lang="en-US" sz="2400" b="1" dirty="0" err="1">
+                <a:solidFill>
+                  <a:schemeClr val="accent3"/>
+                </a:solidFill>
+                <a:latin typeface="Consolas" pitchFamily="49" charset="0"/>
+                <a:cs typeface="Consolas" pitchFamily="49" charset="0"/>
+              </a:rPr>
+              <a:t>fcn</a:t>
+            </a:r>
+            <a:r>
+              <a:rPr lang="en-US" sz="2400" b="1" dirty="0">
+                <a:solidFill>
+                  <a:schemeClr val="accent3"/>
+                </a:solidFill>
+                <a:latin typeface="Consolas" pitchFamily="49" charset="0"/>
+                <a:cs typeface="Consolas" pitchFamily="49" charset="0"/>
+              </a:rPr>
+              <a:t> </a:t>
+            </a:r>
+          </a:p>
+          <a:p>
+            <a:r>
+              <a:rPr lang="en-US" sz="2400" b="1" dirty="0">
+                <a:latin typeface="Consolas" pitchFamily="49" charset="0"/>
+                <a:cs typeface="Consolas" pitchFamily="49" charset="0"/>
+              </a:rPr>
+              <a:t>              (first </a:t>
+            </a:r>
+            <a:r>
+              <a:rPr lang="en-US" sz="2400" b="1" dirty="0" err="1">
+                <a:latin typeface="Consolas" pitchFamily="49" charset="0"/>
+                <a:cs typeface="Consolas" pitchFamily="49" charset="0"/>
+              </a:rPr>
+              <a:t>lon</a:t>
+            </a:r>
+            <a:r>
+              <a:rPr lang="en-US" sz="2400" b="1" dirty="0">
+                <a:latin typeface="Consolas" pitchFamily="49" charset="0"/>
+                <a:cs typeface="Consolas" pitchFamily="49" charset="0"/>
+              </a:rPr>
+              <a:t>)</a:t>
+            </a:r>
+          </a:p>
+          <a:p>
+            <a:r>
+              <a:rPr lang="en-US" sz="2400" b="1" dirty="0">
+                <a:latin typeface="Consolas" pitchFamily="49" charset="0"/>
+                <a:cs typeface="Consolas" pitchFamily="49" charset="0"/>
+              </a:rPr>
+              <a:t>              (foldr </a:t>
+            </a:r>
+            <a:r>
+              <a:rPr lang="en-US" sz="2400" b="1" dirty="0" err="1">
+                <a:latin typeface="Consolas" pitchFamily="49" charset="0"/>
+                <a:cs typeface="Consolas" pitchFamily="49" charset="0"/>
+              </a:rPr>
+              <a:t>fcn</a:t>
+            </a:r>
+            <a:r>
+              <a:rPr lang="en-US" sz="2400" b="1" dirty="0">
+                <a:latin typeface="Consolas" pitchFamily="49" charset="0"/>
+                <a:cs typeface="Consolas" pitchFamily="49" charset="0"/>
+              </a:rPr>
+              <a:t> </a:t>
+            </a:r>
+            <a:r>
+              <a:rPr lang="en-US" sz="2400" b="1" dirty="0" err="1">
+                <a:latin typeface="Consolas" pitchFamily="49" charset="0"/>
+                <a:cs typeface="Consolas" pitchFamily="49" charset="0"/>
+              </a:rPr>
+              <a:t>val</a:t>
+            </a:r>
+            <a:r>
+              <a:rPr lang="en-US" sz="2400" b="1" dirty="0">
+                <a:latin typeface="Consolas" pitchFamily="49" charset="0"/>
+                <a:cs typeface="Consolas" pitchFamily="49" charset="0"/>
+              </a:rPr>
+              <a:t> (rest </a:t>
+            </a:r>
+            <a:r>
+              <a:rPr lang="en-US" sz="2400" b="1" dirty="0" err="1">
+                <a:latin typeface="Consolas" pitchFamily="49" charset="0"/>
+                <a:cs typeface="Consolas" pitchFamily="49" charset="0"/>
+              </a:rPr>
+              <a:t>lon</a:t>
+            </a:r>
+            <a:r>
+              <a:rPr lang="en-US" sz="2400" b="1" dirty="0">
+                <a:latin typeface="Consolas" pitchFamily="49" charset="0"/>
+                <a:cs typeface="Consolas" pitchFamily="49" charset="0"/>
+              </a:rPr>
+              <a:t>)))]))</a:t>
+            </a:r>
+          </a:p>
+          <a:p>
+            <a:endParaRPr lang="en-US" sz="2400" b="1" dirty="0">
+              <a:latin typeface="Consolas" pitchFamily="49" charset="0"/>
+              <a:cs typeface="Consolas" pitchFamily="49" charset="0"/>
+            </a:endParaRPr>
+          </a:p>
+          <a:p>
+            <a:r>
+              <a:rPr lang="en-US" sz="2400" b="1" dirty="0">
+                <a:latin typeface="Consolas" pitchFamily="49" charset="0"/>
+                <a:cs typeface="Consolas" pitchFamily="49" charset="0"/>
+              </a:rPr>
+              <a:t> ;; strategy: Use HOF </a:t>
+            </a:r>
+            <a:r>
+              <a:rPr lang="en-US" sz="2400" b="1" dirty="0" err="1">
+                <a:latin typeface="Consolas" pitchFamily="49" charset="0"/>
+                <a:cs typeface="Consolas" pitchFamily="49" charset="0"/>
+              </a:rPr>
+              <a:t>foldr</a:t>
+            </a:r>
+            <a:r>
+              <a:rPr lang="en-US" sz="2400" b="1" dirty="0">
+                <a:latin typeface="Consolas" pitchFamily="49" charset="0"/>
+                <a:cs typeface="Consolas" pitchFamily="49" charset="0"/>
+              </a:rPr>
+              <a:t> on </a:t>
+            </a:r>
+            <a:r>
+              <a:rPr lang="en-US" sz="2400" b="1" dirty="0" err="1">
+                <a:latin typeface="Consolas" pitchFamily="49" charset="0"/>
+                <a:cs typeface="Consolas" pitchFamily="49" charset="0"/>
+              </a:rPr>
+              <a:t>lon</a:t>
+            </a:r>
+            <a:endParaRPr lang="en-US" sz="2400" b="1" dirty="0">
+              <a:latin typeface="Consolas" pitchFamily="49" charset="0"/>
+              <a:cs typeface="Consolas" pitchFamily="49" charset="0"/>
+            </a:endParaRPr>
+          </a:p>
+          <a:p>
+            <a:r>
+              <a:rPr lang="en-US" sz="2400" b="1" dirty="0">
+                <a:latin typeface="Consolas" pitchFamily="49" charset="0"/>
+                <a:cs typeface="Consolas" pitchFamily="49" charset="0"/>
+              </a:rPr>
+              <a:t> (define (sum </a:t>
+            </a:r>
+            <a:r>
+              <a:rPr lang="en-US" sz="2400" b="1" dirty="0" err="1">
+                <a:latin typeface="Consolas" pitchFamily="49" charset="0"/>
+                <a:cs typeface="Consolas" pitchFamily="49" charset="0"/>
+              </a:rPr>
+              <a:t>lon</a:t>
+            </a:r>
+            <a:r>
+              <a:rPr lang="en-US" sz="2400" b="1" dirty="0">
+                <a:latin typeface="Consolas" pitchFamily="49" charset="0"/>
+                <a:cs typeface="Consolas" pitchFamily="49" charset="0"/>
+              </a:rPr>
+              <a:t>) (foldr </a:t>
+            </a:r>
+            <a:r>
+              <a:rPr lang="en-US" sz="2400" b="1" dirty="0">
+                <a:solidFill>
+                  <a:schemeClr val="accent3"/>
+                </a:solidFill>
+                <a:latin typeface="Consolas" pitchFamily="49" charset="0"/>
+                <a:cs typeface="Consolas" pitchFamily="49" charset="0"/>
+              </a:rPr>
+              <a:t>+</a:t>
+            </a:r>
+            <a:r>
+              <a:rPr lang="en-US" sz="2400" b="1" dirty="0">
+                <a:latin typeface="Consolas" pitchFamily="49" charset="0"/>
+                <a:cs typeface="Consolas" pitchFamily="49" charset="0"/>
+              </a:rPr>
+              <a:t> </a:t>
+            </a:r>
+            <a:r>
+              <a:rPr lang="en-US" sz="2400" b="1" dirty="0">
+                <a:solidFill>
+                  <a:srgbClr val="FF0000"/>
+                </a:solidFill>
+                <a:latin typeface="Consolas" pitchFamily="49" charset="0"/>
+                <a:cs typeface="Consolas" pitchFamily="49" charset="0"/>
+              </a:rPr>
+              <a:t>0</a:t>
+            </a:r>
+            <a:r>
+              <a:rPr lang="en-US" sz="2400" b="1" dirty="0">
+                <a:latin typeface="Consolas" pitchFamily="49" charset="0"/>
+                <a:cs typeface="Consolas" pitchFamily="49" charset="0"/>
+              </a:rPr>
+              <a:t> </a:t>
+            </a:r>
+            <a:r>
+              <a:rPr lang="en-US" sz="2400" b="1" dirty="0" err="1">
+                <a:latin typeface="Consolas" pitchFamily="49" charset="0"/>
+                <a:cs typeface="Consolas" pitchFamily="49" charset="0"/>
+              </a:rPr>
+              <a:t>lon</a:t>
+            </a:r>
+            <a:r>
+              <a:rPr lang="en-US" sz="2400" b="1" dirty="0">
+                <a:latin typeface="Consolas" pitchFamily="49" charset="0"/>
+                <a:cs typeface="Consolas" pitchFamily="49" charset="0"/>
+              </a:rPr>
+              <a:t>))</a:t>
+            </a:r>
+          </a:p>
+          <a:p>
+            <a:r>
+              <a:rPr lang="en-US" sz="2400" b="1" dirty="0">
+                <a:latin typeface="Consolas" pitchFamily="49" charset="0"/>
+                <a:cs typeface="Consolas" pitchFamily="49" charset="0"/>
+              </a:rPr>
+              <a:t> (define (product </a:t>
+            </a:r>
+            <a:r>
+              <a:rPr lang="en-US" sz="2400" b="1" dirty="0" err="1">
+                <a:latin typeface="Consolas" pitchFamily="49" charset="0"/>
+                <a:cs typeface="Consolas" pitchFamily="49" charset="0"/>
+              </a:rPr>
+              <a:t>lon</a:t>
+            </a:r>
+            <a:r>
+              <a:rPr lang="en-US" sz="2400" b="1" dirty="0">
+                <a:latin typeface="Consolas" pitchFamily="49" charset="0"/>
+                <a:cs typeface="Consolas" pitchFamily="49" charset="0"/>
+              </a:rPr>
+              <a:t>) (foldr </a:t>
+            </a:r>
+            <a:r>
+              <a:rPr lang="en-US" sz="2400" b="1" dirty="0">
+                <a:solidFill>
+                  <a:schemeClr val="accent3"/>
+                </a:solidFill>
+                <a:latin typeface="Consolas" pitchFamily="49" charset="0"/>
+                <a:cs typeface="Consolas" pitchFamily="49" charset="0"/>
+              </a:rPr>
+              <a:t>* </a:t>
+            </a:r>
+            <a:r>
+              <a:rPr lang="en-US" sz="2400" b="1" dirty="0">
+                <a:solidFill>
+                  <a:srgbClr val="FF0000"/>
+                </a:solidFill>
+                <a:latin typeface="Consolas" pitchFamily="49" charset="0"/>
+                <a:cs typeface="Consolas" pitchFamily="49" charset="0"/>
+              </a:rPr>
+              <a:t>1 </a:t>
+            </a:r>
+            <a:r>
+              <a:rPr lang="en-US" sz="2400" b="1" dirty="0" err="1">
+                <a:latin typeface="Consolas" pitchFamily="49" charset="0"/>
+                <a:cs typeface="Consolas" pitchFamily="49" charset="0"/>
+              </a:rPr>
+              <a:t>lon</a:t>
+            </a:r>
+            <a:r>
+              <a:rPr lang="en-US" sz="2400" b="1" dirty="0">
+                <a:latin typeface="Consolas" pitchFamily="49" charset="0"/>
+                <a:cs typeface="Consolas" pitchFamily="49" charset="0"/>
+              </a:rPr>
+              <a:t>))</a:t>
+            </a:r>
           </a:p>
         </p:txBody>
       </p:sp>
@@ -20452,10 +19986,9 @@
           <a:lstStyle/>
           <a:p>
             <a:r>
-              <a:rPr lang="en-US" sz="3200" dirty="0" smtClean="0"/>
+              <a:rPr lang="en-US" sz="3200" dirty="0"/>
               <a:t>We call this "foldr" (we'll explain the name later)</a:t>
             </a:r>
-            <a:endParaRPr lang="en-US" sz="3200" dirty="0"/>
           </a:p>
         </p:txBody>
       </p:sp>
@@ -20496,10 +20029,9 @@
           <a:lstStyle/>
           <a:p>
             <a:r>
-              <a:rPr lang="en-US" dirty="0" smtClean="0"/>
+              <a:rPr lang="en-US" dirty="0"/>
               <a:t>This is predefined in ISL, so you don't need to write out this definition</a:t>
             </a:r>
-            <a:endParaRPr lang="en-US" dirty="0"/>
           </a:p>
         </p:txBody>
       </p:sp>
@@ -20513,13 +20045,6 @@
   <p:clrMapOvr>
     <a:masterClrMapping/>
   </p:clrMapOvr>
-  <p:timing>
-    <p:tnLst>
-      <p:par>
-        <p:cTn id="1" dur="indefinite" restart="never" nodeType="tmRoot"/>
-      </p:par>
-    </p:tnLst>
-  </p:timing>
 </p:sld>
 </file>
 
@@ -20556,10 +20081,9 @@
           <a:lstStyle/>
           <a:p>
             <a:r>
-              <a:rPr lang="en-US" dirty="0" smtClean="0"/>
+              <a:rPr lang="en-US" dirty="0"/>
               <a:t>What is the purpose statement?</a:t>
             </a:r>
-            <a:endParaRPr lang="en-US" dirty="0"/>
           </a:p>
         </p:txBody>
       </p:sp>
@@ -20580,12 +20104,17 @@
           </a:bodyPr>
           <a:lstStyle/>
           <a:p>
+            <a:pPr>
+              <a:spcBef>
+                <a:spcPts val="0"/>
+              </a:spcBef>
+            </a:pPr>
             <a:r>
               <a:rPr lang="en-US" sz="2400" dirty="0"/>
               <a:t>;; foldr : (X Y -&gt; Y) Y </a:t>
             </a:r>
             <a:r>
-              <a:rPr lang="en-US" sz="2400" dirty="0" err="1" smtClean="0"/>
+              <a:rPr lang="en-US" sz="2400" dirty="0" err="1"/>
               <a:t>ListOfX</a:t>
             </a:r>
             <a:r>
@@ -20594,56 +20123,44 @@
             </a:r>
           </a:p>
           <a:p>
+            <a:pPr>
+              <a:spcBef>
+                <a:spcPts val="0"/>
+              </a:spcBef>
+            </a:pPr>
             <a:r>
               <a:rPr lang="en-US" sz="2400" dirty="0"/>
-              <a:t>;; </a:t>
-            </a:r>
-            <a:r>
-              <a:rPr lang="en-US" sz="2400" dirty="0" smtClean="0"/>
-              <a:t>RETURNS: the result of applying </a:t>
-            </a:r>
+              <a:t>;; RETURNS: the result of applying f on the</a:t>
+            </a:r>
+          </a:p>
+          <a:p>
+            <a:pPr>
+              <a:spcBef>
+                <a:spcPts val="0"/>
+              </a:spcBef>
+            </a:pPr>
             <a:r>
               <a:rPr lang="en-US" sz="2400" dirty="0"/>
-              <a:t>f on </a:t>
-            </a:r>
-            <a:r>
-              <a:rPr lang="en-US" sz="2400" dirty="0" smtClean="0"/>
-              <a:t>the</a:t>
-            </a:r>
-          </a:p>
-          <a:p>
-            <a:r>
-              <a:rPr lang="en-US" sz="2400" dirty="0" smtClean="0"/>
-              <a:t>;; </a:t>
-            </a:r>
+              <a:t>;; elements of the given list</a:t>
+            </a:r>
+          </a:p>
+          <a:p>
+            <a:pPr>
+              <a:spcBef>
+                <a:spcPts val="0"/>
+              </a:spcBef>
+            </a:pPr>
             <a:r>
               <a:rPr lang="en-US" sz="2400" dirty="0"/>
-              <a:t>elements of the given </a:t>
-            </a:r>
-            <a:r>
-              <a:rPr lang="en-US" sz="2400" dirty="0" smtClean="0"/>
-              <a:t>list</a:t>
-            </a:r>
-          </a:p>
-          <a:p>
-            <a:r>
-              <a:rPr lang="en-US" sz="2400" dirty="0" smtClean="0"/>
-              <a:t>;; </a:t>
-            </a:r>
-            <a:r>
-              <a:rPr lang="en-US" sz="2400" dirty="0"/>
-              <a:t>from right to </a:t>
-            </a:r>
-            <a:r>
-              <a:rPr lang="en-US" sz="2400" dirty="0" smtClean="0"/>
-              <a:t>left</a:t>
-            </a:r>
-            <a:r>
-              <a:rPr lang="en-US" sz="2400" dirty="0"/>
-              <a:t>, starting with base. </a:t>
-            </a:r>
-          </a:p>
-          <a:p>
+              <a:t>;; from right to left, starting with base. </a:t>
+            </a:r>
+          </a:p>
+          <a:p>
+            <a:pPr>
+              <a:spcBef>
+                <a:spcPts val="0"/>
+              </a:spcBef>
+            </a:pPr>
             <a:r>
               <a:rPr lang="en-US" sz="2400" dirty="0"/>
               <a:t>;; (foldr f base (list x_1 ... </a:t>
@@ -20658,6 +20175,11 @@
             </a:r>
           </a:p>
           <a:p>
+            <a:pPr>
+              <a:spcBef>
+                <a:spcPts val="0"/>
+              </a:spcBef>
+            </a:pPr>
             <a:r>
               <a:rPr lang="en-US" sz="2400" dirty="0"/>
               <a:t>;;   = (f x_1 ... (f </a:t>
@@ -20709,13 +20231,6 @@
   <p:clrMapOvr>
     <a:masterClrMapping/>
   </p:clrMapOvr>
-  <p:timing>
-    <p:tnLst>
-      <p:par>
-        <p:cTn id="1" dur="indefinite" restart="never" nodeType="tmRoot"/>
-      </p:par>
-    </p:tnLst>
-  </p:timing>
 </p:sld>
 </file>
 
@@ -20752,10 +20267,9 @@
           <a:lstStyle/>
           <a:p>
             <a:r>
-              <a:rPr lang="en-US" dirty="0" smtClean="0"/>
+              <a:rPr lang="en-US" dirty="0"/>
               <a:t>What is the contract for foldr?</a:t>
             </a:r>
-            <a:endParaRPr lang="en-US" dirty="0"/>
           </a:p>
         </p:txBody>
       </p:sp>
@@ -20780,12 +20294,8 @@
               <a:buNone/>
             </a:pPr>
             <a:r>
-              <a:rPr lang="en-US" sz="3300" dirty="0" smtClean="0"/>
-              <a:t>Based on our two examples we might guess the following contract for foldr: Here </a:t>
-            </a:r>
-            <a:r>
               <a:rPr lang="en-US" sz="3300" dirty="0"/>
-              <a:t>is one guess for the contract for </a:t>
+              <a:t>Based on our two examples we might guess the following contract for foldr: Here is one guess for the contract for </a:t>
             </a:r>
             <a:r>
               <a:rPr lang="en-US" sz="3300" b="1" dirty="0"/>
@@ -20795,13 +20305,12 @@
               <a:rPr lang="en-US" sz="3300" dirty="0"/>
               <a:t>, based on our two examples: </a:t>
             </a:r>
-            <a:endParaRPr lang="en-US" sz="3300" dirty="0" smtClean="0"/>
           </a:p>
           <a:p>
             <a:pPr>
               <a:buNone/>
             </a:pPr>
-            <a:endParaRPr lang="en-US" b="1" dirty="0" smtClean="0">
+            <a:endParaRPr lang="en-US" b="1" dirty="0">
               <a:latin typeface="Consolas" pitchFamily="49" charset="0"/>
               <a:cs typeface="Consolas" pitchFamily="49" charset="0"/>
             </a:endParaRPr>
@@ -20811,18 +20320,11 @@
               <a:buNone/>
             </a:pPr>
             <a:r>
-              <a:rPr lang="en-US" sz="2800" b="1" dirty="0" smtClean="0">
-                <a:latin typeface="Consolas" pitchFamily="49" charset="0"/>
-                <a:cs typeface="Consolas" pitchFamily="49" charset="0"/>
-              </a:rPr>
-              <a:t>foldr </a:t>
-            </a:r>
-            <a:r>
               <a:rPr lang="en-US" sz="2800" b="1" dirty="0">
                 <a:latin typeface="Consolas" pitchFamily="49" charset="0"/>
                 <a:cs typeface="Consolas" pitchFamily="49" charset="0"/>
               </a:rPr>
-              <a:t>: </a:t>
+              <a:t>foldr : </a:t>
             </a:r>
           </a:p>
           <a:p>
@@ -20848,14 +20350,7 @@
                 <a:latin typeface="Consolas" pitchFamily="49" charset="0"/>
                 <a:cs typeface="Consolas" pitchFamily="49" charset="0"/>
               </a:rPr>
-              <a:t> -&gt; Number) </a:t>
-            </a:r>
-            <a:r>
-              <a:rPr lang="en-US" sz="2800" b="1" dirty="0" smtClean="0">
-                <a:latin typeface="Consolas" pitchFamily="49" charset="0"/>
-                <a:cs typeface="Consolas" pitchFamily="49" charset="0"/>
-              </a:rPr>
-              <a:t>Number </a:t>
+              <a:t> -&gt; Number) Number </a:t>
             </a:r>
             <a:r>
               <a:rPr lang="en-US" sz="2800" b="1" dirty="0" err="1">
@@ -20878,16 +20373,9 @@
                 <a:latin typeface="Consolas" pitchFamily="49" charset="0"/>
                 <a:cs typeface="Consolas" pitchFamily="49" charset="0"/>
               </a:rPr>
-              <a:t>    -&gt; </a:t>
-            </a:r>
-            <a:r>
-              <a:rPr lang="en-US" sz="2800" b="1" dirty="0" smtClean="0">
-                <a:latin typeface="Consolas" pitchFamily="49" charset="0"/>
-                <a:cs typeface="Consolas" pitchFamily="49" charset="0"/>
-              </a:rPr>
-              <a:t>Number</a:t>
-            </a:r>
-            <a:endParaRPr lang="en-US" sz="2800" dirty="0" smtClean="0"/>
+              <a:t>    -&gt; Number</a:t>
+            </a:r>
+            <a:endParaRPr lang="en-US" sz="2800" dirty="0"/>
           </a:p>
           <a:p>
             <a:endParaRPr lang="en-US" b="1" dirty="0"/>
@@ -20897,20 +20385,16 @@
               <a:buNone/>
             </a:pPr>
             <a:r>
-              <a:rPr lang="en-US" sz="3300" dirty="0" smtClean="0"/>
+              <a:rPr lang="en-US" sz="3300" dirty="0"/>
               <a:t>This works, because </a:t>
             </a:r>
             <a:r>
-              <a:rPr lang="en-US" sz="3300" b="1" dirty="0" smtClean="0"/>
+              <a:rPr lang="en-US" sz="3300" b="1" dirty="0"/>
               <a:t>+</a:t>
             </a:r>
             <a:r>
-              <a:rPr lang="en-US" sz="3300" dirty="0" smtClean="0"/>
-              <a:t> </a:t>
-            </a:r>
-            <a:r>
               <a:rPr lang="en-US" sz="3300" dirty="0"/>
-              <a:t>and </a:t>
+              <a:t> and </a:t>
             </a:r>
             <a:r>
               <a:rPr lang="en-US" sz="3300" b="1" dirty="0"/>
@@ -20985,13 +20469,6 @@
   <p:clrMapOvr>
     <a:masterClrMapping/>
   </p:clrMapOvr>
-  <p:timing>
-    <p:tnLst>
-      <p:par>
-        <p:cTn id="1" dur="indefinite" restart="never" nodeType="tmRoot"/>
-      </p:par>
-    </p:tnLst>
-  </p:timing>
 </p:sld>
 </file>
 
